--- a/machine_learning_Final.pptx
+++ b/machine_learning_Final.pptx
@@ -5,10 +5,10 @@
     <p:sldMasterId id="2147483660" r:id="rId1"/>
   </p:sldMasterIdLst>
   <p:notesMasterIdLst>
-    <p:notesMasterId r:id="rId30"/>
+    <p:notesMasterId r:id="rId29"/>
   </p:notesMasterIdLst>
   <p:handoutMasterIdLst>
-    <p:handoutMasterId r:id="rId31"/>
+    <p:handoutMasterId r:id="rId30"/>
   </p:handoutMasterIdLst>
   <p:sldIdLst>
     <p:sldId id="258" r:id="rId2"/>
@@ -24,21 +24,20 @@
     <p:sldId id="303" r:id="rId12"/>
     <p:sldId id="309" r:id="rId13"/>
     <p:sldId id="308" r:id="rId14"/>
-    <p:sldId id="294" r:id="rId15"/>
-    <p:sldId id="296" r:id="rId16"/>
-    <p:sldId id="297" r:id="rId17"/>
-    <p:sldId id="307" r:id="rId18"/>
-    <p:sldId id="293" r:id="rId19"/>
-    <p:sldId id="301" r:id="rId20"/>
-    <p:sldId id="299" r:id="rId21"/>
-    <p:sldId id="300" r:id="rId22"/>
-    <p:sldId id="288" r:id="rId23"/>
-    <p:sldId id="276" r:id="rId24"/>
-    <p:sldId id="287" r:id="rId25"/>
-    <p:sldId id="277" r:id="rId26"/>
-    <p:sldId id="291" r:id="rId27"/>
-    <p:sldId id="273" r:id="rId28"/>
-    <p:sldId id="271" r:id="rId29"/>
+    <p:sldId id="293" r:id="rId15"/>
+    <p:sldId id="294" r:id="rId16"/>
+    <p:sldId id="296" r:id="rId17"/>
+    <p:sldId id="297" r:id="rId18"/>
+    <p:sldId id="307" r:id="rId19"/>
+    <p:sldId id="310" r:id="rId20"/>
+    <p:sldId id="301" r:id="rId21"/>
+    <p:sldId id="299" r:id="rId22"/>
+    <p:sldId id="300" r:id="rId23"/>
+    <p:sldId id="288" r:id="rId24"/>
+    <p:sldId id="311" r:id="rId25"/>
+    <p:sldId id="276" r:id="rId26"/>
+    <p:sldId id="312" r:id="rId27"/>
+    <p:sldId id="271" r:id="rId28"/>
   </p:sldIdLst>
   <p:sldSz cx="12192000" cy="6858000"/>
   <p:notesSz cx="6858000" cy="9144000"/>
@@ -1183,7 +1182,7 @@
         <a:p>
           <a:pPr rtl="0"/>
           <a:r>
-            <a:rPr lang="zh-TW" altLang="en-US" dirty="0" smtClean="0"/>
+            <a:rPr lang="zh-TW" altLang="en-US" dirty="0"/>
             <a:t>紋路</a:t>
           </a:r>
           <a:endParaRPr lang="zh-TW" dirty="0"/>
@@ -1481,7 +1480,7 @@
         <a:p>
           <a:pPr rtl="0"/>
           <a:r>
-            <a:rPr lang="en-US" altLang="zh-TW" dirty="0" smtClean="0"/>
+            <a:rPr lang="en-US" altLang="zh-TW" dirty="0"/>
             <a:t>LBP</a:t>
           </a:r>
           <a:endParaRPr lang="zh-TW" dirty="0"/>
@@ -1519,7 +1518,7 @@
         <a:p>
           <a:pPr rtl="0"/>
           <a:r>
-            <a:rPr lang="zh-TW" altLang="en-US" dirty="0" smtClean="0"/>
+            <a:rPr lang="zh-TW" altLang="en-US" dirty="0"/>
             <a:t>紋路</a:t>
           </a:r>
           <a:endParaRPr lang="zh-TW" dirty="0"/>
@@ -1557,12 +1556,8 @@
         <a:p>
           <a:pPr rtl="0"/>
           <a:r>
-            <a:rPr lang="en-US" altLang="zh-TW" dirty="0" smtClean="0"/>
-            <a:t>MLP </a:t>
-          </a:r>
-          <a:r>
             <a:rPr lang="en-US" altLang="zh-TW" dirty="0"/>
-            <a:t>training</a:t>
+            <a:t>MLP training</a:t>
           </a:r>
           <a:endParaRPr lang="zh-TW" dirty="0"/>
         </a:p>
@@ -1635,7 +1630,7 @@
         <a:lstStyle/>
         <a:p>
           <a:r>
-            <a:rPr lang="en-US" altLang="zh-TW" dirty="0" smtClean="0"/>
+            <a:rPr lang="en-US" altLang="zh-TW" dirty="0"/>
             <a:t>LBP</a:t>
           </a:r>
           <a:endParaRPr lang="zh-TW" dirty="0"/>
@@ -1673,12 +1668,8 @@
         <a:p>
           <a:pPr rtl="0"/>
           <a:r>
-            <a:rPr lang="en-US" altLang="zh-TW" dirty="0" smtClean="0"/>
-            <a:t>MLP </a:t>
-          </a:r>
-          <a:r>
             <a:rPr lang="en-US" altLang="zh-TW" dirty="0"/>
-            <a:t>prediction</a:t>
+            <a:t>MLP prediction</a:t>
           </a:r>
           <a:endParaRPr lang="zh-TW" dirty="0"/>
         </a:p>
@@ -1831,13 +1822,6 @@
         </dgm:presLayoutVars>
       </dgm:prSet>
       <dgm:spPr/>
-      <dgm:t>
-        <a:bodyPr/>
-        <a:lstStyle/>
-        <a:p>
-          <a:endParaRPr lang="zh-TW" altLang="en-US"/>
-        </a:p>
-      </dgm:t>
     </dgm:pt>
     <dgm:pt modelId="{2E154E23-4474-46A0-8A9F-CB008BA06810}" type="pres">
       <dgm:prSet presAssocID="{B6BB88B3-1551-4C12-B40E-CB3A5ED4C37E}" presName="hierFlow" presStyleCnt="0"/>
@@ -1864,13 +1848,6 @@
         </dgm:presLayoutVars>
       </dgm:prSet>
       <dgm:spPr/>
-      <dgm:t>
-        <a:bodyPr/>
-        <a:lstStyle/>
-        <a:p>
-          <a:endParaRPr lang="zh-TW" altLang="en-US"/>
-        </a:p>
-      </dgm:t>
     </dgm:pt>
     <dgm:pt modelId="{8285066B-6AC7-4156-88EF-DAD11C66020F}" type="pres">
       <dgm:prSet presAssocID="{5F4D78F6-CF18-4025-9CBB-829D259A6C63}" presName="hierChild2" presStyleCnt="0"/>
@@ -1879,13 +1856,6 @@
     <dgm:pt modelId="{43DE2737-B9BF-441C-914F-96DBB3344438}" type="pres">
       <dgm:prSet presAssocID="{D7A748DB-4C2A-474B-9AC0-853E42E46736}" presName="Name19" presStyleLbl="parChTrans1D2" presStyleIdx="0" presStyleCnt="2"/>
       <dgm:spPr/>
-      <dgm:t>
-        <a:bodyPr/>
-        <a:lstStyle/>
-        <a:p>
-          <a:endParaRPr lang="zh-TW" altLang="en-US"/>
-        </a:p>
-      </dgm:t>
     </dgm:pt>
     <dgm:pt modelId="{BE5AE6BB-873E-4840-B267-8072A0EAC3C2}" type="pres">
       <dgm:prSet presAssocID="{CE62FFC7-7266-45B8-BCA3-DF8A5DFAD7B1}" presName="Name21" presStyleCnt="0"/>
@@ -1894,13 +1864,6 @@
     <dgm:pt modelId="{C71B52E7-49D4-45D1-8720-29956B223A1F}" type="pres">
       <dgm:prSet presAssocID="{CE62FFC7-7266-45B8-BCA3-DF8A5DFAD7B1}" presName="level2Shape" presStyleLbl="node2" presStyleIdx="0" presStyleCnt="2"/>
       <dgm:spPr/>
-      <dgm:t>
-        <a:bodyPr/>
-        <a:lstStyle/>
-        <a:p>
-          <a:endParaRPr lang="zh-TW" altLang="en-US"/>
-        </a:p>
-      </dgm:t>
     </dgm:pt>
     <dgm:pt modelId="{1FFF28E4-089B-4118-82AB-6DF00463088A}" type="pres">
       <dgm:prSet presAssocID="{CE62FFC7-7266-45B8-BCA3-DF8A5DFAD7B1}" presName="hierChild3" presStyleCnt="0"/>
@@ -1909,13 +1872,6 @@
     <dgm:pt modelId="{A7BC676D-D7C1-4EAE-AEAB-76A2F33DA029}" type="pres">
       <dgm:prSet presAssocID="{49ABA668-A454-40A6-B3AE-C4DAD0BF6307}" presName="Name19" presStyleLbl="parChTrans1D3" presStyleIdx="0" presStyleCnt="7"/>
       <dgm:spPr/>
-      <dgm:t>
-        <a:bodyPr/>
-        <a:lstStyle/>
-        <a:p>
-          <a:endParaRPr lang="zh-TW" altLang="en-US"/>
-        </a:p>
-      </dgm:t>
     </dgm:pt>
     <dgm:pt modelId="{300064DB-AAE3-4F4F-91C3-38B692147687}" type="pres">
       <dgm:prSet presAssocID="{A7EE0AD4-5561-4237-9EA0-680A667DE643}" presName="Name21" presStyleCnt="0"/>
@@ -1924,13 +1880,6 @@
     <dgm:pt modelId="{6548DA29-3B3A-4D47-9EC8-892A7ED0BDCD}" type="pres">
       <dgm:prSet presAssocID="{A7EE0AD4-5561-4237-9EA0-680A667DE643}" presName="level2Shape" presStyleLbl="node3" presStyleIdx="0" presStyleCnt="7"/>
       <dgm:spPr/>
-      <dgm:t>
-        <a:bodyPr/>
-        <a:lstStyle/>
-        <a:p>
-          <a:endParaRPr lang="zh-TW" altLang="en-US"/>
-        </a:p>
-      </dgm:t>
     </dgm:pt>
     <dgm:pt modelId="{8F45AB5B-CBC1-488D-8D33-D79CA5942286}" type="pres">
       <dgm:prSet presAssocID="{A7EE0AD4-5561-4237-9EA0-680A667DE643}" presName="hierChild3" presStyleCnt="0"/>
@@ -1939,13 +1888,6 @@
     <dgm:pt modelId="{E636DB5E-2B79-4162-B286-5B58B443B349}" type="pres">
       <dgm:prSet presAssocID="{402ED910-DE37-41CE-85CD-65F817C0E440}" presName="Name19" presStyleLbl="parChTrans1D4" presStyleIdx="0" presStyleCnt="11"/>
       <dgm:spPr/>
-      <dgm:t>
-        <a:bodyPr/>
-        <a:lstStyle/>
-        <a:p>
-          <a:endParaRPr lang="zh-TW" altLang="en-US"/>
-        </a:p>
-      </dgm:t>
     </dgm:pt>
     <dgm:pt modelId="{33AF8652-CF91-4398-B2D1-25B51748E731}" type="pres">
       <dgm:prSet presAssocID="{1DDE1B68-2F49-47AE-8FFB-D55D653BAEDB}" presName="Name21" presStyleCnt="0"/>
@@ -1954,13 +1896,6 @@
     <dgm:pt modelId="{F217412A-BDE7-4709-8C2B-E4F39547840B}" type="pres">
       <dgm:prSet presAssocID="{1DDE1B68-2F49-47AE-8FFB-D55D653BAEDB}" presName="level2Shape" presStyleLbl="node4" presStyleIdx="0" presStyleCnt="11"/>
       <dgm:spPr/>
-      <dgm:t>
-        <a:bodyPr/>
-        <a:lstStyle/>
-        <a:p>
-          <a:endParaRPr lang="zh-TW" altLang="en-US"/>
-        </a:p>
-      </dgm:t>
     </dgm:pt>
     <dgm:pt modelId="{1C2AA105-0E7E-4FC6-98A6-CA47B11ECA74}" type="pres">
       <dgm:prSet presAssocID="{1DDE1B68-2F49-47AE-8FFB-D55D653BAEDB}" presName="hierChild3" presStyleCnt="0"/>
@@ -1969,13 +1904,6 @@
     <dgm:pt modelId="{7A627794-31C1-4B07-8C83-9F4ECFA7EF87}" type="pres">
       <dgm:prSet presAssocID="{AC314258-156A-40B2-8438-457DB9774590}" presName="Name19" presStyleLbl="parChTrans1D3" presStyleIdx="1" presStyleCnt="7"/>
       <dgm:spPr/>
-      <dgm:t>
-        <a:bodyPr/>
-        <a:lstStyle/>
-        <a:p>
-          <a:endParaRPr lang="zh-TW" altLang="en-US"/>
-        </a:p>
-      </dgm:t>
     </dgm:pt>
     <dgm:pt modelId="{6B8AB1D7-DE09-4065-A2A9-26D3B57E453F}" type="pres">
       <dgm:prSet presAssocID="{A49CB5AE-AB08-4CC5-A354-F1727805B218}" presName="Name21" presStyleCnt="0"/>
@@ -1984,13 +1912,6 @@
     <dgm:pt modelId="{4E7799B0-A228-4996-B4EF-94031FC8E8E9}" type="pres">
       <dgm:prSet presAssocID="{A49CB5AE-AB08-4CC5-A354-F1727805B218}" presName="level2Shape" presStyleLbl="node3" presStyleIdx="1" presStyleCnt="7"/>
       <dgm:spPr/>
-      <dgm:t>
-        <a:bodyPr/>
-        <a:lstStyle/>
-        <a:p>
-          <a:endParaRPr lang="zh-TW" altLang="en-US"/>
-        </a:p>
-      </dgm:t>
     </dgm:pt>
     <dgm:pt modelId="{F9E3E1EE-1FF6-49A5-AC7D-6C9833A09716}" type="pres">
       <dgm:prSet presAssocID="{A49CB5AE-AB08-4CC5-A354-F1727805B218}" presName="hierChild3" presStyleCnt="0"/>
@@ -1999,13 +1920,6 @@
     <dgm:pt modelId="{861D381E-1F95-415F-A5A3-E9882C805F1D}" type="pres">
       <dgm:prSet presAssocID="{5F7448E7-7262-4565-B2B2-155ACA443857}" presName="Name19" presStyleLbl="parChTrans1D4" presStyleIdx="1" presStyleCnt="11"/>
       <dgm:spPr/>
-      <dgm:t>
-        <a:bodyPr/>
-        <a:lstStyle/>
-        <a:p>
-          <a:endParaRPr lang="zh-TW" altLang="en-US"/>
-        </a:p>
-      </dgm:t>
     </dgm:pt>
     <dgm:pt modelId="{0664098D-7594-405A-A78B-FE229E049D96}" type="pres">
       <dgm:prSet presAssocID="{770263D2-775E-4D11-B280-928F1E3C65C5}" presName="Name21" presStyleCnt="0"/>
@@ -2014,13 +1928,6 @@
     <dgm:pt modelId="{FC03C132-125A-4E97-B478-0E72CAF14E8C}" type="pres">
       <dgm:prSet presAssocID="{770263D2-775E-4D11-B280-928F1E3C65C5}" presName="level2Shape" presStyleLbl="node4" presStyleIdx="1" presStyleCnt="11"/>
       <dgm:spPr/>
-      <dgm:t>
-        <a:bodyPr/>
-        <a:lstStyle/>
-        <a:p>
-          <a:endParaRPr lang="zh-TW" altLang="en-US"/>
-        </a:p>
-      </dgm:t>
     </dgm:pt>
     <dgm:pt modelId="{A4D10E70-1F2E-4D78-8628-EDBE5E50DF12}" type="pres">
       <dgm:prSet presAssocID="{770263D2-775E-4D11-B280-928F1E3C65C5}" presName="hierChild3" presStyleCnt="0"/>
@@ -2029,13 +1936,6 @@
     <dgm:pt modelId="{F3515DC6-D19A-43A7-9B2D-8C1875D1547E}" type="pres">
       <dgm:prSet presAssocID="{08731CDF-6C77-41BA-A01B-0ABFB4263A32}" presName="Name19" presStyleLbl="parChTrans1D4" presStyleIdx="2" presStyleCnt="11"/>
       <dgm:spPr/>
-      <dgm:t>
-        <a:bodyPr/>
-        <a:lstStyle/>
-        <a:p>
-          <a:endParaRPr lang="zh-TW" altLang="en-US"/>
-        </a:p>
-      </dgm:t>
     </dgm:pt>
     <dgm:pt modelId="{55E5C010-4001-4ECE-BDE6-7CA7E5FD5BE5}" type="pres">
       <dgm:prSet presAssocID="{940D83E2-F17E-4731-B1DD-575644369B3F}" presName="Name21" presStyleCnt="0"/>
@@ -2044,13 +1944,6 @@
     <dgm:pt modelId="{1B240BF3-F309-471E-854D-830137EA6FA0}" type="pres">
       <dgm:prSet presAssocID="{940D83E2-F17E-4731-B1DD-575644369B3F}" presName="level2Shape" presStyleLbl="node4" presStyleIdx="2" presStyleCnt="11"/>
       <dgm:spPr/>
-      <dgm:t>
-        <a:bodyPr/>
-        <a:lstStyle/>
-        <a:p>
-          <a:endParaRPr lang="zh-TW" altLang="en-US"/>
-        </a:p>
-      </dgm:t>
     </dgm:pt>
     <dgm:pt modelId="{26DEF8ED-20B0-4C18-AFCA-5A7EC81908FA}" type="pres">
       <dgm:prSet presAssocID="{940D83E2-F17E-4731-B1DD-575644369B3F}" presName="hierChild3" presStyleCnt="0"/>
@@ -2059,13 +1952,6 @@
     <dgm:pt modelId="{3D67BD21-A232-4AA7-8EF2-A8A85460E2D2}" type="pres">
       <dgm:prSet presAssocID="{D6E51055-AC1F-4DF0-AC18-BF1D34AA2259}" presName="Name19" presStyleLbl="parChTrans1D3" presStyleIdx="2" presStyleCnt="7"/>
       <dgm:spPr/>
-      <dgm:t>
-        <a:bodyPr/>
-        <a:lstStyle/>
-        <a:p>
-          <a:endParaRPr lang="zh-TW" altLang="en-US"/>
-        </a:p>
-      </dgm:t>
     </dgm:pt>
     <dgm:pt modelId="{15BEF45C-759E-4081-AEF3-4CF06C4E3CFE}" type="pres">
       <dgm:prSet presAssocID="{D08300E8-713C-4F62-9C0A-C177C3C9939A}" presName="Name21" presStyleCnt="0"/>
@@ -2074,13 +1960,6 @@
     <dgm:pt modelId="{7D674F32-FC16-416C-B8F1-582EB138E3D6}" type="pres">
       <dgm:prSet presAssocID="{D08300E8-713C-4F62-9C0A-C177C3C9939A}" presName="level2Shape" presStyleLbl="node3" presStyleIdx="2" presStyleCnt="7"/>
       <dgm:spPr/>
-      <dgm:t>
-        <a:bodyPr/>
-        <a:lstStyle/>
-        <a:p>
-          <a:endParaRPr lang="zh-TW" altLang="en-US"/>
-        </a:p>
-      </dgm:t>
     </dgm:pt>
     <dgm:pt modelId="{A606179B-7474-4C09-884B-7901454D168A}" type="pres">
       <dgm:prSet presAssocID="{D08300E8-713C-4F62-9C0A-C177C3C9939A}" presName="hierChild3" presStyleCnt="0"/>
@@ -2089,13 +1968,6 @@
     <dgm:pt modelId="{2541D668-6583-4EE2-8E1D-8FACF2BBC88C}" type="pres">
       <dgm:prSet presAssocID="{94C882FB-D895-4225-98EA-FF10B58052E0}" presName="Name19" presStyleLbl="parChTrans1D4" presStyleIdx="3" presStyleCnt="11"/>
       <dgm:spPr/>
-      <dgm:t>
-        <a:bodyPr/>
-        <a:lstStyle/>
-        <a:p>
-          <a:endParaRPr lang="zh-TW" altLang="en-US"/>
-        </a:p>
-      </dgm:t>
     </dgm:pt>
     <dgm:pt modelId="{5F44CEA7-B842-4545-BA13-F3A3EFD81449}" type="pres">
       <dgm:prSet presAssocID="{B43A81EF-63FD-414F-BD2C-18A5B0C979D3}" presName="Name21" presStyleCnt="0"/>
@@ -2104,13 +1976,6 @@
     <dgm:pt modelId="{8614312F-CEC9-45C0-A25F-3B82CDF036A4}" type="pres">
       <dgm:prSet presAssocID="{B43A81EF-63FD-414F-BD2C-18A5B0C979D3}" presName="level2Shape" presStyleLbl="node4" presStyleIdx="3" presStyleCnt="11"/>
       <dgm:spPr/>
-      <dgm:t>
-        <a:bodyPr/>
-        <a:lstStyle/>
-        <a:p>
-          <a:endParaRPr lang="zh-TW" altLang="en-US"/>
-        </a:p>
-      </dgm:t>
     </dgm:pt>
     <dgm:pt modelId="{E127B60B-3FBF-4474-8776-745A4D26C3B2}" type="pres">
       <dgm:prSet presAssocID="{B43A81EF-63FD-414F-BD2C-18A5B0C979D3}" presName="hierChild3" presStyleCnt="0"/>
@@ -2119,13 +1984,6 @@
     <dgm:pt modelId="{653AB5BD-4615-420C-B9AB-505101D5833C}" type="pres">
       <dgm:prSet presAssocID="{9ED60549-4B46-4116-89A7-11C694E86894}" presName="Name19" presStyleLbl="parChTrans1D4" presStyleIdx="4" presStyleCnt="11"/>
       <dgm:spPr/>
-      <dgm:t>
-        <a:bodyPr/>
-        <a:lstStyle/>
-        <a:p>
-          <a:endParaRPr lang="zh-TW" altLang="en-US"/>
-        </a:p>
-      </dgm:t>
     </dgm:pt>
     <dgm:pt modelId="{F058329B-6CEC-4364-9F30-FC770217534D}" type="pres">
       <dgm:prSet presAssocID="{47043032-F53A-42B1-A16E-0BFB68695DBD}" presName="Name21" presStyleCnt="0"/>
@@ -2134,13 +1992,6 @@
     <dgm:pt modelId="{AFB3DB2E-C7A8-431B-9B38-FA91A9ACF599}" type="pres">
       <dgm:prSet presAssocID="{47043032-F53A-42B1-A16E-0BFB68695DBD}" presName="level2Shape" presStyleLbl="node4" presStyleIdx="4" presStyleCnt="11"/>
       <dgm:spPr/>
-      <dgm:t>
-        <a:bodyPr/>
-        <a:lstStyle/>
-        <a:p>
-          <a:endParaRPr lang="zh-TW" altLang="en-US"/>
-        </a:p>
-      </dgm:t>
     </dgm:pt>
     <dgm:pt modelId="{2BFC36E2-EE79-4BF6-AC61-2783AAB67171}" type="pres">
       <dgm:prSet presAssocID="{47043032-F53A-42B1-A16E-0BFB68695DBD}" presName="hierChild3" presStyleCnt="0"/>
@@ -2149,13 +2000,6 @@
     <dgm:pt modelId="{4AB59669-AD6E-49B2-9DA6-91CFC7B1BAA4}" type="pres">
       <dgm:prSet presAssocID="{9DB2C076-3B8E-4C41-A471-C7E9CA07E74A}" presName="Name19" presStyleLbl="parChTrans1D3" presStyleIdx="3" presStyleCnt="7"/>
       <dgm:spPr/>
-      <dgm:t>
-        <a:bodyPr/>
-        <a:lstStyle/>
-        <a:p>
-          <a:endParaRPr lang="zh-TW" altLang="en-US"/>
-        </a:p>
-      </dgm:t>
     </dgm:pt>
     <dgm:pt modelId="{4CCF151C-BF6D-4EE8-A17A-0D0DD551F86D}" type="pres">
       <dgm:prSet presAssocID="{6A316BE3-29D3-40A4-945F-91426840E5DA}" presName="Name21" presStyleCnt="0"/>
@@ -2164,13 +2008,6 @@
     <dgm:pt modelId="{BD146849-6801-455E-B4DF-3F7166309EB1}" type="pres">
       <dgm:prSet presAssocID="{6A316BE3-29D3-40A4-945F-91426840E5DA}" presName="level2Shape" presStyleLbl="node3" presStyleIdx="3" presStyleCnt="7"/>
       <dgm:spPr/>
-      <dgm:t>
-        <a:bodyPr/>
-        <a:lstStyle/>
-        <a:p>
-          <a:endParaRPr lang="zh-TW" altLang="en-US"/>
-        </a:p>
-      </dgm:t>
     </dgm:pt>
     <dgm:pt modelId="{CA1EC64F-B9B3-4BED-835C-5E530E57D5FC}" type="pres">
       <dgm:prSet presAssocID="{6A316BE3-29D3-40A4-945F-91426840E5DA}" presName="hierChild3" presStyleCnt="0"/>
@@ -2179,13 +2016,6 @@
     <dgm:pt modelId="{A1BD6871-85BF-4C93-A498-1B6FAC72C74E}" type="pres">
       <dgm:prSet presAssocID="{B6DC32C6-0351-4B04-BB80-056A8C884BD0}" presName="Name19" presStyleLbl="parChTrans1D2" presStyleIdx="1" presStyleCnt="2"/>
       <dgm:spPr/>
-      <dgm:t>
-        <a:bodyPr/>
-        <a:lstStyle/>
-        <a:p>
-          <a:endParaRPr lang="zh-TW" altLang="en-US"/>
-        </a:p>
-      </dgm:t>
     </dgm:pt>
     <dgm:pt modelId="{CC108763-6D19-4642-A10F-85A3F179B3D3}" type="pres">
       <dgm:prSet presAssocID="{F5D0E1BB-D05D-4AA4-A3ED-42BED5F1F3F2}" presName="Name21" presStyleCnt="0"/>
@@ -2194,13 +2024,6 @@
     <dgm:pt modelId="{E3E26CF0-4369-4D07-A4E5-8CFB863BF958}" type="pres">
       <dgm:prSet presAssocID="{F5D0E1BB-D05D-4AA4-A3ED-42BED5F1F3F2}" presName="level2Shape" presStyleLbl="node2" presStyleIdx="1" presStyleCnt="2"/>
       <dgm:spPr/>
-      <dgm:t>
-        <a:bodyPr/>
-        <a:lstStyle/>
-        <a:p>
-          <a:endParaRPr lang="zh-TW" altLang="en-US"/>
-        </a:p>
-      </dgm:t>
     </dgm:pt>
     <dgm:pt modelId="{B36F2CF6-D166-4761-B8F0-67972DBF3B75}" type="pres">
       <dgm:prSet presAssocID="{F5D0E1BB-D05D-4AA4-A3ED-42BED5F1F3F2}" presName="hierChild3" presStyleCnt="0"/>
@@ -2209,13 +2032,6 @@
     <dgm:pt modelId="{3DC1F0D9-81D9-45F8-94F2-636E41D031B9}" type="pres">
       <dgm:prSet presAssocID="{587220F9-D090-4997-8C37-6C210FFA3BC7}" presName="Name19" presStyleLbl="parChTrans1D3" presStyleIdx="4" presStyleCnt="7"/>
       <dgm:spPr/>
-      <dgm:t>
-        <a:bodyPr/>
-        <a:lstStyle/>
-        <a:p>
-          <a:endParaRPr lang="zh-TW" altLang="en-US"/>
-        </a:p>
-      </dgm:t>
     </dgm:pt>
     <dgm:pt modelId="{5010A3BA-3D31-45A6-B457-F7C8FFA7FEEE}" type="pres">
       <dgm:prSet presAssocID="{9804E660-2F40-4543-A54E-0D907BD819D1}" presName="Name21" presStyleCnt="0"/>
@@ -2224,13 +2040,6 @@
     <dgm:pt modelId="{04E8436F-E901-4069-B001-8E0EB4E5DFAE}" type="pres">
       <dgm:prSet presAssocID="{9804E660-2F40-4543-A54E-0D907BD819D1}" presName="level2Shape" presStyleLbl="node3" presStyleIdx="4" presStyleCnt="7"/>
       <dgm:spPr/>
-      <dgm:t>
-        <a:bodyPr/>
-        <a:lstStyle/>
-        <a:p>
-          <a:endParaRPr lang="zh-TW" altLang="en-US"/>
-        </a:p>
-      </dgm:t>
     </dgm:pt>
     <dgm:pt modelId="{3B4E268B-681D-4190-B832-9B2C9EF2D8CC}" type="pres">
       <dgm:prSet presAssocID="{9804E660-2F40-4543-A54E-0D907BD819D1}" presName="hierChild3" presStyleCnt="0"/>
@@ -2239,13 +2048,6 @@
     <dgm:pt modelId="{709B4420-22D1-41B2-8DD2-AAC26AFF5988}" type="pres">
       <dgm:prSet presAssocID="{FA08DAA0-0E12-415F-9D2F-21D35D5AFA73}" presName="Name19" presStyleLbl="parChTrans1D4" presStyleIdx="5" presStyleCnt="11"/>
       <dgm:spPr/>
-      <dgm:t>
-        <a:bodyPr/>
-        <a:lstStyle/>
-        <a:p>
-          <a:endParaRPr lang="zh-TW" altLang="en-US"/>
-        </a:p>
-      </dgm:t>
     </dgm:pt>
     <dgm:pt modelId="{E82AA80B-0BF6-4442-89D8-ACB4FC3516A8}" type="pres">
       <dgm:prSet presAssocID="{D6BAAFAE-24F3-4BC9-9595-5EE173A0F661}" presName="Name21" presStyleCnt="0"/>
@@ -2254,13 +2056,6 @@
     <dgm:pt modelId="{D8EA34F9-44DB-400F-BF1D-8318AB8D3508}" type="pres">
       <dgm:prSet presAssocID="{D6BAAFAE-24F3-4BC9-9595-5EE173A0F661}" presName="level2Shape" presStyleLbl="node4" presStyleIdx="5" presStyleCnt="11"/>
       <dgm:spPr/>
-      <dgm:t>
-        <a:bodyPr/>
-        <a:lstStyle/>
-        <a:p>
-          <a:endParaRPr lang="zh-TW" altLang="en-US"/>
-        </a:p>
-      </dgm:t>
     </dgm:pt>
     <dgm:pt modelId="{A5A00371-2676-46A6-B45F-F2E62FEECC7D}" type="pres">
       <dgm:prSet presAssocID="{D6BAAFAE-24F3-4BC9-9595-5EE173A0F661}" presName="hierChild3" presStyleCnt="0"/>
@@ -2269,13 +2064,6 @@
     <dgm:pt modelId="{5324B758-9B89-4E19-9FB2-2DE853E7B9F1}" type="pres">
       <dgm:prSet presAssocID="{6D3F08E3-97A7-4549-9AC4-A09ADB4EB44F}" presName="Name19" presStyleLbl="parChTrans1D3" presStyleIdx="5" presStyleCnt="7"/>
       <dgm:spPr/>
-      <dgm:t>
-        <a:bodyPr/>
-        <a:lstStyle/>
-        <a:p>
-          <a:endParaRPr lang="zh-TW" altLang="en-US"/>
-        </a:p>
-      </dgm:t>
     </dgm:pt>
     <dgm:pt modelId="{94EB0A49-98A8-434D-99DE-5219C1E8E5F3}" type="pres">
       <dgm:prSet presAssocID="{E4BA2E8A-1C92-4E2C-8AA5-00403D9E0BB6}" presName="Name21" presStyleCnt="0"/>
@@ -2284,13 +2072,6 @@
     <dgm:pt modelId="{ACC04287-6198-4899-9343-ED8247E524C8}" type="pres">
       <dgm:prSet presAssocID="{E4BA2E8A-1C92-4E2C-8AA5-00403D9E0BB6}" presName="level2Shape" presStyleLbl="node3" presStyleIdx="5" presStyleCnt="7"/>
       <dgm:spPr/>
-      <dgm:t>
-        <a:bodyPr/>
-        <a:lstStyle/>
-        <a:p>
-          <a:endParaRPr lang="zh-TW" altLang="en-US"/>
-        </a:p>
-      </dgm:t>
     </dgm:pt>
     <dgm:pt modelId="{76E60B38-1110-421B-8F54-88B06967CDCE}" type="pres">
       <dgm:prSet presAssocID="{E4BA2E8A-1C92-4E2C-8AA5-00403D9E0BB6}" presName="hierChild3" presStyleCnt="0"/>
@@ -2299,13 +2080,6 @@
     <dgm:pt modelId="{71122727-A3A9-4CA9-A302-463238571CF3}" type="pres">
       <dgm:prSet presAssocID="{E7E27C14-A31D-4831-851D-77AA2A6A7EAB}" presName="Name19" presStyleLbl="parChTrans1D4" presStyleIdx="6" presStyleCnt="11"/>
       <dgm:spPr/>
-      <dgm:t>
-        <a:bodyPr/>
-        <a:lstStyle/>
-        <a:p>
-          <a:endParaRPr lang="zh-TW" altLang="en-US"/>
-        </a:p>
-      </dgm:t>
     </dgm:pt>
     <dgm:pt modelId="{5FCBBD12-AC19-445F-8DA8-0F437FD41891}" type="pres">
       <dgm:prSet presAssocID="{79DF8699-3C86-4AFE-871E-A2CFDFEEA068}" presName="Name21" presStyleCnt="0"/>
@@ -2314,13 +2088,6 @@
     <dgm:pt modelId="{E325072A-E321-4B43-BA71-2702AB466C77}" type="pres">
       <dgm:prSet presAssocID="{79DF8699-3C86-4AFE-871E-A2CFDFEEA068}" presName="level2Shape" presStyleLbl="node4" presStyleIdx="6" presStyleCnt="11"/>
       <dgm:spPr/>
-      <dgm:t>
-        <a:bodyPr/>
-        <a:lstStyle/>
-        <a:p>
-          <a:endParaRPr lang="zh-TW" altLang="en-US"/>
-        </a:p>
-      </dgm:t>
     </dgm:pt>
     <dgm:pt modelId="{566F22C2-691A-4365-B435-5408C7A5D086}" type="pres">
       <dgm:prSet presAssocID="{79DF8699-3C86-4AFE-871E-A2CFDFEEA068}" presName="hierChild3" presStyleCnt="0"/>
@@ -2329,13 +2096,6 @@
     <dgm:pt modelId="{AB4515E4-ACF7-42AA-BAB9-21E4FEBE2CCC}" type="pres">
       <dgm:prSet presAssocID="{7AD46472-4619-40FC-A2BB-1058FBCF4C99}" presName="Name19" presStyleLbl="parChTrans1D4" presStyleIdx="7" presStyleCnt="11"/>
       <dgm:spPr/>
-      <dgm:t>
-        <a:bodyPr/>
-        <a:lstStyle/>
-        <a:p>
-          <a:endParaRPr lang="zh-TW" altLang="en-US"/>
-        </a:p>
-      </dgm:t>
     </dgm:pt>
     <dgm:pt modelId="{F0B49E95-312D-49F4-A790-74474157FC93}" type="pres">
       <dgm:prSet presAssocID="{88BA6096-042C-4785-9409-1A26EEC45164}" presName="Name21" presStyleCnt="0"/>
@@ -2344,13 +2104,6 @@
     <dgm:pt modelId="{404F8891-4210-4BB4-9E9F-786FFEFE02B7}" type="pres">
       <dgm:prSet presAssocID="{88BA6096-042C-4785-9409-1A26EEC45164}" presName="level2Shape" presStyleLbl="node4" presStyleIdx="7" presStyleCnt="11"/>
       <dgm:spPr/>
-      <dgm:t>
-        <a:bodyPr/>
-        <a:lstStyle/>
-        <a:p>
-          <a:endParaRPr lang="zh-TW" altLang="en-US"/>
-        </a:p>
-      </dgm:t>
     </dgm:pt>
     <dgm:pt modelId="{447C074D-AFE4-4837-9C49-3451394D1526}" type="pres">
       <dgm:prSet presAssocID="{88BA6096-042C-4785-9409-1A26EEC45164}" presName="hierChild3" presStyleCnt="0"/>
@@ -2359,13 +2112,6 @@
     <dgm:pt modelId="{410EEF7A-90FC-453C-88E9-A2A01517F7F6}" type="pres">
       <dgm:prSet presAssocID="{D12BAF7C-F0A4-4ECD-9253-3A7AED325C79}" presName="Name19" presStyleLbl="parChTrans1D3" presStyleIdx="6" presStyleCnt="7"/>
       <dgm:spPr/>
-      <dgm:t>
-        <a:bodyPr/>
-        <a:lstStyle/>
-        <a:p>
-          <a:endParaRPr lang="zh-TW" altLang="en-US"/>
-        </a:p>
-      </dgm:t>
     </dgm:pt>
     <dgm:pt modelId="{8DFA5798-BBD1-45A5-A3A6-B9F868665199}" type="pres">
       <dgm:prSet presAssocID="{CF4D18B8-299D-46F1-A129-66BE91EBCC1D}" presName="Name21" presStyleCnt="0"/>
@@ -2374,13 +2120,6 @@
     <dgm:pt modelId="{2ED63F3F-A2B2-41A8-8A71-64785FF3A404}" type="pres">
       <dgm:prSet presAssocID="{CF4D18B8-299D-46F1-A129-66BE91EBCC1D}" presName="level2Shape" presStyleLbl="node3" presStyleIdx="6" presStyleCnt="7"/>
       <dgm:spPr/>
-      <dgm:t>
-        <a:bodyPr/>
-        <a:lstStyle/>
-        <a:p>
-          <a:endParaRPr lang="zh-TW" altLang="en-US"/>
-        </a:p>
-      </dgm:t>
     </dgm:pt>
     <dgm:pt modelId="{7455BF6D-B7C4-4827-B03B-6586F215DF43}" type="pres">
       <dgm:prSet presAssocID="{CF4D18B8-299D-46F1-A129-66BE91EBCC1D}" presName="hierChild3" presStyleCnt="0"/>
@@ -2389,13 +2128,6 @@
     <dgm:pt modelId="{87078FB5-C294-4F76-B7A1-21F61C1DCD8A}" type="pres">
       <dgm:prSet presAssocID="{2F452C33-F73A-459C-9587-A1016FA563FF}" presName="Name19" presStyleLbl="parChTrans1D4" presStyleIdx="8" presStyleCnt="11"/>
       <dgm:spPr/>
-      <dgm:t>
-        <a:bodyPr/>
-        <a:lstStyle/>
-        <a:p>
-          <a:endParaRPr lang="zh-TW" altLang="en-US"/>
-        </a:p>
-      </dgm:t>
     </dgm:pt>
     <dgm:pt modelId="{E49A9E5A-C99F-4CBC-8729-46DBFC936100}" type="pres">
       <dgm:prSet presAssocID="{E8C02A42-CAC4-4E30-AC1B-C395889A98D9}" presName="Name21" presStyleCnt="0"/>
@@ -2404,13 +2136,6 @@
     <dgm:pt modelId="{1BA61F2A-EA46-4316-8527-A43AF2A48B71}" type="pres">
       <dgm:prSet presAssocID="{E8C02A42-CAC4-4E30-AC1B-C395889A98D9}" presName="level2Shape" presStyleLbl="node4" presStyleIdx="8" presStyleCnt="11"/>
       <dgm:spPr/>
-      <dgm:t>
-        <a:bodyPr/>
-        <a:lstStyle/>
-        <a:p>
-          <a:endParaRPr lang="zh-TW" altLang="en-US"/>
-        </a:p>
-      </dgm:t>
     </dgm:pt>
     <dgm:pt modelId="{D24C3D12-07BF-41C2-91EF-6B79F1C1BF99}" type="pres">
       <dgm:prSet presAssocID="{E8C02A42-CAC4-4E30-AC1B-C395889A98D9}" presName="hierChild3" presStyleCnt="0"/>
@@ -2419,13 +2144,6 @@
     <dgm:pt modelId="{667E946A-B59B-4D55-9F3E-6C950331C0C2}" type="pres">
       <dgm:prSet presAssocID="{ADC743F5-5023-4122-AC29-6AAE9A2630F5}" presName="Name19" presStyleLbl="parChTrans1D4" presStyleIdx="9" presStyleCnt="11"/>
       <dgm:spPr/>
-      <dgm:t>
-        <a:bodyPr/>
-        <a:lstStyle/>
-        <a:p>
-          <a:endParaRPr lang="zh-TW" altLang="en-US"/>
-        </a:p>
-      </dgm:t>
     </dgm:pt>
     <dgm:pt modelId="{65FFB17D-8373-4F20-98FE-EA0BD30DE9EF}" type="pres">
       <dgm:prSet presAssocID="{A502BB3D-67CE-4EE8-B0FF-0CC13753ED48}" presName="Name21" presStyleCnt="0"/>
@@ -2434,13 +2152,6 @@
     <dgm:pt modelId="{91A4CD14-D253-4A0E-82EE-E52DA2CC6298}" type="pres">
       <dgm:prSet presAssocID="{A502BB3D-67CE-4EE8-B0FF-0CC13753ED48}" presName="level2Shape" presStyleLbl="node4" presStyleIdx="9" presStyleCnt="11"/>
       <dgm:spPr/>
-      <dgm:t>
-        <a:bodyPr/>
-        <a:lstStyle/>
-        <a:p>
-          <a:endParaRPr lang="zh-TW" altLang="en-US"/>
-        </a:p>
-      </dgm:t>
     </dgm:pt>
     <dgm:pt modelId="{F5F15002-8975-414C-A7F9-856560899197}" type="pres">
       <dgm:prSet presAssocID="{A502BB3D-67CE-4EE8-B0FF-0CC13753ED48}" presName="hierChild3" presStyleCnt="0"/>
@@ -2449,13 +2160,6 @@
     <dgm:pt modelId="{6040EDFF-048E-423A-B4DB-BF5C0BECB701}" type="pres">
       <dgm:prSet presAssocID="{497A0804-3C75-4694-9311-3173028A4E53}" presName="Name19" presStyleLbl="parChTrans1D4" presStyleIdx="10" presStyleCnt="11"/>
       <dgm:spPr/>
-      <dgm:t>
-        <a:bodyPr/>
-        <a:lstStyle/>
-        <a:p>
-          <a:endParaRPr lang="zh-TW" altLang="en-US"/>
-        </a:p>
-      </dgm:t>
     </dgm:pt>
     <dgm:pt modelId="{ACC24D20-8AD4-4A17-9B43-AEB4922C7E3C}" type="pres">
       <dgm:prSet presAssocID="{F99F09C9-16B5-4C09-B2C6-AA6ABA4EE9FA}" presName="Name21" presStyleCnt="0"/>
@@ -2464,13 +2168,6 @@
     <dgm:pt modelId="{CECF50C2-2FD1-4416-B23A-0084C1906E9B}" type="pres">
       <dgm:prSet presAssocID="{F99F09C9-16B5-4C09-B2C6-AA6ABA4EE9FA}" presName="level2Shape" presStyleLbl="node4" presStyleIdx="10" presStyleCnt="11"/>
       <dgm:spPr/>
-      <dgm:t>
-        <a:bodyPr/>
-        <a:lstStyle/>
-        <a:p>
-          <a:endParaRPr lang="zh-TW" altLang="en-US"/>
-        </a:p>
-      </dgm:t>
     </dgm:pt>
     <dgm:pt modelId="{65198563-908C-49DC-B5DF-F3B1344898BF}" type="pres">
       <dgm:prSet presAssocID="{F99F09C9-16B5-4C09-B2C6-AA6ABA4EE9FA}" presName="hierChild3" presStyleCnt="0"/>
@@ -2482,69 +2179,69 @@
     </dgm:pt>
   </dgm:ptLst>
   <dgm:cxnLst>
+    <dgm:cxn modelId="{B6EA7200-E2C6-400B-B3A0-F0AE1449630A}" type="presOf" srcId="{402ED910-DE37-41CE-85CD-65F817C0E440}" destId="{E636DB5E-2B79-4162-B286-5B58B443B349}" srcOrd="0" destOrd="0" presId="urn:microsoft.com/office/officeart/2005/8/layout/hierarchy6"/>
     <dgm:cxn modelId="{343A4907-3485-4A7D-9E2D-D361041A195B}" type="presOf" srcId="{6A316BE3-29D3-40A4-945F-91426840E5DA}" destId="{BD146849-6801-455E-B4DF-3F7166309EB1}" srcOrd="0" destOrd="0" presId="urn:microsoft.com/office/officeart/2005/8/layout/hierarchy6"/>
+    <dgm:cxn modelId="{198D1C09-089E-4FE2-80A3-3A7ABA5328F5}" type="presOf" srcId="{79DF8699-3C86-4AFE-871E-A2CFDFEEA068}" destId="{E325072A-E321-4B43-BA71-2702AB466C77}" srcOrd="0" destOrd="0" presId="urn:microsoft.com/office/officeart/2005/8/layout/hierarchy6"/>
+    <dgm:cxn modelId="{EB85A309-E14A-42BD-87E8-882EA059C1A1}" srcId="{CE62FFC7-7266-45B8-BCA3-DF8A5DFAD7B1}" destId="{A49CB5AE-AB08-4CC5-A354-F1727805B218}" srcOrd="1" destOrd="0" parTransId="{AC314258-156A-40B2-8438-457DB9774590}" sibTransId="{05D098A7-3C73-4F58-BD94-568024A59304}"/>
+    <dgm:cxn modelId="{1CAC7614-5F83-4318-9504-B72621AF8CE9}" type="presOf" srcId="{B6DC32C6-0351-4B04-BB80-056A8C884BD0}" destId="{A1BD6871-85BF-4C93-A498-1B6FAC72C74E}" srcOrd="0" destOrd="0" presId="urn:microsoft.com/office/officeart/2005/8/layout/hierarchy6"/>
+    <dgm:cxn modelId="{ED028A14-88B5-410F-AC98-0FCAB6FC749F}" type="presOf" srcId="{A49CB5AE-AB08-4CC5-A354-F1727805B218}" destId="{4E7799B0-A228-4996-B4EF-94031FC8E8E9}" srcOrd="0" destOrd="0" presId="urn:microsoft.com/office/officeart/2005/8/layout/hierarchy6"/>
+    <dgm:cxn modelId="{57043318-3897-4C1E-9163-5E8C3A2A5BB9}" type="presOf" srcId="{CE62FFC7-7266-45B8-BCA3-DF8A5DFAD7B1}" destId="{C71B52E7-49D4-45D1-8720-29956B223A1F}" srcOrd="0" destOrd="0" presId="urn:microsoft.com/office/officeart/2005/8/layout/hierarchy6"/>
+    <dgm:cxn modelId="{97F52A21-875E-4C71-8381-4319F2455677}" type="presOf" srcId="{497A0804-3C75-4694-9311-3173028A4E53}" destId="{6040EDFF-048E-423A-B4DB-BF5C0BECB701}" srcOrd="0" destOrd="0" presId="urn:microsoft.com/office/officeart/2005/8/layout/hierarchy6"/>
+    <dgm:cxn modelId="{2C84BB21-2776-43A7-905D-9947B4DCAC40}" type="presOf" srcId="{E8C02A42-CAC4-4E30-AC1B-C395889A98D9}" destId="{1BA61F2A-EA46-4316-8527-A43AF2A48B71}" srcOrd="0" destOrd="0" presId="urn:microsoft.com/office/officeart/2005/8/layout/hierarchy6"/>
+    <dgm:cxn modelId="{87313427-C1A9-4B8A-B207-743EA05B1982}" srcId="{B6BB88B3-1551-4C12-B40E-CB3A5ED4C37E}" destId="{5F4D78F6-CF18-4025-9CBB-829D259A6C63}" srcOrd="0" destOrd="0" parTransId="{E5C73EB0-663F-4396-8FB2-24BB5BD5843E}" sibTransId="{A4FA8E9A-CF4F-498E-B957-C7C3BBEC9DC5}"/>
+    <dgm:cxn modelId="{06003431-70C0-4C1E-929D-2FCE31224621}" type="presOf" srcId="{587220F9-D090-4997-8C37-6C210FFA3BC7}" destId="{3DC1F0D9-81D9-45F8-94F2-636E41D031B9}" srcOrd="0" destOrd="0" presId="urn:microsoft.com/office/officeart/2005/8/layout/hierarchy6"/>
+    <dgm:cxn modelId="{BB2B5F34-EAF8-4724-9665-2DF298DDDC8B}" type="presOf" srcId="{94C882FB-D895-4225-98EA-FF10B58052E0}" destId="{2541D668-6583-4EE2-8E1D-8FACF2BBC88C}" srcOrd="0" destOrd="0" presId="urn:microsoft.com/office/officeart/2005/8/layout/hierarchy6"/>
+    <dgm:cxn modelId="{CA17FE34-9C2B-49F0-80C8-A7905AE1149A}" type="presOf" srcId="{1DDE1B68-2F49-47AE-8FFB-D55D653BAEDB}" destId="{F217412A-BDE7-4709-8C2B-E4F39547840B}" srcOrd="0" destOrd="0" presId="urn:microsoft.com/office/officeart/2005/8/layout/hierarchy6"/>
+    <dgm:cxn modelId="{6B93BE36-50FF-4DB8-B6D5-C2BF8E249A32}" type="presOf" srcId="{D6BAAFAE-24F3-4BC9-9595-5EE173A0F661}" destId="{D8EA34F9-44DB-400F-BF1D-8318AB8D3508}" srcOrd="0" destOrd="0" presId="urn:microsoft.com/office/officeart/2005/8/layout/hierarchy6"/>
+    <dgm:cxn modelId="{272B123B-AE20-4573-A6DB-140DB5CF3817}" srcId="{D08300E8-713C-4F62-9C0A-C177C3C9939A}" destId="{47043032-F53A-42B1-A16E-0BFB68695DBD}" srcOrd="1" destOrd="0" parTransId="{9ED60549-4B46-4116-89A7-11C694E86894}" sibTransId="{C4792A48-C2FC-4C62-AE4E-B61B8C77A8C7}"/>
+    <dgm:cxn modelId="{0716273F-508C-4911-A94D-5E482CBD456F}" type="presOf" srcId="{D12BAF7C-F0A4-4ECD-9253-3A7AED325C79}" destId="{410EEF7A-90FC-453C-88E9-A2A01517F7F6}" srcOrd="0" destOrd="0" presId="urn:microsoft.com/office/officeart/2005/8/layout/hierarchy6"/>
+    <dgm:cxn modelId="{89B08D60-7E65-4E63-B8AF-F95C9AEFEA3B}" type="presOf" srcId="{5F4D78F6-CF18-4025-9CBB-829D259A6C63}" destId="{1B354045-7F13-4867-962D-1EBA968FB433}" srcOrd="0" destOrd="0" presId="urn:microsoft.com/office/officeart/2005/8/layout/hierarchy6"/>
+    <dgm:cxn modelId="{EA6BFD45-D759-4899-98AB-52071AC258F1}" type="presOf" srcId="{9ED60549-4B46-4116-89A7-11C694E86894}" destId="{653AB5BD-4615-420C-B9AB-505101D5833C}" srcOrd="0" destOrd="0" presId="urn:microsoft.com/office/officeart/2005/8/layout/hierarchy6"/>
+    <dgm:cxn modelId="{BBCD9367-F038-4339-856A-886936ED4346}" type="presOf" srcId="{FA08DAA0-0E12-415F-9D2F-21D35D5AFA73}" destId="{709B4420-22D1-41B2-8DD2-AAC26AFF5988}" srcOrd="0" destOrd="0" presId="urn:microsoft.com/office/officeart/2005/8/layout/hierarchy6"/>
+    <dgm:cxn modelId="{3495B769-75EA-4275-8B0C-6D941249E816}" srcId="{CE62FFC7-7266-45B8-BCA3-DF8A5DFAD7B1}" destId="{D08300E8-713C-4F62-9C0A-C177C3C9939A}" srcOrd="2" destOrd="0" parTransId="{D6E51055-AC1F-4DF0-AC18-BF1D34AA2259}" sibTransId="{16D1D651-3DD6-41F5-A55F-7BAAB1D25944}"/>
+    <dgm:cxn modelId="{60F72E6C-D28F-4845-911B-2971281DCA02}" srcId="{CF4D18B8-299D-46F1-A129-66BE91EBCC1D}" destId="{E8C02A42-CAC4-4E30-AC1B-C395889A98D9}" srcOrd="0" destOrd="0" parTransId="{2F452C33-F73A-459C-9587-A1016FA563FF}" sibTransId="{BFC51F61-FF50-4F5A-92F3-B05C45D9F8F6}"/>
+    <dgm:cxn modelId="{24BD6B4C-6F7B-4FDA-995A-3C4C9B53D104}" type="presOf" srcId="{B6BB88B3-1551-4C12-B40E-CB3A5ED4C37E}" destId="{1AEDDC81-4459-4A0B-8853-D16A38234467}" srcOrd="0" destOrd="0" presId="urn:microsoft.com/office/officeart/2005/8/layout/hierarchy6"/>
+    <dgm:cxn modelId="{7B2C4C6D-A2B2-4E03-B16C-084A30A58A55}" type="presOf" srcId="{ADC743F5-5023-4122-AC29-6AAE9A2630F5}" destId="{667E946A-B59B-4D55-9F3E-6C950331C0C2}" srcOrd="0" destOrd="0" presId="urn:microsoft.com/office/officeart/2005/8/layout/hierarchy6"/>
+    <dgm:cxn modelId="{3C863A6F-32DB-4C68-AE59-7B1787A24B52}" type="presOf" srcId="{9804E660-2F40-4543-A54E-0D907BD819D1}" destId="{04E8436F-E901-4069-B001-8E0EB4E5DFAE}" srcOrd="0" destOrd="0" presId="urn:microsoft.com/office/officeart/2005/8/layout/hierarchy6"/>
+    <dgm:cxn modelId="{D7C0434F-2E9E-4BC2-A502-555F8E9FF573}" srcId="{CF4D18B8-299D-46F1-A129-66BE91EBCC1D}" destId="{A502BB3D-67CE-4EE8-B0FF-0CC13753ED48}" srcOrd="1" destOrd="0" parTransId="{ADC743F5-5023-4122-AC29-6AAE9A2630F5}" sibTransId="{721486D9-FABE-4100-B04C-76000BEC8D08}"/>
+    <dgm:cxn modelId="{928B9173-1A34-4B12-91EA-A23543480413}" srcId="{E4BA2E8A-1C92-4E2C-8AA5-00403D9E0BB6}" destId="{79DF8699-3C86-4AFE-871E-A2CFDFEEA068}" srcOrd="0" destOrd="0" parTransId="{E7E27C14-A31D-4831-851D-77AA2A6A7EAB}" sibTransId="{9BCC8BA2-74EF-4AAA-A7CC-6666C52C9BDD}"/>
+    <dgm:cxn modelId="{DEECA075-4FAA-46AB-895B-94F136A5D6C9}" type="presOf" srcId="{CF4D18B8-299D-46F1-A129-66BE91EBCC1D}" destId="{2ED63F3F-A2B2-41A8-8A71-64785FF3A404}" srcOrd="0" destOrd="0" presId="urn:microsoft.com/office/officeart/2005/8/layout/hierarchy6"/>
+    <dgm:cxn modelId="{B9C9CF55-8424-4AD3-9B71-9F8B3DF225DE}" type="presOf" srcId="{940D83E2-F17E-4731-B1DD-575644369B3F}" destId="{1B240BF3-F309-471E-854D-830137EA6FA0}" srcOrd="0" destOrd="0" presId="urn:microsoft.com/office/officeart/2005/8/layout/hierarchy6"/>
+    <dgm:cxn modelId="{82AB7C56-52ED-4971-B406-6E2AE74C9B81}" type="presOf" srcId="{88BA6096-042C-4785-9409-1A26EEC45164}" destId="{404F8891-4210-4BB4-9E9F-786FFEFE02B7}" srcOrd="0" destOrd="0" presId="urn:microsoft.com/office/officeart/2005/8/layout/hierarchy6"/>
+    <dgm:cxn modelId="{F84DA878-7E31-4EFD-8FE6-0009EE989C21}" srcId="{F5D0E1BB-D05D-4AA4-A3ED-42BED5F1F3F2}" destId="{9804E660-2F40-4543-A54E-0D907BD819D1}" srcOrd="0" destOrd="0" parTransId="{587220F9-D090-4997-8C37-6C210FFA3BC7}" sibTransId="{CB2C5420-C792-4649-AA4B-6CAC7CF5DA65}"/>
+    <dgm:cxn modelId="{387D177E-854C-4757-A749-3F0CB95EC22D}" type="presOf" srcId="{49ABA668-A454-40A6-B3AE-C4DAD0BF6307}" destId="{A7BC676D-D7C1-4EAE-AEAB-76A2F33DA029}" srcOrd="0" destOrd="0" presId="urn:microsoft.com/office/officeart/2005/8/layout/hierarchy6"/>
+    <dgm:cxn modelId="{0840B97E-1FFD-4E83-A835-9C1AD1325D1E}" type="presOf" srcId="{D08300E8-713C-4F62-9C0A-C177C3C9939A}" destId="{7D674F32-FC16-416C-B8F1-582EB138E3D6}" srcOrd="0" destOrd="0" presId="urn:microsoft.com/office/officeart/2005/8/layout/hierarchy6"/>
+    <dgm:cxn modelId="{73D3E87F-C771-401A-BFC4-45483B0BFE7C}" type="presOf" srcId="{7AD46472-4619-40FC-A2BB-1058FBCF4C99}" destId="{AB4515E4-ACF7-42AA-BAB9-21E4FEBE2CCC}" srcOrd="0" destOrd="0" presId="urn:microsoft.com/office/officeart/2005/8/layout/hierarchy6"/>
+    <dgm:cxn modelId="{30666980-D697-4E65-BB5D-999D129A722C}" srcId="{A49CB5AE-AB08-4CC5-A354-F1727805B218}" destId="{770263D2-775E-4D11-B280-928F1E3C65C5}" srcOrd="0" destOrd="0" parTransId="{5F7448E7-7262-4565-B2B2-155ACA443857}" sibTransId="{D79336AA-7334-4A62-A751-58DE73015872}"/>
+    <dgm:cxn modelId="{AF25C180-16D3-4F27-B4F3-D717574DED11}" srcId="{5F4D78F6-CF18-4025-9CBB-829D259A6C63}" destId="{F5D0E1BB-D05D-4AA4-A3ED-42BED5F1F3F2}" srcOrd="1" destOrd="0" parTransId="{B6DC32C6-0351-4B04-BB80-056A8C884BD0}" sibTransId="{6EB42109-AB44-495D-ABA4-C60D644EC78A}"/>
+    <dgm:cxn modelId="{C1D68883-67F5-4E50-BAF2-E2BC1AE0CDC6}" type="presOf" srcId="{2F452C33-F73A-459C-9587-A1016FA563FF}" destId="{87078FB5-C294-4F76-B7A1-21F61C1DCD8A}" srcOrd="0" destOrd="0" presId="urn:microsoft.com/office/officeart/2005/8/layout/hierarchy6"/>
+    <dgm:cxn modelId="{01ED4786-5ACB-4FCE-A860-7D946AE8029B}" srcId="{CE62FFC7-7266-45B8-BCA3-DF8A5DFAD7B1}" destId="{6A316BE3-29D3-40A4-945F-91426840E5DA}" srcOrd="3" destOrd="0" parTransId="{9DB2C076-3B8E-4C41-A471-C7E9CA07E74A}" sibTransId="{F28BC1D0-873B-4967-982C-1270F0282B77}"/>
+    <dgm:cxn modelId="{00B6568B-E8C8-450D-A80D-232448825EC8}" type="presOf" srcId="{D7A748DB-4C2A-474B-9AC0-853E42E46736}" destId="{43DE2737-B9BF-441C-914F-96DBB3344438}" srcOrd="0" destOrd="0" presId="urn:microsoft.com/office/officeart/2005/8/layout/hierarchy6"/>
+    <dgm:cxn modelId="{BF2C348E-FDE7-4230-8AA1-D5B14A3A0B71}" srcId="{CF4D18B8-299D-46F1-A129-66BE91EBCC1D}" destId="{F99F09C9-16B5-4C09-B2C6-AA6ABA4EE9FA}" srcOrd="2" destOrd="0" parTransId="{497A0804-3C75-4694-9311-3173028A4E53}" sibTransId="{B990D160-A725-418E-9B7D-F3EF6A41BA7E}"/>
+    <dgm:cxn modelId="{A58ECC90-42B4-4127-A66B-C8DEED6B8FD2}" srcId="{79DF8699-3C86-4AFE-871E-A2CFDFEEA068}" destId="{88BA6096-042C-4785-9409-1A26EEC45164}" srcOrd="0" destOrd="0" parTransId="{7AD46472-4619-40FC-A2BB-1058FBCF4C99}" sibTransId="{CC93BC69-C2E2-4AAC-8B58-4A20920D5233}"/>
+    <dgm:cxn modelId="{813FF997-A7B7-46A3-A526-FE7FB847B429}" type="presOf" srcId="{08731CDF-6C77-41BA-A01B-0ABFB4263A32}" destId="{F3515DC6-D19A-43A7-9B2D-8C1875D1547E}" srcOrd="0" destOrd="0" presId="urn:microsoft.com/office/officeart/2005/8/layout/hierarchy6"/>
+    <dgm:cxn modelId="{61CF1C9E-1098-4AA7-B096-2FE006EECC8F}" type="presOf" srcId="{5F7448E7-7262-4565-B2B2-155ACA443857}" destId="{861D381E-1F95-415F-A5A3-E9882C805F1D}" srcOrd="0" destOrd="0" presId="urn:microsoft.com/office/officeart/2005/8/layout/hierarchy6"/>
+    <dgm:cxn modelId="{E88AFEA6-734F-4A01-8B1B-4780871852F7}" srcId="{CE62FFC7-7266-45B8-BCA3-DF8A5DFAD7B1}" destId="{A7EE0AD4-5561-4237-9EA0-680A667DE643}" srcOrd="0" destOrd="0" parTransId="{49ABA668-A454-40A6-B3AE-C4DAD0BF6307}" sibTransId="{4E9F6992-2F30-4A8D-8409-DDCE1A53DDAD}"/>
+    <dgm:cxn modelId="{CC43A2AC-2485-40D8-A559-78BE7990E1FE}" srcId="{9804E660-2F40-4543-A54E-0D907BD819D1}" destId="{D6BAAFAE-24F3-4BC9-9595-5EE173A0F661}" srcOrd="0" destOrd="0" parTransId="{FA08DAA0-0E12-415F-9D2F-21D35D5AFA73}" sibTransId="{44126992-FCAB-4421-8D27-5E1FA386D331}"/>
+    <dgm:cxn modelId="{A19A41AE-42E2-4B89-832A-113BDEBDE011}" type="presOf" srcId="{A502BB3D-67CE-4EE8-B0FF-0CC13753ED48}" destId="{91A4CD14-D253-4A0E-82EE-E52DA2CC6298}" srcOrd="0" destOrd="0" presId="urn:microsoft.com/office/officeart/2005/8/layout/hierarchy6"/>
+    <dgm:cxn modelId="{B5BC67B9-2C39-4345-AFC5-6CFD57D2AFAB}" srcId="{F5D0E1BB-D05D-4AA4-A3ED-42BED5F1F3F2}" destId="{E4BA2E8A-1C92-4E2C-8AA5-00403D9E0BB6}" srcOrd="1" destOrd="0" parTransId="{6D3F08E3-97A7-4549-9AC4-A09ADB4EB44F}" sibTransId="{08204B07-44A3-4F90-8648-7A45F5B2F134}"/>
     <dgm:cxn modelId="{5FF351C2-07DA-4D12-A545-BF6E09C5FD84}" type="presOf" srcId="{9DB2C076-3B8E-4C41-A471-C7E9CA07E74A}" destId="{4AB59669-AD6E-49B2-9DA6-91CFC7B1BAA4}" srcOrd="0" destOrd="0" presId="urn:microsoft.com/office/officeart/2005/8/layout/hierarchy6"/>
-    <dgm:cxn modelId="{928B9173-1A34-4B12-91EA-A23543480413}" srcId="{E4BA2E8A-1C92-4E2C-8AA5-00403D9E0BB6}" destId="{79DF8699-3C86-4AFE-871E-A2CFDFEEA068}" srcOrd="0" destOrd="0" parTransId="{E7E27C14-A31D-4831-851D-77AA2A6A7EAB}" sibTransId="{9BCC8BA2-74EF-4AAA-A7CC-6666C52C9BDD}"/>
-    <dgm:cxn modelId="{CC43A2AC-2485-40D8-A559-78BE7990E1FE}" srcId="{9804E660-2F40-4543-A54E-0D907BD819D1}" destId="{D6BAAFAE-24F3-4BC9-9595-5EE173A0F661}" srcOrd="0" destOrd="0" parTransId="{FA08DAA0-0E12-415F-9D2F-21D35D5AFA73}" sibTransId="{44126992-FCAB-4421-8D27-5E1FA386D331}"/>
-    <dgm:cxn modelId="{3495B769-75EA-4275-8B0C-6D941249E816}" srcId="{CE62FFC7-7266-45B8-BCA3-DF8A5DFAD7B1}" destId="{D08300E8-713C-4F62-9C0A-C177C3C9939A}" srcOrd="2" destOrd="0" parTransId="{D6E51055-AC1F-4DF0-AC18-BF1D34AA2259}" sibTransId="{16D1D651-3DD6-41F5-A55F-7BAAB1D25944}"/>
-    <dgm:cxn modelId="{00B6568B-E8C8-450D-A80D-232448825EC8}" type="presOf" srcId="{D7A748DB-4C2A-474B-9AC0-853E42E46736}" destId="{43DE2737-B9BF-441C-914F-96DBB3344438}" srcOrd="0" destOrd="0" presId="urn:microsoft.com/office/officeart/2005/8/layout/hierarchy6"/>
-    <dgm:cxn modelId="{60F72E6C-D28F-4845-911B-2971281DCA02}" srcId="{CF4D18B8-299D-46F1-A129-66BE91EBCC1D}" destId="{E8C02A42-CAC4-4E30-AC1B-C395889A98D9}" srcOrd="0" destOrd="0" parTransId="{2F452C33-F73A-459C-9587-A1016FA563FF}" sibTransId="{BFC51F61-FF50-4F5A-92F3-B05C45D9F8F6}"/>
-    <dgm:cxn modelId="{2C84BB21-2776-43A7-905D-9947B4DCAC40}" type="presOf" srcId="{E8C02A42-CAC4-4E30-AC1B-C395889A98D9}" destId="{1BA61F2A-EA46-4316-8527-A43AF2A48B71}" srcOrd="0" destOrd="0" presId="urn:microsoft.com/office/officeart/2005/8/layout/hierarchy6"/>
+    <dgm:cxn modelId="{629510C4-CCEF-40A4-A094-36B6A9C2A2E4}" type="presOf" srcId="{B43A81EF-63FD-414F-BD2C-18A5B0C979D3}" destId="{8614312F-CEC9-45C0-A25F-3B82CDF036A4}" srcOrd="0" destOrd="0" presId="urn:microsoft.com/office/officeart/2005/8/layout/hierarchy6"/>
+    <dgm:cxn modelId="{7CD25BC6-58D1-45ED-A759-B90D5CD1A7B5}" type="presOf" srcId="{AC314258-156A-40B2-8438-457DB9774590}" destId="{7A627794-31C1-4B07-8C83-9F4ECFA7EF87}" srcOrd="0" destOrd="0" presId="urn:microsoft.com/office/officeart/2005/8/layout/hierarchy6"/>
+    <dgm:cxn modelId="{DDC8A7C7-90C1-4353-82DF-E0E7A72FF67B}" type="presOf" srcId="{F99F09C9-16B5-4C09-B2C6-AA6ABA4EE9FA}" destId="{CECF50C2-2FD1-4416-B23A-0084C1906E9B}" srcOrd="0" destOrd="0" presId="urn:microsoft.com/office/officeart/2005/8/layout/hierarchy6"/>
+    <dgm:cxn modelId="{6E18FCC9-AA1A-49C6-ADE8-A3773E1B2B63}" srcId="{770263D2-775E-4D11-B280-928F1E3C65C5}" destId="{940D83E2-F17E-4731-B1DD-575644369B3F}" srcOrd="0" destOrd="0" parTransId="{08731CDF-6C77-41BA-A01B-0ABFB4263A32}" sibTransId="{5BF88A33-ADD2-41DA-B2B3-D59C8B300436}"/>
+    <dgm:cxn modelId="{1AAACACB-D5AC-441A-AD2B-6CF442811887}" type="presOf" srcId="{A7EE0AD4-5561-4237-9EA0-680A667DE643}" destId="{6548DA29-3B3A-4D47-9EC8-892A7ED0BDCD}" srcOrd="0" destOrd="0" presId="urn:microsoft.com/office/officeart/2005/8/layout/hierarchy6"/>
     <dgm:cxn modelId="{6C55BBCC-CFC3-4DF5-9782-E1D5E4A64EB8}" type="presOf" srcId="{47043032-F53A-42B1-A16E-0BFB68695DBD}" destId="{AFB3DB2E-C7A8-431B-9B38-FA91A9ACF599}" srcOrd="0" destOrd="0" presId="urn:microsoft.com/office/officeart/2005/8/layout/hierarchy6"/>
-    <dgm:cxn modelId="{6E18FCC9-AA1A-49C6-ADE8-A3773E1B2B63}" srcId="{770263D2-775E-4D11-B280-928F1E3C65C5}" destId="{940D83E2-F17E-4731-B1DD-575644369B3F}" srcOrd="0" destOrd="0" parTransId="{08731CDF-6C77-41BA-A01B-0ABFB4263A32}" sibTransId="{5BF88A33-ADD2-41DA-B2B3-D59C8B300436}"/>
-    <dgm:cxn modelId="{C1D68883-67F5-4E50-BAF2-E2BC1AE0CDC6}" type="presOf" srcId="{2F452C33-F73A-459C-9587-A1016FA563FF}" destId="{87078FB5-C294-4F76-B7A1-21F61C1DCD8A}" srcOrd="0" destOrd="0" presId="urn:microsoft.com/office/officeart/2005/8/layout/hierarchy6"/>
-    <dgm:cxn modelId="{F84DA878-7E31-4EFD-8FE6-0009EE989C21}" srcId="{F5D0E1BB-D05D-4AA4-A3ED-42BED5F1F3F2}" destId="{9804E660-2F40-4543-A54E-0D907BD819D1}" srcOrd="0" destOrd="0" parTransId="{587220F9-D090-4997-8C37-6C210FFA3BC7}" sibTransId="{CB2C5420-C792-4649-AA4B-6CAC7CF5DA65}"/>
+    <dgm:cxn modelId="{56F00BD3-313E-4F45-B55E-BBC9EF42D766}" type="presOf" srcId="{6D3F08E3-97A7-4549-9AC4-A09ADB4EB44F}" destId="{5324B758-9B89-4E19-9FB2-2DE853E7B9F1}" srcOrd="0" destOrd="0" presId="urn:microsoft.com/office/officeart/2005/8/layout/hierarchy6"/>
+    <dgm:cxn modelId="{BAF5F9D6-D50B-49D1-A0E2-026DD6C45F3C}" type="presOf" srcId="{E7E27C14-A31D-4831-851D-77AA2A6A7EAB}" destId="{71122727-A3A9-4CA9-A302-463238571CF3}" srcOrd="0" destOrd="0" presId="urn:microsoft.com/office/officeart/2005/8/layout/hierarchy6"/>
+    <dgm:cxn modelId="{177F59DC-7501-49E6-84D4-396009720234}" srcId="{A7EE0AD4-5561-4237-9EA0-680A667DE643}" destId="{1DDE1B68-2F49-47AE-8FFB-D55D653BAEDB}" srcOrd="0" destOrd="0" parTransId="{402ED910-DE37-41CE-85CD-65F817C0E440}" sibTransId="{D677F734-A383-4CD9-9B7F-29B37FA3A248}"/>
+    <dgm:cxn modelId="{FDB429E5-8D5C-4D8F-B139-48E1631514CD}" type="presOf" srcId="{D6E51055-AC1F-4DF0-AC18-BF1D34AA2259}" destId="{3D67BD21-A232-4AA7-8EF2-A8A85460E2D2}" srcOrd="0" destOrd="0" presId="urn:microsoft.com/office/officeart/2005/8/layout/hierarchy6"/>
     <dgm:cxn modelId="{1359C2E9-7B15-4D28-8D7A-69B1538DE03C}" srcId="{F5D0E1BB-D05D-4AA4-A3ED-42BED5F1F3F2}" destId="{CF4D18B8-299D-46F1-A129-66BE91EBCC1D}" srcOrd="2" destOrd="0" parTransId="{D12BAF7C-F0A4-4ECD-9253-3A7AED325C79}" sibTransId="{3F949926-F457-410F-8409-ADD0F623FFFB}"/>
+    <dgm:cxn modelId="{AB91D2EA-0854-4146-84EE-7CD71F6E76CD}" srcId="{5F4D78F6-CF18-4025-9CBB-829D259A6C63}" destId="{CE62FFC7-7266-45B8-BCA3-DF8A5DFAD7B1}" srcOrd="0" destOrd="0" parTransId="{D7A748DB-4C2A-474B-9AC0-853E42E46736}" sibTransId="{DE59D0E3-80F4-4B4F-B3D2-F55BC52F00A8}"/>
+    <dgm:cxn modelId="{9DBE43F1-8F73-44E4-BC1A-9AB4C854F8FC}" type="presOf" srcId="{770263D2-775E-4D11-B280-928F1E3C65C5}" destId="{FC03C132-125A-4E97-B478-0E72CAF14E8C}" srcOrd="0" destOrd="0" presId="urn:microsoft.com/office/officeart/2005/8/layout/hierarchy6"/>
+    <dgm:cxn modelId="{B84756F7-9980-4630-881B-74C3C6EB9A13}" type="presOf" srcId="{E4BA2E8A-1C92-4E2C-8AA5-00403D9E0BB6}" destId="{ACC04287-6198-4899-9343-ED8247E524C8}" srcOrd="0" destOrd="0" presId="urn:microsoft.com/office/officeart/2005/8/layout/hierarchy6"/>
     <dgm:cxn modelId="{64A070F9-42FA-46DC-B45F-E8C05836A437}" srcId="{D08300E8-713C-4F62-9C0A-C177C3C9939A}" destId="{B43A81EF-63FD-414F-BD2C-18A5B0C979D3}" srcOrd="0" destOrd="0" parTransId="{94C882FB-D895-4225-98EA-FF10B58052E0}" sibTransId="{DFB69341-BAFD-4686-914A-5CA7C86FA1E6}"/>
-    <dgm:cxn modelId="{AB91D2EA-0854-4146-84EE-7CD71F6E76CD}" srcId="{5F4D78F6-CF18-4025-9CBB-829D259A6C63}" destId="{CE62FFC7-7266-45B8-BCA3-DF8A5DFAD7B1}" srcOrd="0" destOrd="0" parTransId="{D7A748DB-4C2A-474B-9AC0-853E42E46736}" sibTransId="{DE59D0E3-80F4-4B4F-B3D2-F55BC52F00A8}"/>
-    <dgm:cxn modelId="{BF2C348E-FDE7-4230-8AA1-D5B14A3A0B71}" srcId="{CF4D18B8-299D-46F1-A129-66BE91EBCC1D}" destId="{F99F09C9-16B5-4C09-B2C6-AA6ABA4EE9FA}" srcOrd="2" destOrd="0" parTransId="{497A0804-3C75-4694-9311-3173028A4E53}" sibTransId="{B990D160-A725-418E-9B7D-F3EF6A41BA7E}"/>
-    <dgm:cxn modelId="{B6EA7200-E2C6-400B-B3A0-F0AE1449630A}" type="presOf" srcId="{402ED910-DE37-41CE-85CD-65F817C0E440}" destId="{E636DB5E-2B79-4162-B286-5B58B443B349}" srcOrd="0" destOrd="0" presId="urn:microsoft.com/office/officeart/2005/8/layout/hierarchy6"/>
-    <dgm:cxn modelId="{7B2C4C6D-A2B2-4E03-B16C-084A30A58A55}" type="presOf" srcId="{ADC743F5-5023-4122-AC29-6AAE9A2630F5}" destId="{667E946A-B59B-4D55-9F3E-6C950331C0C2}" srcOrd="0" destOrd="0" presId="urn:microsoft.com/office/officeart/2005/8/layout/hierarchy6"/>
-    <dgm:cxn modelId="{ED028A14-88B5-410F-AC98-0FCAB6FC749F}" type="presOf" srcId="{A49CB5AE-AB08-4CC5-A354-F1727805B218}" destId="{4E7799B0-A228-4996-B4EF-94031FC8E8E9}" srcOrd="0" destOrd="0" presId="urn:microsoft.com/office/officeart/2005/8/layout/hierarchy6"/>
-    <dgm:cxn modelId="{A58ECC90-42B4-4127-A66B-C8DEED6B8FD2}" srcId="{79DF8699-3C86-4AFE-871E-A2CFDFEEA068}" destId="{88BA6096-042C-4785-9409-1A26EEC45164}" srcOrd="0" destOrd="0" parTransId="{7AD46472-4619-40FC-A2BB-1058FBCF4C99}" sibTransId="{CC93BC69-C2E2-4AAC-8B58-4A20920D5233}"/>
-    <dgm:cxn modelId="{57043318-3897-4C1E-9163-5E8C3A2A5BB9}" type="presOf" srcId="{CE62FFC7-7266-45B8-BCA3-DF8A5DFAD7B1}" destId="{C71B52E7-49D4-45D1-8720-29956B223A1F}" srcOrd="0" destOrd="0" presId="urn:microsoft.com/office/officeart/2005/8/layout/hierarchy6"/>
-    <dgm:cxn modelId="{EB85A309-E14A-42BD-87E8-882EA059C1A1}" srcId="{CE62FFC7-7266-45B8-BCA3-DF8A5DFAD7B1}" destId="{A49CB5AE-AB08-4CC5-A354-F1727805B218}" srcOrd="1" destOrd="0" parTransId="{AC314258-156A-40B2-8438-457DB9774590}" sibTransId="{05D098A7-3C73-4F58-BD94-568024A59304}"/>
-    <dgm:cxn modelId="{AF25C180-16D3-4F27-B4F3-D717574DED11}" srcId="{5F4D78F6-CF18-4025-9CBB-829D259A6C63}" destId="{F5D0E1BB-D05D-4AA4-A3ED-42BED5F1F3F2}" srcOrd="1" destOrd="0" parTransId="{B6DC32C6-0351-4B04-BB80-056A8C884BD0}" sibTransId="{6EB42109-AB44-495D-ABA4-C60D644EC78A}"/>
-    <dgm:cxn modelId="{61CF1C9E-1098-4AA7-B096-2FE006EECC8F}" type="presOf" srcId="{5F7448E7-7262-4565-B2B2-155ACA443857}" destId="{861D381E-1F95-415F-A5A3-E9882C805F1D}" srcOrd="0" destOrd="0" presId="urn:microsoft.com/office/officeart/2005/8/layout/hierarchy6"/>
-    <dgm:cxn modelId="{6B93BE36-50FF-4DB8-B6D5-C2BF8E249A32}" type="presOf" srcId="{D6BAAFAE-24F3-4BC9-9595-5EE173A0F661}" destId="{D8EA34F9-44DB-400F-BF1D-8318AB8D3508}" srcOrd="0" destOrd="0" presId="urn:microsoft.com/office/officeart/2005/8/layout/hierarchy6"/>
-    <dgm:cxn modelId="{DEECA075-4FAA-46AB-895B-94F136A5D6C9}" type="presOf" srcId="{CF4D18B8-299D-46F1-A129-66BE91EBCC1D}" destId="{2ED63F3F-A2B2-41A8-8A71-64785FF3A404}" srcOrd="0" destOrd="0" presId="urn:microsoft.com/office/officeart/2005/8/layout/hierarchy6"/>
-    <dgm:cxn modelId="{30666980-D697-4E65-BB5D-999D129A722C}" srcId="{A49CB5AE-AB08-4CC5-A354-F1727805B218}" destId="{770263D2-775E-4D11-B280-928F1E3C65C5}" srcOrd="0" destOrd="0" parTransId="{5F7448E7-7262-4565-B2B2-155ACA443857}" sibTransId="{D79336AA-7334-4A62-A751-58DE73015872}"/>
-    <dgm:cxn modelId="{198D1C09-089E-4FE2-80A3-3A7ABA5328F5}" type="presOf" srcId="{79DF8699-3C86-4AFE-871E-A2CFDFEEA068}" destId="{E325072A-E321-4B43-BA71-2702AB466C77}" srcOrd="0" destOrd="0" presId="urn:microsoft.com/office/officeart/2005/8/layout/hierarchy6"/>
-    <dgm:cxn modelId="{0716273F-508C-4911-A94D-5E482CBD456F}" type="presOf" srcId="{D12BAF7C-F0A4-4ECD-9253-3A7AED325C79}" destId="{410EEF7A-90FC-453C-88E9-A2A01517F7F6}" srcOrd="0" destOrd="0" presId="urn:microsoft.com/office/officeart/2005/8/layout/hierarchy6"/>
-    <dgm:cxn modelId="{BAF5F9D6-D50B-49D1-A0E2-026DD6C45F3C}" type="presOf" srcId="{E7E27C14-A31D-4831-851D-77AA2A6A7EAB}" destId="{71122727-A3A9-4CA9-A302-463238571CF3}" srcOrd="0" destOrd="0" presId="urn:microsoft.com/office/officeart/2005/8/layout/hierarchy6"/>
-    <dgm:cxn modelId="{3C863A6F-32DB-4C68-AE59-7B1787A24B52}" type="presOf" srcId="{9804E660-2F40-4543-A54E-0D907BD819D1}" destId="{04E8436F-E901-4069-B001-8E0EB4E5DFAE}" srcOrd="0" destOrd="0" presId="urn:microsoft.com/office/officeart/2005/8/layout/hierarchy6"/>
-    <dgm:cxn modelId="{B84756F7-9980-4630-881B-74C3C6EB9A13}" type="presOf" srcId="{E4BA2E8A-1C92-4E2C-8AA5-00403D9E0BB6}" destId="{ACC04287-6198-4899-9343-ED8247E524C8}" srcOrd="0" destOrd="0" presId="urn:microsoft.com/office/officeart/2005/8/layout/hierarchy6"/>
-    <dgm:cxn modelId="{E88AFEA6-734F-4A01-8B1B-4780871852F7}" srcId="{CE62FFC7-7266-45B8-BCA3-DF8A5DFAD7B1}" destId="{A7EE0AD4-5561-4237-9EA0-680A667DE643}" srcOrd="0" destOrd="0" parTransId="{49ABA668-A454-40A6-B3AE-C4DAD0BF6307}" sibTransId="{4E9F6992-2F30-4A8D-8409-DDCE1A53DDAD}"/>
-    <dgm:cxn modelId="{82AB7C56-52ED-4971-B406-6E2AE74C9B81}" type="presOf" srcId="{88BA6096-042C-4785-9409-1A26EEC45164}" destId="{404F8891-4210-4BB4-9E9F-786FFEFE02B7}" srcOrd="0" destOrd="0" presId="urn:microsoft.com/office/officeart/2005/8/layout/hierarchy6"/>
-    <dgm:cxn modelId="{24BD6B4C-6F7B-4FDA-995A-3C4C9B53D104}" type="presOf" srcId="{B6BB88B3-1551-4C12-B40E-CB3A5ED4C37E}" destId="{1AEDDC81-4459-4A0B-8853-D16A38234467}" srcOrd="0" destOrd="0" presId="urn:microsoft.com/office/officeart/2005/8/layout/hierarchy6"/>
-    <dgm:cxn modelId="{01ED4786-5ACB-4FCE-A860-7D946AE8029B}" srcId="{CE62FFC7-7266-45B8-BCA3-DF8A5DFAD7B1}" destId="{6A316BE3-29D3-40A4-945F-91426840E5DA}" srcOrd="3" destOrd="0" parTransId="{9DB2C076-3B8E-4C41-A471-C7E9CA07E74A}" sibTransId="{F28BC1D0-873B-4967-982C-1270F0282B77}"/>
-    <dgm:cxn modelId="{D7C0434F-2E9E-4BC2-A502-555F8E9FF573}" srcId="{CF4D18B8-299D-46F1-A129-66BE91EBCC1D}" destId="{A502BB3D-67CE-4EE8-B0FF-0CC13753ED48}" srcOrd="1" destOrd="0" parTransId="{ADC743F5-5023-4122-AC29-6AAE9A2630F5}" sibTransId="{721486D9-FABE-4100-B04C-76000BEC8D08}"/>
-    <dgm:cxn modelId="{89B08D60-7E65-4E63-B8AF-F95C9AEFEA3B}" type="presOf" srcId="{5F4D78F6-CF18-4025-9CBB-829D259A6C63}" destId="{1B354045-7F13-4867-962D-1EBA968FB433}" srcOrd="0" destOrd="0" presId="urn:microsoft.com/office/officeart/2005/8/layout/hierarchy6"/>
-    <dgm:cxn modelId="{FDB429E5-8D5C-4D8F-B139-48E1631514CD}" type="presOf" srcId="{D6E51055-AC1F-4DF0-AC18-BF1D34AA2259}" destId="{3D67BD21-A232-4AA7-8EF2-A8A85460E2D2}" srcOrd="0" destOrd="0" presId="urn:microsoft.com/office/officeart/2005/8/layout/hierarchy6"/>
-    <dgm:cxn modelId="{0840B97E-1FFD-4E83-A835-9C1AD1325D1E}" type="presOf" srcId="{D08300E8-713C-4F62-9C0A-C177C3C9939A}" destId="{7D674F32-FC16-416C-B8F1-582EB138E3D6}" srcOrd="0" destOrd="0" presId="urn:microsoft.com/office/officeart/2005/8/layout/hierarchy6"/>
-    <dgm:cxn modelId="{56F00BD3-313E-4F45-B55E-BBC9EF42D766}" type="presOf" srcId="{6D3F08E3-97A7-4549-9AC4-A09ADB4EB44F}" destId="{5324B758-9B89-4E19-9FB2-2DE853E7B9F1}" srcOrd="0" destOrd="0" presId="urn:microsoft.com/office/officeart/2005/8/layout/hierarchy6"/>
-    <dgm:cxn modelId="{87313427-C1A9-4B8A-B207-743EA05B1982}" srcId="{B6BB88B3-1551-4C12-B40E-CB3A5ED4C37E}" destId="{5F4D78F6-CF18-4025-9CBB-829D259A6C63}" srcOrd="0" destOrd="0" parTransId="{E5C73EB0-663F-4396-8FB2-24BB5BD5843E}" sibTransId="{A4FA8E9A-CF4F-498E-B957-C7C3BBEC9DC5}"/>
-    <dgm:cxn modelId="{B5BC67B9-2C39-4345-AFC5-6CFD57D2AFAB}" srcId="{F5D0E1BB-D05D-4AA4-A3ED-42BED5F1F3F2}" destId="{E4BA2E8A-1C92-4E2C-8AA5-00403D9E0BB6}" srcOrd="1" destOrd="0" parTransId="{6D3F08E3-97A7-4549-9AC4-A09ADB4EB44F}" sibTransId="{08204B07-44A3-4F90-8648-7A45F5B2F134}"/>
-    <dgm:cxn modelId="{1CAC7614-5F83-4318-9504-B72621AF8CE9}" type="presOf" srcId="{B6DC32C6-0351-4B04-BB80-056A8C884BD0}" destId="{A1BD6871-85BF-4C93-A498-1B6FAC72C74E}" srcOrd="0" destOrd="0" presId="urn:microsoft.com/office/officeart/2005/8/layout/hierarchy6"/>
-    <dgm:cxn modelId="{7CD25BC6-58D1-45ED-A759-B90D5CD1A7B5}" type="presOf" srcId="{AC314258-156A-40B2-8438-457DB9774590}" destId="{7A627794-31C1-4B07-8C83-9F4ECFA7EF87}" srcOrd="0" destOrd="0" presId="urn:microsoft.com/office/officeart/2005/8/layout/hierarchy6"/>
-    <dgm:cxn modelId="{9DBE43F1-8F73-44E4-BC1A-9AB4C854F8FC}" type="presOf" srcId="{770263D2-775E-4D11-B280-928F1E3C65C5}" destId="{FC03C132-125A-4E97-B478-0E72CAF14E8C}" srcOrd="0" destOrd="0" presId="urn:microsoft.com/office/officeart/2005/8/layout/hierarchy6"/>
-    <dgm:cxn modelId="{B9C9CF55-8424-4AD3-9B71-9F8B3DF225DE}" type="presOf" srcId="{940D83E2-F17E-4731-B1DD-575644369B3F}" destId="{1B240BF3-F309-471E-854D-830137EA6FA0}" srcOrd="0" destOrd="0" presId="urn:microsoft.com/office/officeart/2005/8/layout/hierarchy6"/>
-    <dgm:cxn modelId="{BB2B5F34-EAF8-4724-9665-2DF298DDDC8B}" type="presOf" srcId="{94C882FB-D895-4225-98EA-FF10B58052E0}" destId="{2541D668-6583-4EE2-8E1D-8FACF2BBC88C}" srcOrd="0" destOrd="0" presId="urn:microsoft.com/office/officeart/2005/8/layout/hierarchy6"/>
-    <dgm:cxn modelId="{629510C4-CCEF-40A4-A094-36B6A9C2A2E4}" type="presOf" srcId="{B43A81EF-63FD-414F-BD2C-18A5B0C979D3}" destId="{8614312F-CEC9-45C0-A25F-3B82CDF036A4}" srcOrd="0" destOrd="0" presId="urn:microsoft.com/office/officeart/2005/8/layout/hierarchy6"/>
-    <dgm:cxn modelId="{97F52A21-875E-4C71-8381-4319F2455677}" type="presOf" srcId="{497A0804-3C75-4694-9311-3173028A4E53}" destId="{6040EDFF-048E-423A-B4DB-BF5C0BECB701}" srcOrd="0" destOrd="0" presId="urn:microsoft.com/office/officeart/2005/8/layout/hierarchy6"/>
-    <dgm:cxn modelId="{BBCD9367-F038-4339-856A-886936ED4346}" type="presOf" srcId="{FA08DAA0-0E12-415F-9D2F-21D35D5AFA73}" destId="{709B4420-22D1-41B2-8DD2-AAC26AFF5988}" srcOrd="0" destOrd="0" presId="urn:microsoft.com/office/officeart/2005/8/layout/hierarchy6"/>
-    <dgm:cxn modelId="{06003431-70C0-4C1E-929D-2FCE31224621}" type="presOf" srcId="{587220F9-D090-4997-8C37-6C210FFA3BC7}" destId="{3DC1F0D9-81D9-45F8-94F2-636E41D031B9}" srcOrd="0" destOrd="0" presId="urn:microsoft.com/office/officeart/2005/8/layout/hierarchy6"/>
-    <dgm:cxn modelId="{73D3E87F-C771-401A-BFC4-45483B0BFE7C}" type="presOf" srcId="{7AD46472-4619-40FC-A2BB-1058FBCF4C99}" destId="{AB4515E4-ACF7-42AA-BAB9-21E4FEBE2CCC}" srcOrd="0" destOrd="0" presId="urn:microsoft.com/office/officeart/2005/8/layout/hierarchy6"/>
     <dgm:cxn modelId="{7A0959FA-2232-4002-ADF1-D71F8C639E8C}" type="presOf" srcId="{F5D0E1BB-D05D-4AA4-A3ED-42BED5F1F3F2}" destId="{E3E26CF0-4369-4D07-A4E5-8CFB863BF958}" srcOrd="0" destOrd="0" presId="urn:microsoft.com/office/officeart/2005/8/layout/hierarchy6"/>
-    <dgm:cxn modelId="{813FF997-A7B7-46A3-A526-FE7FB847B429}" type="presOf" srcId="{08731CDF-6C77-41BA-A01B-0ABFB4263A32}" destId="{F3515DC6-D19A-43A7-9B2D-8C1875D1547E}" srcOrd="0" destOrd="0" presId="urn:microsoft.com/office/officeart/2005/8/layout/hierarchy6"/>
-    <dgm:cxn modelId="{177F59DC-7501-49E6-84D4-396009720234}" srcId="{A7EE0AD4-5561-4237-9EA0-680A667DE643}" destId="{1DDE1B68-2F49-47AE-8FFB-D55D653BAEDB}" srcOrd="0" destOrd="0" parTransId="{402ED910-DE37-41CE-85CD-65F817C0E440}" sibTransId="{D677F734-A383-4CD9-9B7F-29B37FA3A248}"/>
-    <dgm:cxn modelId="{272B123B-AE20-4573-A6DB-140DB5CF3817}" srcId="{D08300E8-713C-4F62-9C0A-C177C3C9939A}" destId="{47043032-F53A-42B1-A16E-0BFB68695DBD}" srcOrd="1" destOrd="0" parTransId="{9ED60549-4B46-4116-89A7-11C694E86894}" sibTransId="{C4792A48-C2FC-4C62-AE4E-B61B8C77A8C7}"/>
-    <dgm:cxn modelId="{387D177E-854C-4757-A749-3F0CB95EC22D}" type="presOf" srcId="{49ABA668-A454-40A6-B3AE-C4DAD0BF6307}" destId="{A7BC676D-D7C1-4EAE-AEAB-76A2F33DA029}" srcOrd="0" destOrd="0" presId="urn:microsoft.com/office/officeart/2005/8/layout/hierarchy6"/>
-    <dgm:cxn modelId="{CA17FE34-9C2B-49F0-80C8-A7905AE1149A}" type="presOf" srcId="{1DDE1B68-2F49-47AE-8FFB-D55D653BAEDB}" destId="{F217412A-BDE7-4709-8C2B-E4F39547840B}" srcOrd="0" destOrd="0" presId="urn:microsoft.com/office/officeart/2005/8/layout/hierarchy6"/>
-    <dgm:cxn modelId="{1AAACACB-D5AC-441A-AD2B-6CF442811887}" type="presOf" srcId="{A7EE0AD4-5561-4237-9EA0-680A667DE643}" destId="{6548DA29-3B3A-4D47-9EC8-892A7ED0BDCD}" srcOrd="0" destOrd="0" presId="urn:microsoft.com/office/officeart/2005/8/layout/hierarchy6"/>
-    <dgm:cxn modelId="{EA6BFD45-D759-4899-98AB-52071AC258F1}" type="presOf" srcId="{9ED60549-4B46-4116-89A7-11C694E86894}" destId="{653AB5BD-4615-420C-B9AB-505101D5833C}" srcOrd="0" destOrd="0" presId="urn:microsoft.com/office/officeart/2005/8/layout/hierarchy6"/>
-    <dgm:cxn modelId="{DDC8A7C7-90C1-4353-82DF-E0E7A72FF67B}" type="presOf" srcId="{F99F09C9-16B5-4C09-B2C6-AA6ABA4EE9FA}" destId="{CECF50C2-2FD1-4416-B23A-0084C1906E9B}" srcOrd="0" destOrd="0" presId="urn:microsoft.com/office/officeart/2005/8/layout/hierarchy6"/>
-    <dgm:cxn modelId="{A19A41AE-42E2-4B89-832A-113BDEBDE011}" type="presOf" srcId="{A502BB3D-67CE-4EE8-B0FF-0CC13753ED48}" destId="{91A4CD14-D253-4A0E-82EE-E52DA2CC6298}" srcOrd="0" destOrd="0" presId="urn:microsoft.com/office/officeart/2005/8/layout/hierarchy6"/>
     <dgm:cxn modelId="{CABC88D6-011B-4CE7-8186-A6A424031018}" type="presParOf" srcId="{1AEDDC81-4459-4A0B-8853-D16A38234467}" destId="{2E154E23-4474-46A0-8A9F-CB008BA06810}" srcOrd="0" destOrd="0" presId="urn:microsoft.com/office/officeart/2005/8/layout/hierarchy6"/>
     <dgm:cxn modelId="{53CAAC43-EDAD-40C3-B93A-B7097637935C}" type="presParOf" srcId="{2E154E23-4474-46A0-8A9F-CB008BA06810}" destId="{1D8B4A0A-2FB1-42F7-B187-BF33DF5A8B0F}" srcOrd="0" destOrd="0" presId="urn:microsoft.com/office/officeart/2005/8/layout/hierarchy6"/>
     <dgm:cxn modelId="{35586682-8797-4F14-97F9-159F83EFC6A1}" type="presParOf" srcId="{1D8B4A0A-2FB1-42F7-B187-BF33DF5A8B0F}" destId="{4C211C11-D1BA-4F9C-A62A-E4679FF38F3B}" srcOrd="0" destOrd="0" presId="urn:microsoft.com/office/officeart/2005/8/layout/hierarchy6"/>
@@ -2707,7 +2404,7 @@
         </a:bodyPr>
         <a:lstStyle/>
         <a:p>
-          <a:pPr lvl="0" algn="ctr" defTabSz="488950" rtl="0">
+          <a:pPr marL="0" lvl="0" indent="0" algn="ctr" defTabSz="488950" rtl="0">
             <a:lnSpc>
               <a:spcPct val="90000"/>
             </a:lnSpc>
@@ -2717,6 +2414,7 @@
             <a:spcAft>
               <a:spcPct val="35000"/>
             </a:spcAft>
+            <a:buNone/>
           </a:pPr>
           <a:r>
             <a:rPr lang="zh-TW" altLang="en-US" sz="1100" b="0" kern="1200" dirty="0"/>
@@ -2848,7 +2546,7 @@
         </a:bodyPr>
         <a:lstStyle/>
         <a:p>
-          <a:pPr lvl="0" algn="ctr" defTabSz="488950" rtl="0">
+          <a:pPr marL="0" lvl="0" indent="0" algn="ctr" defTabSz="488950" rtl="0">
             <a:lnSpc>
               <a:spcPct val="90000"/>
             </a:lnSpc>
@@ -2858,6 +2556,7 @@
             <a:spcAft>
               <a:spcPct val="35000"/>
             </a:spcAft>
+            <a:buNone/>
           </a:pPr>
           <a:r>
             <a:rPr lang="zh-TW" altLang="en-US" sz="1100" kern="1200" dirty="0"/>
@@ -2989,7 +2688,7 @@
         </a:bodyPr>
         <a:lstStyle/>
         <a:p>
-          <a:pPr lvl="0" algn="ctr" defTabSz="488950" rtl="0">
+          <a:pPr marL="0" lvl="0" indent="0" algn="ctr" defTabSz="488950" rtl="0">
             <a:lnSpc>
               <a:spcPct val="90000"/>
             </a:lnSpc>
@@ -2999,6 +2698,7 @@
             <a:spcAft>
               <a:spcPct val="35000"/>
             </a:spcAft>
+            <a:buNone/>
           </a:pPr>
           <a:r>
             <a:rPr lang="en-US" altLang="zh-TW" sz="1100" kern="1200" dirty="0"/>
@@ -3124,7 +2824,7 @@
         </a:bodyPr>
         <a:lstStyle/>
         <a:p>
-          <a:pPr lvl="0" algn="ctr" defTabSz="488950" rtl="0">
+          <a:pPr marL="0" lvl="0" indent="0" algn="ctr" defTabSz="488950" rtl="0">
             <a:lnSpc>
               <a:spcPct val="90000"/>
             </a:lnSpc>
@@ -3134,6 +2834,7 @@
             <a:spcAft>
               <a:spcPct val="35000"/>
             </a:spcAft>
+            <a:buNone/>
           </a:pPr>
           <a:r>
             <a:rPr lang="en-US" altLang="zh-TW" sz="1100" b="0" kern="1200" dirty="0" err="1"/>
@@ -3265,7 +2966,7 @@
         </a:bodyPr>
         <a:lstStyle/>
         <a:p>
-          <a:pPr lvl="0" algn="ctr" defTabSz="488950" rtl="0">
+          <a:pPr marL="0" lvl="0" indent="0" algn="ctr" defTabSz="488950" rtl="0">
             <a:lnSpc>
               <a:spcPct val="90000"/>
             </a:lnSpc>
@@ -3275,6 +2976,7 @@
             <a:spcAft>
               <a:spcPct val="35000"/>
             </a:spcAft>
+            <a:buNone/>
           </a:pPr>
           <a:r>
             <a:rPr lang="en-US" altLang="zh-TW" sz="1100" kern="1200" dirty="0"/>
@@ -3400,7 +3102,7 @@
         </a:bodyPr>
         <a:lstStyle/>
         <a:p>
-          <a:pPr lvl="0" algn="ctr" defTabSz="488950" rtl="0">
+          <a:pPr marL="0" lvl="0" indent="0" algn="ctr" defTabSz="488950" rtl="0">
             <a:lnSpc>
               <a:spcPct val="90000"/>
             </a:lnSpc>
@@ -3410,9 +3112,10 @@
             <a:spcAft>
               <a:spcPct val="35000"/>
             </a:spcAft>
+            <a:buNone/>
           </a:pPr>
           <a:r>
-            <a:rPr lang="zh-TW" altLang="en-US" sz="1100" kern="1200" dirty="0" smtClean="0"/>
+            <a:rPr lang="zh-TW" altLang="en-US" sz="1100" kern="1200" dirty="0"/>
             <a:t>紋路</a:t>
           </a:r>
           <a:endParaRPr lang="zh-TW" sz="1100" kern="1200" dirty="0"/>
@@ -3535,7 +3238,7 @@
         </a:bodyPr>
         <a:lstStyle/>
         <a:p>
-          <a:pPr lvl="0" algn="ctr" defTabSz="488950" rtl="0">
+          <a:pPr marL="0" lvl="0" indent="0" algn="ctr" defTabSz="488950" rtl="0">
             <a:lnSpc>
               <a:spcPct val="90000"/>
             </a:lnSpc>
@@ -3545,9 +3248,10 @@
             <a:spcAft>
               <a:spcPct val="35000"/>
             </a:spcAft>
+            <a:buNone/>
           </a:pPr>
           <a:r>
-            <a:rPr lang="en-US" altLang="zh-TW" sz="1100" kern="1200" dirty="0" smtClean="0"/>
+            <a:rPr lang="en-US" altLang="zh-TW" sz="1100" kern="1200" dirty="0"/>
             <a:t>LBP</a:t>
           </a:r>
           <a:endParaRPr lang="zh-TW" sz="1100" kern="1200" dirty="0"/>
@@ -3676,7 +3380,7 @@
         </a:bodyPr>
         <a:lstStyle/>
         <a:p>
-          <a:pPr lvl="0" algn="ctr" defTabSz="488950" rtl="0">
+          <a:pPr marL="0" lvl="0" indent="0" algn="ctr" defTabSz="488950" rtl="0">
             <a:lnSpc>
               <a:spcPct val="90000"/>
             </a:lnSpc>
@@ -3686,6 +3390,7 @@
             <a:spcAft>
               <a:spcPct val="35000"/>
             </a:spcAft>
+            <a:buNone/>
           </a:pPr>
           <a:r>
             <a:rPr lang="en-US" sz="1100" b="0" kern="1200" dirty="0"/>
@@ -3693,7 +3398,7 @@
           </a:r>
         </a:p>
         <a:p>
-          <a:pPr lvl="0" algn="ctr" defTabSz="488950" rtl="0">
+          <a:pPr marL="0" lvl="0" indent="0" algn="ctr" defTabSz="488950" rtl="0">
             <a:lnSpc>
               <a:spcPct val="90000"/>
             </a:lnSpc>
@@ -3703,6 +3408,7 @@
             <a:spcAft>
               <a:spcPct val="35000"/>
             </a:spcAft>
+            <a:buNone/>
           </a:pPr>
           <a:r>
             <a:rPr lang="en-US" altLang="zh-TW" sz="1100" b="0" kern="1200" dirty="0"/>
@@ -3842,7 +3548,7 @@
         </a:bodyPr>
         <a:lstStyle/>
         <a:p>
-          <a:pPr lvl="0" algn="ctr" defTabSz="488950" rtl="0">
+          <a:pPr marL="0" lvl="0" indent="0" algn="ctr" defTabSz="488950" rtl="0">
             <a:lnSpc>
               <a:spcPct val="90000"/>
             </a:lnSpc>
@@ -3852,6 +3558,7 @@
             <a:spcAft>
               <a:spcPct val="35000"/>
             </a:spcAft>
+            <a:buNone/>
           </a:pPr>
           <a:r>
             <a:rPr lang="en-US" altLang="zh-TW" sz="1100" kern="1200" dirty="0"/>
@@ -3983,7 +3690,7 @@
         </a:bodyPr>
         <a:lstStyle/>
         <a:p>
-          <a:pPr lvl="0" algn="ctr" defTabSz="488950" rtl="0">
+          <a:pPr marL="0" lvl="0" indent="0" algn="ctr" defTabSz="488950" rtl="0">
             <a:lnSpc>
               <a:spcPct val="90000"/>
             </a:lnSpc>
@@ -3993,6 +3700,7 @@
             <a:spcAft>
               <a:spcPct val="35000"/>
             </a:spcAft>
+            <a:buNone/>
           </a:pPr>
           <a:r>
             <a:rPr lang="en-US" altLang="zh-TW" sz="1100" kern="1200" dirty="0"/>
@@ -4156,7 +3864,7 @@
         </a:bodyPr>
         <a:lstStyle/>
         <a:p>
-          <a:pPr lvl="0" algn="ctr" defTabSz="488950" rtl="0">
+          <a:pPr marL="0" lvl="0" indent="0" algn="ctr" defTabSz="488950" rtl="0">
             <a:lnSpc>
               <a:spcPct val="90000"/>
             </a:lnSpc>
@@ -4166,14 +3874,11 @@
             <a:spcAft>
               <a:spcPct val="35000"/>
             </a:spcAft>
+            <a:buNone/>
           </a:pPr>
           <a:r>
-            <a:rPr lang="en-US" altLang="zh-TW" sz="1100" kern="1200" dirty="0" smtClean="0"/>
-            <a:t>MLP </a:t>
-          </a:r>
-          <a:r>
             <a:rPr lang="en-US" altLang="zh-TW" sz="1100" kern="1200" dirty="0"/>
-            <a:t>training</a:t>
+            <a:t>MLP training</a:t>
           </a:r>
           <a:endParaRPr lang="zh-TW" sz="1100" kern="1200" dirty="0"/>
         </a:p>
@@ -4301,7 +4006,7 @@
         </a:bodyPr>
         <a:lstStyle/>
         <a:p>
-          <a:pPr lvl="0" algn="ctr" defTabSz="488950" rtl="0">
+          <a:pPr marL="0" lvl="0" indent="0" algn="ctr" defTabSz="488950" rtl="0">
             <a:lnSpc>
               <a:spcPct val="90000"/>
             </a:lnSpc>
@@ -4311,6 +4016,7 @@
             <a:spcAft>
               <a:spcPct val="35000"/>
             </a:spcAft>
+            <a:buNone/>
           </a:pPr>
           <a:r>
             <a:rPr lang="zh-TW" altLang="en-US" sz="1100" kern="1200" dirty="0"/>
@@ -4442,7 +4148,7 @@
         </a:bodyPr>
         <a:lstStyle/>
         <a:p>
-          <a:pPr lvl="0" algn="ctr" defTabSz="488950" rtl="0">
+          <a:pPr marL="0" lvl="0" indent="0" algn="ctr" defTabSz="488950" rtl="0">
             <a:lnSpc>
               <a:spcPct val="90000"/>
             </a:lnSpc>
@@ -4452,6 +4158,7 @@
             <a:spcAft>
               <a:spcPct val="35000"/>
             </a:spcAft>
+            <a:buNone/>
           </a:pPr>
           <a:r>
             <a:rPr lang="en-US" altLang="zh-TW" sz="1100" kern="1200" dirty="0"/>
@@ -4577,7 +4284,7 @@
         </a:bodyPr>
         <a:lstStyle/>
         <a:p>
-          <a:pPr lvl="0" algn="ctr" defTabSz="488950">
+          <a:pPr marL="0" lvl="0" indent="0" algn="ctr" defTabSz="488950">
             <a:lnSpc>
               <a:spcPct val="90000"/>
             </a:lnSpc>
@@ -4587,6 +4294,7 @@
             <a:spcAft>
               <a:spcPct val="35000"/>
             </a:spcAft>
+            <a:buNone/>
           </a:pPr>
           <a:r>
             <a:rPr lang="en-US" altLang="zh-TW" sz="1100" b="0" kern="1200" dirty="0" err="1"/>
@@ -4718,7 +4426,7 @@
         </a:bodyPr>
         <a:lstStyle/>
         <a:p>
-          <a:pPr lvl="0" algn="ctr" defTabSz="488950" rtl="0">
+          <a:pPr marL="0" lvl="0" indent="0" algn="ctr" defTabSz="488950" rtl="0">
             <a:lnSpc>
               <a:spcPct val="90000"/>
             </a:lnSpc>
@@ -4728,6 +4436,7 @@
             <a:spcAft>
               <a:spcPct val="35000"/>
             </a:spcAft>
+            <a:buNone/>
           </a:pPr>
           <a:r>
             <a:rPr lang="en-US" altLang="zh-TW" sz="1100" kern="1200" dirty="0"/>
@@ -4853,7 +4562,7 @@
         </a:bodyPr>
         <a:lstStyle/>
         <a:p>
-          <a:pPr lvl="0" algn="ctr" defTabSz="488950" rtl="0">
+          <a:pPr marL="0" lvl="0" indent="0" algn="ctr" defTabSz="488950" rtl="0">
             <a:lnSpc>
               <a:spcPct val="90000"/>
             </a:lnSpc>
@@ -4863,9 +4572,10 @@
             <a:spcAft>
               <a:spcPct val="35000"/>
             </a:spcAft>
+            <a:buNone/>
           </a:pPr>
           <a:r>
-            <a:rPr lang="zh-TW" altLang="en-US" sz="1100" kern="1200" dirty="0" smtClean="0"/>
+            <a:rPr lang="zh-TW" altLang="en-US" sz="1100" kern="1200" dirty="0"/>
             <a:t>紋路</a:t>
           </a:r>
           <a:endParaRPr lang="zh-TW" sz="1100" kern="1200" dirty="0"/>
@@ -4988,7 +4698,7 @@
         </a:bodyPr>
         <a:lstStyle/>
         <a:p>
-          <a:pPr lvl="0" algn="ctr" defTabSz="488950">
+          <a:pPr marL="0" lvl="0" indent="0" algn="ctr" defTabSz="488950">
             <a:lnSpc>
               <a:spcPct val="90000"/>
             </a:lnSpc>
@@ -4998,9 +4708,10 @@
             <a:spcAft>
               <a:spcPct val="35000"/>
             </a:spcAft>
+            <a:buNone/>
           </a:pPr>
           <a:r>
-            <a:rPr lang="en-US" altLang="zh-TW" sz="1100" kern="1200" dirty="0" smtClean="0"/>
+            <a:rPr lang="en-US" altLang="zh-TW" sz="1100" kern="1200" dirty="0"/>
             <a:t>LBP</a:t>
           </a:r>
           <a:endParaRPr lang="zh-TW" sz="1100" kern="1200" dirty="0"/>
@@ -5129,7 +4840,7 @@
         </a:bodyPr>
         <a:lstStyle/>
         <a:p>
-          <a:pPr lvl="0" algn="ctr" defTabSz="488950" rtl="0">
+          <a:pPr marL="0" lvl="0" indent="0" algn="ctr" defTabSz="488950" rtl="0">
             <a:lnSpc>
               <a:spcPct val="90000"/>
             </a:lnSpc>
@@ -5139,14 +4850,11 @@
             <a:spcAft>
               <a:spcPct val="35000"/>
             </a:spcAft>
+            <a:buNone/>
           </a:pPr>
           <a:r>
-            <a:rPr lang="en-US" altLang="zh-TW" sz="1100" kern="1200" dirty="0" smtClean="0"/>
-            <a:t>MLP </a:t>
-          </a:r>
-          <a:r>
             <a:rPr lang="en-US" altLang="zh-TW" sz="1100" kern="1200" dirty="0"/>
-            <a:t>prediction</a:t>
+            <a:t>MLP prediction</a:t>
           </a:r>
           <a:endParaRPr lang="zh-TW" sz="1100" kern="1200" dirty="0"/>
         </a:p>
@@ -5274,7 +4982,7 @@
         </a:bodyPr>
         <a:lstStyle/>
         <a:p>
-          <a:pPr lvl="0" algn="ctr" defTabSz="488950" rtl="0">
+          <a:pPr marL="0" lvl="0" indent="0" algn="ctr" defTabSz="488950" rtl="0">
             <a:lnSpc>
               <a:spcPct val="90000"/>
             </a:lnSpc>
@@ -5284,6 +4992,7 @@
             <a:spcAft>
               <a:spcPct val="35000"/>
             </a:spcAft>
+            <a:buNone/>
           </a:pPr>
           <a:r>
             <a:rPr lang="en-US" altLang="zh-TW" sz="1100" kern="1200" dirty="0"/>
@@ -5409,7 +5118,7 @@
         </a:bodyPr>
         <a:lstStyle/>
         <a:p>
-          <a:pPr lvl="0" algn="ctr" defTabSz="488950" rtl="0">
+          <a:pPr marL="0" lvl="0" indent="0" algn="ctr" defTabSz="488950" rtl="0">
             <a:lnSpc>
               <a:spcPct val="90000"/>
             </a:lnSpc>
@@ -5419,6 +5128,7 @@
             <a:spcAft>
               <a:spcPct val="35000"/>
             </a:spcAft>
+            <a:buNone/>
           </a:pPr>
           <a:r>
             <a:rPr lang="en-US" altLang="zh-TW" sz="1100" kern="1200" dirty="0"/>
@@ -5550,7 +5260,7 @@
         </a:bodyPr>
         <a:lstStyle/>
         <a:p>
-          <a:pPr lvl="0" algn="ctr" defTabSz="488950" rtl="0">
+          <a:pPr marL="0" lvl="0" indent="0" algn="ctr" defTabSz="488950" rtl="0">
             <a:lnSpc>
               <a:spcPct val="90000"/>
             </a:lnSpc>
@@ -5560,6 +5270,7 @@
             <a:spcAft>
               <a:spcPct val="35000"/>
             </a:spcAft>
+            <a:buNone/>
           </a:pPr>
           <a:r>
             <a:rPr lang="en-US" altLang="zh-TW" sz="1100" kern="1200" dirty="0"/>
@@ -8037,7 +7748,7 @@
           <a:p>
             <a:fld id="{6E057F10-602D-45D8-9CB7-175D6C7EF75B}" type="slidenum">
               <a:rPr lang="zh-TW" altLang="en-US" smtClean="0"/>
-              <a:t>17</a:t>
+              <a:t>18</a:t>
             </a:fld>
             <a:endParaRPr lang="zh-TW" altLang="en-US"/>
           </a:p>
@@ -8121,7 +7832,7 @@
           <a:p>
             <a:fld id="{6E057F10-602D-45D8-9CB7-175D6C7EF75B}" type="slidenum">
               <a:rPr lang="zh-TW" altLang="en-US" smtClean="0"/>
-              <a:t>28</a:t>
+              <a:t>27</a:t>
             </a:fld>
             <a:endParaRPr lang="zh-TW" altLang="en-US"/>
           </a:p>
@@ -12328,10 +12039,6 @@
           <a:bodyPr/>
           <a:lstStyle/>
           <a:p>
-            <a:r>
-              <a:rPr lang="en-US" altLang="zh-TW" dirty="0"/>
-              <a:t/>
-            </a:r>
             <a:br>
               <a:rPr lang="en-US" altLang="zh-TW" dirty="0"/>
             </a:br>
@@ -12825,13 +12532,7 @@
       </p:sp>
       <p:pic>
         <p:nvPicPr>
-          <p:cNvPr id="10" name="圖片 9">
-            <a:extLst>
-              <a:ext uri="{FF2B5EF4-FFF2-40B4-BE49-F238E27FC236}">
-                <a16:creationId xmlns:a16="http://schemas.microsoft.com/office/drawing/2014/main" id="{8DEB5142-A7CA-4F4D-8E0F-9F0024CAEA89}"/>
-              </a:ext>
-            </a:extLst>
-          </p:cNvPr>
+          <p:cNvPr id="2" name="圖片 1"/>
           <p:cNvPicPr>
             <a:picLocks noChangeAspect="1"/>
           </p:cNvPicPr>
@@ -12851,42 +12552,12 @@
         </p:blipFill>
         <p:spPr>
           <a:xfrm>
-            <a:off x="4086462" y="153137"/>
-            <a:ext cx="4146201" cy="6175558"/>
+            <a:off x="131884" y="1601795"/>
+            <a:ext cx="11975123" cy="3721814"/>
           </a:xfrm>
           <a:prstGeom prst="rect">
             <a:avLst/>
           </a:prstGeom>
-          <a:solidFill>
-            <a:srgbClr val="FFFFFF">
-              <a:shade val="85000"/>
-            </a:srgbClr>
-          </a:solidFill>
-          <a:ln w="88900" cap="sq">
-            <a:solidFill>
-              <a:srgbClr val="FFFFFF"/>
-            </a:solidFill>
-            <a:miter lim="800000"/>
-          </a:ln>
-          <a:effectLst>
-            <a:outerShdw blurRad="55000" dist="18000" dir="5400000" algn="tl" rotWithShape="0">
-              <a:srgbClr val="000000">
-                <a:alpha val="40000"/>
-              </a:srgbClr>
-            </a:outerShdw>
-          </a:effectLst>
-          <a:scene3d>
-            <a:camera prst="orthographicFront"/>
-            <a:lightRig rig="twoPt" dir="t">
-              <a:rot lat="0" lon="0" rev="7200000"/>
-            </a:lightRig>
-          </a:scene3d>
-          <a:sp3d>
-            <a:bevelT w="25400" h="19050"/>
-            <a:contourClr>
-              <a:srgbClr val="FFFFFF"/>
-            </a:contourClr>
-          </a:sp3d>
         </p:spPr>
       </p:pic>
     </p:spTree>
@@ -13219,17 +12890,524 @@
         </p:nvSpPr>
         <p:spPr/>
         <p:txBody>
+          <a:bodyPr/>
+          <a:lstStyle/>
+          <a:p>
+            <a:r>
+              <a:rPr lang="en-US" altLang="zh-TW" dirty="0" err="1">
+                <a:latin typeface="Comic Sans MS" panose="030F0702030302020204" pitchFamily="66" charset="0"/>
+              </a:rPr>
+              <a:t>Superpixel</a:t>
+            </a:r>
+            <a:endParaRPr lang="en-US" altLang="zh-TW" dirty="0">
+              <a:latin typeface="Comic Sans MS" panose="030F0702030302020204" pitchFamily="66" charset="0"/>
+            </a:endParaRPr>
+          </a:p>
+        </p:txBody>
+      </p:sp>
+      <p:sp>
+        <p:nvSpPr>
+          <p:cNvPr id="3" name="內容版面配置區 2"/>
+          <p:cNvSpPr>
+            <a:spLocks noGrp="1"/>
+          </p:cNvSpPr>
+          <p:nvPr>
+            <p:ph sz="half" idx="1"/>
+          </p:nvPr>
+        </p:nvSpPr>
+        <p:spPr/>
+        <p:txBody>
+          <a:bodyPr numCol="1">
+            <a:normAutofit/>
+          </a:bodyPr>
+          <a:lstStyle/>
+          <a:p>
+            <a:r>
+              <a:rPr lang="en-US" altLang="zh-TW" sz="2800" dirty="0">
+                <a:latin typeface="Comic Sans MS" panose="030F0702030302020204" pitchFamily="66" charset="0"/>
+              </a:rPr>
+              <a:t>Input </a:t>
+            </a:r>
+          </a:p>
+          <a:p>
+            <a:pPr lvl="1"/>
+            <a:r>
+              <a:rPr lang="en-US" altLang="zh-TW" sz="2400" dirty="0">
+                <a:latin typeface="Comic Sans MS" panose="030F0702030302020204" pitchFamily="66" charset="0"/>
+              </a:rPr>
+              <a:t>data</a:t>
+            </a:r>
+          </a:p>
+          <a:p>
+            <a:pPr lvl="1"/>
+            <a:endParaRPr lang="en-US" altLang="zh-TW" sz="2800" dirty="0">
+              <a:latin typeface="Comic Sans MS" panose="030F0702030302020204" pitchFamily="66" charset="0"/>
+            </a:endParaRPr>
+          </a:p>
+          <a:p>
+            <a:pPr lvl="1"/>
+            <a:endParaRPr lang="en-US" altLang="zh-TW" sz="2800" dirty="0">
+              <a:latin typeface="Comic Sans MS" panose="030F0702030302020204" pitchFamily="66" charset="0"/>
+            </a:endParaRPr>
+          </a:p>
+          <a:p>
+            <a:r>
+              <a:rPr lang="en-US" altLang="zh-TW" sz="2800" dirty="0">
+                <a:latin typeface="Comic Sans MS" panose="030F0702030302020204" pitchFamily="66" charset="0"/>
+              </a:rPr>
+              <a:t>Output</a:t>
+            </a:r>
+          </a:p>
+          <a:p>
+            <a:pPr lvl="1"/>
+            <a:r>
+              <a:rPr lang="en-US" altLang="zh-TW" sz="2400" dirty="0">
+                <a:latin typeface="Comic Sans MS" panose="030F0702030302020204" pitchFamily="66" charset="0"/>
+              </a:rPr>
+              <a:t>X</a:t>
+            </a:r>
+          </a:p>
+          <a:p>
+            <a:pPr lvl="1"/>
+            <a:r>
+              <a:rPr lang="en-US" altLang="zh-TW" sz="2400" dirty="0">
+                <a:latin typeface="Comic Sans MS" panose="030F0702030302020204" pitchFamily="66" charset="0"/>
+              </a:rPr>
+              <a:t>Y</a:t>
+            </a:r>
+          </a:p>
+          <a:p>
+            <a:pPr lvl="1"/>
+            <a:r>
+              <a:rPr lang="el-GR" altLang="zh-TW" sz="2400" dirty="0">
+                <a:latin typeface="Comic Sans MS" panose="030F0702030302020204" pitchFamily="66" charset="0"/>
+              </a:rPr>
+              <a:t>Δ</a:t>
+            </a:r>
+            <a:r>
+              <a:rPr lang="en-US" altLang="zh-TW" sz="2400" dirty="0">
+                <a:latin typeface="Comic Sans MS" panose="030F0702030302020204" pitchFamily="66" charset="0"/>
+              </a:rPr>
+              <a:t>x</a:t>
+            </a:r>
+          </a:p>
+          <a:p>
+            <a:pPr lvl="1"/>
+            <a:r>
+              <a:rPr lang="el-GR" altLang="zh-TW" sz="2400" dirty="0">
+                <a:latin typeface="Comic Sans MS" panose="030F0702030302020204" pitchFamily="66" charset="0"/>
+              </a:rPr>
+              <a:t>Δ</a:t>
+            </a:r>
+            <a:r>
+              <a:rPr lang="en-US" altLang="zh-TW" sz="2400" dirty="0">
+                <a:latin typeface="Comic Sans MS" panose="030F0702030302020204" pitchFamily="66" charset="0"/>
+              </a:rPr>
+              <a:t>y </a:t>
+            </a:r>
+          </a:p>
+          <a:p>
+            <a:endParaRPr lang="en-US" altLang="zh-TW" sz="2800" dirty="0">
+              <a:latin typeface="Comic Sans MS" panose="030F0702030302020204" pitchFamily="66" charset="0"/>
+            </a:endParaRPr>
+          </a:p>
+        </p:txBody>
+      </p:sp>
+      <p:sp>
+        <p:nvSpPr>
+          <p:cNvPr id="5" name="內容版面配置區 4"/>
+          <p:cNvSpPr>
+            <a:spLocks noGrp="1"/>
+          </p:cNvSpPr>
+          <p:nvPr>
+            <p:ph sz="half" idx="2"/>
+          </p:nvPr>
+        </p:nvSpPr>
+        <p:spPr/>
+        <p:txBody>
           <a:bodyPr>
             <a:normAutofit/>
           </a:bodyPr>
           <a:lstStyle/>
           <a:p>
             <a:r>
-              <a:rPr lang="en-US" altLang="zh-TW" dirty="0">
+              <a:rPr lang="en-US" altLang="zh-TW" sz="2800" dirty="0">
                 <a:latin typeface="Comic Sans MS" panose="030F0702030302020204" pitchFamily="66" charset="0"/>
               </a:rPr>
-              <a:t/>
-            </a:r>
+              <a:t>Method</a:t>
+            </a:r>
+          </a:p>
+          <a:p>
+            <a:pPr lvl="1"/>
+            <a:r>
+              <a:rPr lang="en-US" altLang="zh-TW" sz="2400" dirty="0">
+                <a:latin typeface="Comic Sans MS" panose="030F0702030302020204" pitchFamily="66" charset="0"/>
+              </a:rPr>
+              <a:t>SLIC</a:t>
+            </a:r>
+          </a:p>
+          <a:p>
+            <a:pPr lvl="1"/>
+            <a:endParaRPr lang="en-US" altLang="zh-TW" sz="2800" dirty="0">
+              <a:latin typeface="Comic Sans MS" panose="030F0702030302020204" pitchFamily="66" charset="0"/>
+            </a:endParaRPr>
+          </a:p>
+          <a:p>
+            <a:pPr lvl="1"/>
+            <a:endParaRPr lang="en-US" altLang="zh-TW" sz="2800" dirty="0">
+              <a:latin typeface="Comic Sans MS" panose="030F0702030302020204" pitchFamily="66" charset="0"/>
+            </a:endParaRPr>
+          </a:p>
+          <a:p>
+            <a:r>
+              <a:rPr lang="en-US" altLang="zh-TW" sz="2800" dirty="0">
+                <a:latin typeface="Comic Sans MS" panose="030F0702030302020204" pitchFamily="66" charset="0"/>
+              </a:rPr>
+              <a:t>Parameter</a:t>
+            </a:r>
+          </a:p>
+          <a:p>
+            <a:pPr lvl="1"/>
+            <a:r>
+              <a:rPr lang="en-US" altLang="zh-TW" sz="2400" dirty="0">
+                <a:latin typeface="Comic Sans MS" panose="030F0702030302020204" pitchFamily="66" charset="0"/>
+              </a:rPr>
+              <a:t>N-segment</a:t>
+            </a:r>
+          </a:p>
+          <a:p>
+            <a:pPr lvl="1"/>
+            <a:r>
+              <a:rPr lang="en-US" altLang="zh-TW" sz="2400" dirty="0">
+                <a:latin typeface="Comic Sans MS" panose="030F0702030302020204" pitchFamily="66" charset="0"/>
+              </a:rPr>
+              <a:t>Compactness ratio</a:t>
+            </a:r>
+          </a:p>
+          <a:p>
+            <a:pPr marL="0" indent="0">
+              <a:buNone/>
+            </a:pPr>
+            <a:endParaRPr lang="en-US" altLang="zh-TW" sz="2800" dirty="0">
+              <a:latin typeface="Comic Sans MS" panose="030F0702030302020204" pitchFamily="66" charset="0"/>
+            </a:endParaRPr>
+          </a:p>
+        </p:txBody>
+      </p:sp>
+      <p:cxnSp>
+        <p:nvCxnSpPr>
+          <p:cNvPr id="10" name="直線接點 9">
+            <a:extLst>
+              <a:ext uri="{FF2B5EF4-FFF2-40B4-BE49-F238E27FC236}">
+                <a16:creationId xmlns:a16="http://schemas.microsoft.com/office/drawing/2014/main" id="{F0821442-BA04-4424-A6CF-19F9E44790C0}"/>
+              </a:ext>
+            </a:extLst>
+          </p:cNvPr>
+          <p:cNvCxnSpPr>
+            <a:cxnSpLocks/>
+          </p:cNvCxnSpPr>
+          <p:nvPr/>
+        </p:nvCxnSpPr>
+        <p:spPr>
+          <a:xfrm flipV="1">
+            <a:off x="5889567" y="2267297"/>
+            <a:ext cx="0" cy="3052848"/>
+          </a:xfrm>
+          <a:prstGeom prst="line">
+            <a:avLst/>
+          </a:prstGeom>
+          <a:ln>
+            <a:solidFill>
+              <a:schemeClr val="bg1">
+                <a:lumMod val="75000"/>
+              </a:schemeClr>
+            </a:solidFill>
+          </a:ln>
+        </p:spPr>
+        <p:style>
+          <a:lnRef idx="1">
+            <a:schemeClr val="accent1"/>
+          </a:lnRef>
+          <a:fillRef idx="0">
+            <a:schemeClr val="accent1"/>
+          </a:fillRef>
+          <a:effectRef idx="0">
+            <a:schemeClr val="accent1"/>
+          </a:effectRef>
+          <a:fontRef idx="minor">
+            <a:schemeClr val="tx1"/>
+          </a:fontRef>
+        </p:style>
+      </p:cxnSp>
+      <p:cxnSp>
+        <p:nvCxnSpPr>
+          <p:cNvPr id="11" name="直線接點 10">
+            <a:extLst>
+              <a:ext uri="{FF2B5EF4-FFF2-40B4-BE49-F238E27FC236}">
+                <a16:creationId xmlns:a16="http://schemas.microsoft.com/office/drawing/2014/main" id="{FE8EE655-7B60-4AC3-9DF1-6856FCB12865}"/>
+              </a:ext>
+            </a:extLst>
+          </p:cNvPr>
+          <p:cNvCxnSpPr>
+            <a:cxnSpLocks/>
+          </p:cNvCxnSpPr>
+          <p:nvPr/>
+        </p:nvCxnSpPr>
+        <p:spPr>
+          <a:xfrm>
+            <a:off x="1765068" y="3408838"/>
+            <a:ext cx="8740141" cy="0"/>
+          </a:xfrm>
+          <a:prstGeom prst="line">
+            <a:avLst/>
+          </a:prstGeom>
+          <a:ln>
+            <a:solidFill>
+              <a:schemeClr val="bg1">
+                <a:lumMod val="75000"/>
+              </a:schemeClr>
+            </a:solidFill>
+          </a:ln>
+        </p:spPr>
+        <p:style>
+          <a:lnRef idx="1">
+            <a:schemeClr val="accent1"/>
+          </a:lnRef>
+          <a:fillRef idx="0">
+            <a:schemeClr val="accent1"/>
+          </a:fillRef>
+          <a:effectRef idx="0">
+            <a:schemeClr val="accent1"/>
+          </a:effectRef>
+          <a:fontRef idx="minor">
+            <a:schemeClr val="tx1"/>
+          </a:fontRef>
+        </p:style>
+      </p:cxnSp>
+      <p:grpSp>
+        <p:nvGrpSpPr>
+          <p:cNvPr id="12" name="群組 11">
+            <a:extLst>
+              <a:ext uri="{FF2B5EF4-FFF2-40B4-BE49-F238E27FC236}">
+                <a16:creationId xmlns:a16="http://schemas.microsoft.com/office/drawing/2014/main" id="{62C7E013-CEE0-4BCA-9C8F-94E8934D2665}"/>
+              </a:ext>
+            </a:extLst>
+          </p:cNvPr>
+          <p:cNvGrpSpPr/>
+          <p:nvPr/>
+        </p:nvGrpSpPr>
+        <p:grpSpPr>
+          <a:xfrm>
+            <a:off x="10932000" y="0"/>
+            <a:ext cx="1260000" cy="1260000"/>
+            <a:chOff x="8555073" y="665432"/>
+            <a:chExt cx="1260000" cy="1260000"/>
+          </a:xfrm>
+        </p:grpSpPr>
+        <p:sp>
+          <p:nvSpPr>
+            <p:cNvPr id="13" name="矩形 12">
+              <a:extLst>
+                <a:ext uri="{FF2B5EF4-FFF2-40B4-BE49-F238E27FC236}">
+                  <a16:creationId xmlns:a16="http://schemas.microsoft.com/office/drawing/2014/main" id="{898AA730-A64F-4CA0-AF41-72C816458094}"/>
+                </a:ext>
+              </a:extLst>
+            </p:cNvPr>
+            <p:cNvSpPr/>
+            <p:nvPr/>
+          </p:nvSpPr>
+          <p:spPr>
+            <a:xfrm>
+              <a:off x="8555073" y="665432"/>
+              <a:ext cx="1260000" cy="1260000"/>
+            </a:xfrm>
+            <a:prstGeom prst="rect">
+              <a:avLst/>
+            </a:prstGeom>
+            <a:solidFill>
+              <a:srgbClr val="FF0000"/>
+            </a:solidFill>
+            <a:ln>
+              <a:noFill/>
+            </a:ln>
+          </p:spPr>
+          <p:style>
+            <a:lnRef idx="2">
+              <a:schemeClr val="accent1">
+                <a:shade val="50000"/>
+              </a:schemeClr>
+            </a:lnRef>
+            <a:fillRef idx="1">
+              <a:schemeClr val="accent1"/>
+            </a:fillRef>
+            <a:effectRef idx="0">
+              <a:schemeClr val="accent1"/>
+            </a:effectRef>
+            <a:fontRef idx="minor">
+              <a:schemeClr val="lt1"/>
+            </a:fontRef>
+          </p:style>
+          <p:txBody>
+            <a:bodyPr rtlCol="0" anchor="ctr"/>
+            <a:lstStyle/>
+            <a:p>
+              <a:pPr algn="ctr"/>
+              <a:endParaRPr lang="zh-TW" altLang="en-US"/>
+            </a:p>
+          </p:txBody>
+        </p:sp>
+        <p:sp>
+          <p:nvSpPr>
+            <p:cNvPr id="14" name="矩形 13">
+              <a:extLst>
+                <a:ext uri="{FF2B5EF4-FFF2-40B4-BE49-F238E27FC236}">
+                  <a16:creationId xmlns:a16="http://schemas.microsoft.com/office/drawing/2014/main" id="{C71C071F-1326-435A-BA95-BC2FE392C146}"/>
+                </a:ext>
+              </a:extLst>
+            </p:cNvPr>
+            <p:cNvSpPr/>
+            <p:nvPr/>
+          </p:nvSpPr>
+          <p:spPr>
+            <a:xfrm>
+              <a:off x="8837299" y="665432"/>
+              <a:ext cx="977774" cy="979200"/>
+            </a:xfrm>
+            <a:prstGeom prst="rect">
+              <a:avLst/>
+            </a:prstGeom>
+            <a:solidFill>
+              <a:srgbClr val="00B050"/>
+            </a:solidFill>
+            <a:ln w="12700">
+              <a:noFill/>
+            </a:ln>
+          </p:spPr>
+          <p:style>
+            <a:lnRef idx="2">
+              <a:schemeClr val="accent1">
+                <a:shade val="50000"/>
+              </a:schemeClr>
+            </a:lnRef>
+            <a:fillRef idx="1">
+              <a:schemeClr val="accent1"/>
+            </a:fillRef>
+            <a:effectRef idx="0">
+              <a:schemeClr val="accent1"/>
+            </a:effectRef>
+            <a:fontRef idx="minor">
+              <a:schemeClr val="lt1"/>
+            </a:fontRef>
+          </p:style>
+          <p:txBody>
+            <a:bodyPr rtlCol="0" anchor="ctr"/>
+            <a:lstStyle/>
+            <a:p>
+              <a:pPr algn="ctr"/>
+              <a:endParaRPr lang="zh-TW" altLang="en-US"/>
+            </a:p>
+          </p:txBody>
+        </p:sp>
+        <p:sp>
+          <p:nvSpPr>
+            <p:cNvPr id="15" name="矩形 14">
+              <a:extLst>
+                <a:ext uri="{FF2B5EF4-FFF2-40B4-BE49-F238E27FC236}">
+                  <a16:creationId xmlns:a16="http://schemas.microsoft.com/office/drawing/2014/main" id="{D3290E37-156B-41E1-847E-B0D045979DD2}"/>
+                </a:ext>
+              </a:extLst>
+            </p:cNvPr>
+            <p:cNvSpPr/>
+            <p:nvPr/>
+          </p:nvSpPr>
+          <p:spPr>
+            <a:xfrm>
+              <a:off x="9156682" y="675823"/>
+              <a:ext cx="648000" cy="648000"/>
+            </a:xfrm>
+            <a:prstGeom prst="rect">
+              <a:avLst/>
+            </a:prstGeom>
+            <a:solidFill>
+              <a:srgbClr val="FF0000"/>
+            </a:solidFill>
+            <a:ln>
+              <a:noFill/>
+            </a:ln>
+          </p:spPr>
+          <p:style>
+            <a:lnRef idx="2">
+              <a:schemeClr val="accent1">
+                <a:shade val="50000"/>
+              </a:schemeClr>
+            </a:lnRef>
+            <a:fillRef idx="1">
+              <a:schemeClr val="accent1"/>
+            </a:fillRef>
+            <a:effectRef idx="0">
+              <a:schemeClr val="accent1"/>
+            </a:effectRef>
+            <a:fontRef idx="minor">
+              <a:schemeClr val="lt1"/>
+            </a:fontRef>
+          </p:style>
+          <p:txBody>
+            <a:bodyPr rtlCol="0" anchor="ctr"/>
+            <a:lstStyle/>
+            <a:p>
+              <a:pPr algn="ctr"/>
+              <a:endParaRPr lang="zh-TW" altLang="en-US"/>
+            </a:p>
+          </p:txBody>
+        </p:sp>
+      </p:grpSp>
+    </p:spTree>
+    <p:extLst>
+      <p:ext uri="{BB962C8B-B14F-4D97-AF65-F5344CB8AC3E}">
+        <p14:creationId xmlns:p14="http://schemas.microsoft.com/office/powerpoint/2010/main" val="3568567651"/>
+      </p:ext>
+    </p:extLst>
+  </p:cSld>
+  <p:clrMapOvr>
+    <a:masterClrMapping/>
+  </p:clrMapOvr>
+</p:sld>
+</file>
+
+<file path=ppt/slides/slide15.xml><?xml version="1.0" encoding="utf-8"?>
+<p:sld xmlns:a="http://schemas.openxmlformats.org/drawingml/2006/main" xmlns:r="http://schemas.openxmlformats.org/officeDocument/2006/relationships" xmlns:p="http://schemas.openxmlformats.org/presentationml/2006/main">
+  <p:cSld>
+    <p:spTree>
+      <p:nvGrpSpPr>
+        <p:cNvPr id="1" name=""/>
+        <p:cNvGrpSpPr/>
+        <p:nvPr/>
+      </p:nvGrpSpPr>
+      <p:grpSpPr>
+        <a:xfrm>
+          <a:off x="0" y="0"/>
+          <a:ext cx="0" cy="0"/>
+          <a:chOff x="0" y="0"/>
+          <a:chExt cx="0" cy="0"/>
+        </a:xfrm>
+      </p:grpSpPr>
+      <p:sp>
+        <p:nvSpPr>
+          <p:cNvPr id="2" name="標題 1"/>
+          <p:cNvSpPr>
+            <a:spLocks noGrp="1"/>
+          </p:cNvSpPr>
+          <p:nvPr>
+            <p:ph type="title"/>
+          </p:nvPr>
+        </p:nvSpPr>
+        <p:spPr/>
+        <p:txBody>
+          <a:bodyPr>
+            <a:normAutofit/>
+          </a:bodyPr>
+          <a:lstStyle/>
+          <a:p>
             <a:br>
               <a:rPr lang="en-US" altLang="zh-TW" dirty="0">
                 <a:latin typeface="Comic Sans MS" panose="030F0702030302020204" pitchFamily="66" charset="0"/>
@@ -13281,9 +13459,6 @@
               </a:rPr>
               <a:t>data</a:t>
             </a:r>
-            <a:endParaRPr lang="en-US" altLang="zh-TW" sz="2400" dirty="0">
-              <a:latin typeface="Comic Sans MS" panose="030F0702030302020204" pitchFamily="66" charset="0"/>
-            </a:endParaRPr>
           </a:p>
           <a:p>
             <a:pPr lvl="1"/>
@@ -13307,26 +13482,20 @@
           <a:p>
             <a:pPr lvl="1"/>
             <a:r>
-              <a:rPr lang="en-US" altLang="zh-TW" sz="2400" dirty="0" smtClean="0">
+              <a:rPr lang="en-US" altLang="zh-TW" sz="2400" dirty="0">
                 <a:latin typeface="Comic Sans MS" panose="030F0702030302020204" pitchFamily="66" charset="0"/>
               </a:rPr>
               <a:t>X</a:t>
             </a:r>
-            <a:endParaRPr lang="en-US" altLang="zh-TW" sz="2400" dirty="0">
-              <a:latin typeface="Comic Sans MS" panose="030F0702030302020204" pitchFamily="66" charset="0"/>
-            </a:endParaRPr>
           </a:p>
           <a:p>
             <a:pPr lvl="1"/>
             <a:r>
-              <a:rPr lang="en-US" altLang="zh-TW" sz="2400" dirty="0" smtClean="0">
+              <a:rPr lang="en-US" altLang="zh-TW" sz="2400" dirty="0">
                 <a:latin typeface="Comic Sans MS" panose="030F0702030302020204" pitchFamily="66" charset="0"/>
               </a:rPr>
               <a:t>Y</a:t>
             </a:r>
-            <a:endParaRPr lang="en-US" altLang="zh-TW" sz="2400" dirty="0">
-              <a:latin typeface="Comic Sans MS" panose="030F0702030302020204" pitchFamily="66" charset="0"/>
-            </a:endParaRPr>
           </a:p>
           <a:p>
             <a:pPr lvl="1"/>
@@ -13357,9 +13526,6 @@
               </a:rPr>
               <a:t>y </a:t>
             </a:r>
-            <a:endParaRPr lang="en-US" altLang="zh-TW" sz="2400" dirty="0" smtClean="0">
-              <a:latin typeface="Comic Sans MS" panose="030F0702030302020204" pitchFamily="66" charset="0"/>
-            </a:endParaRPr>
           </a:p>
           <a:p>
             <a:pPr lvl="1"/>
@@ -13367,13 +13533,7 @@
               <a:rPr lang="en-US" altLang="zh-TW" sz="2400" dirty="0" err="1">
                 <a:latin typeface="Comic Sans MS" panose="030F0702030302020204" pitchFamily="66" charset="0"/>
               </a:rPr>
-              <a:t>o</a:t>
-            </a:r>
-            <a:r>
-              <a:rPr lang="en-US" altLang="zh-TW" sz="2400" dirty="0" err="1" smtClean="0">
-                <a:latin typeface="Comic Sans MS" panose="030F0702030302020204" pitchFamily="66" charset="0"/>
-              </a:rPr>
-              <a:t>bject_class</a:t>
+              <a:t>object_class</a:t>
             </a:r>
             <a:endParaRPr lang="zh-TW" altLang="zh-TW" sz="2400" dirty="0">
               <a:latin typeface="Comic Sans MS" panose="030F0702030302020204" pitchFamily="66" charset="0"/>
@@ -13750,7 +13910,7 @@
 </p:sld>
 </file>
 
-<file path=ppt/slides/slide15.xml><?xml version="1.0" encoding="utf-8"?>
+<file path=ppt/slides/slide16.xml><?xml version="1.0" encoding="utf-8"?>
 <p:sld xmlns:a="http://schemas.openxmlformats.org/drawingml/2006/main" xmlns:r="http://schemas.openxmlformats.org/officeDocument/2006/relationships" xmlns:p="http://schemas.openxmlformats.org/presentationml/2006/main">
   <p:cSld>
     <p:spTree>
@@ -13826,16 +13986,59 @@
               <a:rPr lang="en-US" altLang="zh-TW" sz="2400" dirty="0">
                 <a:latin typeface="Comic Sans MS" panose="030F0702030302020204" pitchFamily="66" charset="0"/>
               </a:rPr>
-              <a:t>data</a:t>
-            </a:r>
-            <a:endParaRPr lang="en-US" altLang="zh-TW" sz="2400" dirty="0">
-              <a:latin typeface="Comic Sans MS" panose="030F0702030302020204" pitchFamily="66" charset="0"/>
-            </a:endParaRPr>
-          </a:p>
-          <a:p>
-            <a:pPr marL="201168" lvl="1" indent="0">
-              <a:buNone/>
-            </a:pPr>
+              <a:t>X</a:t>
+            </a:r>
+            <a:r>
+              <a:rPr lang="zh-TW" altLang="en-US" sz="2400" dirty="0">
+                <a:latin typeface="Comic Sans MS" panose="030F0702030302020204" pitchFamily="66" charset="0"/>
+              </a:rPr>
+              <a:t>、</a:t>
+            </a:r>
+            <a:r>
+              <a:rPr lang="en-US" altLang="zh-TW" sz="2400" dirty="0">
+                <a:latin typeface="Comic Sans MS" panose="030F0702030302020204" pitchFamily="66" charset="0"/>
+              </a:rPr>
+              <a:t>Y</a:t>
+            </a:r>
+            <a:r>
+              <a:rPr lang="zh-TW" altLang="en-US" sz="2400" dirty="0">
+                <a:latin typeface="Comic Sans MS" panose="030F0702030302020204" pitchFamily="66" charset="0"/>
+              </a:rPr>
+              <a:t>、</a:t>
+            </a:r>
+            <a:r>
+              <a:rPr lang="el-GR" altLang="zh-TW" sz="2400" dirty="0">
+                <a:latin typeface="Comic Sans MS" panose="030F0702030302020204" pitchFamily="66" charset="0"/>
+              </a:rPr>
+              <a:t>Δ</a:t>
+            </a:r>
+            <a:r>
+              <a:rPr lang="en-US" altLang="zh-TW" sz="2400" dirty="0">
+                <a:latin typeface="Comic Sans MS" panose="030F0702030302020204" pitchFamily="66" charset="0"/>
+              </a:rPr>
+              <a:t>x</a:t>
+            </a:r>
+            <a:r>
+              <a:rPr lang="zh-TW" altLang="en-US" sz="2400" dirty="0">
+                <a:latin typeface="Comic Sans MS" panose="030F0702030302020204" pitchFamily="66" charset="0"/>
+              </a:rPr>
+              <a:t>、</a:t>
+            </a:r>
+            <a:r>
+              <a:rPr lang="el-GR" altLang="zh-TW" sz="2400" dirty="0">
+                <a:latin typeface="Comic Sans MS" panose="030F0702030302020204" pitchFamily="66" charset="0"/>
+              </a:rPr>
+              <a:t>Δ</a:t>
+            </a:r>
+            <a:r>
+              <a:rPr lang="en-US" altLang="zh-TW" sz="2400" dirty="0">
+                <a:latin typeface="Comic Sans MS" panose="030F0702030302020204" pitchFamily="66" charset="0"/>
+              </a:rPr>
+              <a:t>y</a:t>
+            </a:r>
+          </a:p>
+          <a:p>
+            <a:pPr lvl="1"/>
             <a:endParaRPr lang="en-US" altLang="zh-TW" sz="2800" dirty="0">
               <a:latin typeface="Comic Sans MS" panose="030F0702030302020204" pitchFamily="66" charset="0"/>
             </a:endParaRPr>
@@ -13894,7 +14097,7 @@
           <a:p>
             <a:pPr lvl="1"/>
             <a:r>
-              <a:rPr lang="en-US" altLang="zh-TW" sz="2400" dirty="0" smtClean="0">
+              <a:rPr lang="en-US" altLang="zh-TW" sz="2400" dirty="0">
                 <a:latin typeface="Comic Sans MS" panose="030F0702030302020204" pitchFamily="66" charset="0"/>
               </a:rPr>
               <a:t>LBP</a:t>
@@ -14191,7 +14394,7 @@
 </p:sld>
 </file>
 
-<file path=ppt/slides/slide16.xml><?xml version="1.0" encoding="utf-8"?>
+<file path=ppt/slides/slide17.xml><?xml version="1.0" encoding="utf-8"?>
 <p:sld xmlns:a="http://schemas.openxmlformats.org/drawingml/2006/main" xmlns:r="http://schemas.openxmlformats.org/officeDocument/2006/relationships" xmlns:p="http://schemas.openxmlformats.org/presentationml/2006/main">
   <p:cSld>
     <p:spTree>
@@ -14275,79 +14478,76 @@
               </a:rPr>
               <a:t> </a:t>
             </a:r>
-            <a:endParaRPr lang="en-US" altLang="zh-TW" sz="2400" dirty="0" smtClean="0">
-              <a:latin typeface="Comic Sans MS" panose="030F0702030302020204" pitchFamily="66" charset="0"/>
-            </a:endParaRPr>
           </a:p>
           <a:p>
             <a:pPr lvl="1"/>
             <a:r>
-              <a:rPr lang="en-US" altLang="zh-TW" sz="2400" dirty="0" smtClean="0">
+              <a:rPr lang="en-US" altLang="zh-TW" sz="2400" dirty="0">
                 <a:latin typeface="Comic Sans MS" panose="030F0702030302020204" pitchFamily="66" charset="0"/>
               </a:rPr>
               <a:t>X</a:t>
             </a:r>
             <a:r>
-              <a:rPr lang="zh-TW" altLang="en-US" sz="2400" dirty="0" smtClean="0">
+              <a:rPr lang="zh-TW" altLang="en-US" sz="2400" dirty="0">
                 <a:latin typeface="Comic Sans MS" panose="030F0702030302020204" pitchFamily="66" charset="0"/>
               </a:rPr>
               <a:t>、</a:t>
             </a:r>
             <a:r>
-              <a:rPr lang="en-US" altLang="zh-TW" sz="2400" dirty="0" smtClean="0">
+              <a:rPr lang="en-US" altLang="zh-TW" sz="2400" dirty="0">
                 <a:latin typeface="Comic Sans MS" panose="030F0702030302020204" pitchFamily="66" charset="0"/>
               </a:rPr>
               <a:t>Y</a:t>
             </a:r>
             <a:r>
-              <a:rPr lang="zh-TW" altLang="en-US" sz="2400" dirty="0" smtClean="0">
+              <a:rPr lang="zh-TW" altLang="en-US" sz="2400" dirty="0">
                 <a:latin typeface="Comic Sans MS" panose="030F0702030302020204" pitchFamily="66" charset="0"/>
               </a:rPr>
               <a:t>、</a:t>
             </a:r>
             <a:r>
-              <a:rPr lang="el-GR" altLang="zh-TW" sz="2400" dirty="0" smtClean="0">
+              <a:rPr lang="el-GR" altLang="zh-TW" sz="2400" dirty="0">
                 <a:latin typeface="Comic Sans MS" panose="030F0702030302020204" pitchFamily="66" charset="0"/>
               </a:rPr>
               <a:t>Δ</a:t>
             </a:r>
             <a:r>
-              <a:rPr lang="en-US" altLang="zh-TW" sz="2400" dirty="0" smtClean="0">
+              <a:rPr lang="en-US" altLang="zh-TW" sz="2400" dirty="0">
                 <a:latin typeface="Comic Sans MS" panose="030F0702030302020204" pitchFamily="66" charset="0"/>
               </a:rPr>
               <a:t>x</a:t>
             </a:r>
             <a:r>
-              <a:rPr lang="zh-TW" altLang="en-US" sz="2400" dirty="0" smtClean="0">
+              <a:rPr lang="zh-TW" altLang="en-US" sz="2400" dirty="0">
                 <a:latin typeface="Comic Sans MS" panose="030F0702030302020204" pitchFamily="66" charset="0"/>
               </a:rPr>
               <a:t>、</a:t>
             </a:r>
             <a:r>
-              <a:rPr lang="el-GR" altLang="zh-TW" sz="2400" dirty="0" smtClean="0">
+              <a:rPr lang="el-GR" altLang="zh-TW" sz="2400" dirty="0">
                 <a:latin typeface="Comic Sans MS" panose="030F0702030302020204" pitchFamily="66" charset="0"/>
               </a:rPr>
               <a:t>Δ</a:t>
             </a:r>
             <a:r>
-              <a:rPr lang="en-US" altLang="zh-TW" sz="2400" dirty="0" smtClean="0">
+              <a:rPr lang="en-US" altLang="zh-TW" sz="2400" dirty="0">
                 <a:latin typeface="Comic Sans MS" panose="030F0702030302020204" pitchFamily="66" charset="0"/>
               </a:rPr>
               <a:t>y </a:t>
             </a:r>
             <a:r>
-              <a:rPr lang="zh-TW" altLang="en-US" sz="2400" dirty="0" smtClean="0">
+              <a:rPr lang="zh-TW" altLang="en-US" sz="2400" dirty="0">
                 <a:latin typeface="Comic Sans MS" panose="030F0702030302020204" pitchFamily="66" charset="0"/>
               </a:rPr>
               <a:t>、</a:t>
             </a:r>
             <a:r>
-              <a:rPr lang="en-US" altLang="zh-TW" sz="2400" dirty="0" err="1" smtClean="0">
+              <a:rPr lang="en-US" altLang="zh-TW" sz="2400" dirty="0" err="1">
                 <a:latin typeface="Comic Sans MS" panose="030F0702030302020204" pitchFamily="66" charset="0"/>
               </a:rPr>
               <a:t>object_class</a:t>
             </a:r>
-            <a:endParaRPr lang="zh-TW" altLang="zh-TW" sz="2400" dirty="0" smtClean="0">
+            <a:endParaRPr lang="zh-TW" altLang="zh-TW" sz="2400" dirty="0">
               <a:latin typeface="Comic Sans MS" panose="030F0702030302020204" pitchFamily="66" charset="0"/>
             </a:endParaRPr>
           </a:p>
@@ -14411,22 +14611,11 @@
           <a:p>
             <a:pPr lvl="1"/>
             <a:r>
-              <a:rPr lang="en-US" altLang="zh-TW" sz="2400" dirty="0" smtClean="0">
+              <a:rPr lang="en-US" altLang="zh-TW" sz="2400" dirty="0">
                 <a:latin typeface="Comic Sans MS" panose="030F0702030302020204" pitchFamily="66" charset="0"/>
               </a:rPr>
               <a:t>MLP</a:t>
             </a:r>
-            <a:endParaRPr lang="en-US" altLang="zh-TW" sz="2400" dirty="0">
-              <a:latin typeface="Comic Sans MS" panose="030F0702030302020204" pitchFamily="66" charset="0"/>
-            </a:endParaRPr>
-          </a:p>
-          <a:p>
-            <a:pPr marL="201168" lvl="1" indent="0">
-              <a:buNone/>
-            </a:pPr>
-            <a:endParaRPr lang="en-US" altLang="zh-TW" sz="2800" dirty="0" smtClean="0">
-              <a:latin typeface="Comic Sans MS" panose="030F0702030302020204" pitchFamily="66" charset="0"/>
-            </a:endParaRPr>
           </a:p>
           <a:p>
             <a:pPr marL="201168" lvl="1" indent="0">
@@ -14437,6 +14626,14 @@
             </a:endParaRPr>
           </a:p>
           <a:p>
+            <a:pPr marL="201168" lvl="1" indent="0">
+              <a:buNone/>
+            </a:pPr>
+            <a:endParaRPr lang="en-US" altLang="zh-TW" sz="2800" dirty="0">
+              <a:latin typeface="Comic Sans MS" panose="030F0702030302020204" pitchFamily="66" charset="0"/>
+            </a:endParaRPr>
+          </a:p>
+          <a:p>
             <a:r>
               <a:rPr lang="en-US" altLang="zh-TW" sz="2800" dirty="0">
                 <a:latin typeface="Comic Sans MS" panose="030F0702030302020204" pitchFamily="66" charset="0"/>
@@ -14447,16 +14644,10 @@
           <a:p>
             <a:pPr lvl="1"/>
             <a:r>
-              <a:rPr lang="en-US" altLang="zh-TW" sz="2400" dirty="0" smtClean="0">
-                <a:latin typeface="Comic Sans MS" panose="030F0702030302020204" pitchFamily="66" charset="0"/>
-              </a:rPr>
-              <a:t>MLP </a:t>
-            </a:r>
-            <a:r>
               <a:rPr lang="en-US" altLang="zh-TW" sz="2400" dirty="0">
                 <a:latin typeface="Comic Sans MS" panose="030F0702030302020204" pitchFamily="66" charset="0"/>
               </a:rPr>
-              <a:t>: hidden node</a:t>
+              <a:t>MLP : hidden node</a:t>
             </a:r>
           </a:p>
           <a:p>
@@ -14752,7 +14943,7 @@
 </p:sld>
 </file>
 
-<file path=ppt/slides/slide17.xml><?xml version="1.0" encoding="utf-8"?>
+<file path=ppt/slides/slide18.xml><?xml version="1.0" encoding="utf-8"?>
 <p:sld xmlns:a="http://schemas.openxmlformats.org/drawingml/2006/main" xmlns:r="http://schemas.openxmlformats.org/officeDocument/2006/relationships" xmlns:p="http://schemas.openxmlformats.org/presentationml/2006/main">
   <p:cSld>
     <p:spTree>
@@ -15040,7 +15231,7 @@
 </p:sld>
 </file>
 
-<file path=ppt/slides/slide18.xml><?xml version="1.0" encoding="utf-8"?>
+<file path=ppt/slides/slide19.xml><?xml version="1.0" encoding="utf-8"?>
 <p:sld xmlns:a="http://schemas.openxmlformats.org/drawingml/2006/main" xmlns:r="http://schemas.openxmlformats.org/officeDocument/2006/relationships" xmlns:p="http://schemas.openxmlformats.org/presentationml/2006/main">
   <p:cSld>
     <p:spTree>
@@ -15111,7 +15302,7 @@
           <a:p>
             <a:pPr lvl="1"/>
             <a:r>
-              <a:rPr lang="en-US" altLang="zh-TW" sz="2400" dirty="0" err="1" smtClean="0">
+              <a:rPr lang="en-US" altLang="zh-TW" sz="2400" dirty="0" err="1">
                 <a:latin typeface="Comic Sans MS" panose="030F0702030302020204" pitchFamily="66" charset="0"/>
               </a:rPr>
               <a:t>test_data</a:t>
@@ -15143,23 +15334,35 @@
           <a:p>
             <a:pPr lvl="1"/>
             <a:r>
+              <a:rPr lang="en-US" altLang="zh-TW" sz="2400" dirty="0" err="1">
+                <a:latin typeface="Comic Sans MS" panose="030F0702030302020204" pitchFamily="66" charset="0"/>
+              </a:rPr>
+              <a:t>test_X</a:t>
+            </a:r>
+            <a:endParaRPr lang="en-US" altLang="zh-TW" sz="2400" dirty="0">
+              <a:latin typeface="Comic Sans MS" panose="030F0702030302020204" pitchFamily="66" charset="0"/>
+            </a:endParaRPr>
+          </a:p>
+          <a:p>
+            <a:pPr lvl="1"/>
+            <a:r>
+              <a:rPr lang="en-US" altLang="zh-TW" sz="2400" dirty="0" err="1">
+                <a:latin typeface="Comic Sans MS" panose="030F0702030302020204" pitchFamily="66" charset="0"/>
+              </a:rPr>
+              <a:t>test_Y</a:t>
+            </a:r>
+            <a:endParaRPr lang="en-US" altLang="zh-TW" sz="2400" dirty="0">
+              <a:latin typeface="Comic Sans MS" panose="030F0702030302020204" pitchFamily="66" charset="0"/>
+            </a:endParaRPr>
+          </a:p>
+          <a:p>
+            <a:pPr lvl="1"/>
+            <a:r>
               <a:rPr lang="en-US" altLang="zh-TW" sz="2400" dirty="0">
                 <a:latin typeface="Comic Sans MS" panose="030F0702030302020204" pitchFamily="66" charset="0"/>
               </a:rPr>
-              <a:t>X</a:t>
-            </a:r>
-          </a:p>
-          <a:p>
-            <a:pPr lvl="1"/>
-            <a:r>
-              <a:rPr lang="en-US" altLang="zh-TW" sz="2400" dirty="0">
-                <a:latin typeface="Comic Sans MS" panose="030F0702030302020204" pitchFamily="66" charset="0"/>
-              </a:rPr>
-              <a:t>Y</a:t>
-            </a:r>
-          </a:p>
-          <a:p>
-            <a:pPr lvl="1"/>
+              <a:t>test_</a:t>
+            </a:r>
             <a:r>
               <a:rPr lang="el-GR" altLang="zh-TW" sz="2400" dirty="0">
                 <a:latin typeface="Comic Sans MS" panose="030F0702030302020204" pitchFamily="66" charset="0"/>
@@ -15175,6 +15378,12 @@
           </a:p>
           <a:p>
             <a:pPr lvl="1"/>
+            <a:r>
+              <a:rPr lang="en-US" altLang="zh-TW" sz="2400" dirty="0">
+                <a:latin typeface="Comic Sans MS" panose="030F0702030302020204" pitchFamily="66" charset="0"/>
+              </a:rPr>
+              <a:t>test_</a:t>
+            </a:r>
             <a:r>
               <a:rPr lang="el-GR" altLang="zh-TW" sz="2400" dirty="0">
                 <a:latin typeface="Comic Sans MS" panose="030F0702030302020204" pitchFamily="66" charset="0"/>
@@ -15546,7 +15755,7 @@
     </p:spTree>
     <p:extLst>
       <p:ext uri="{BB962C8B-B14F-4D97-AF65-F5344CB8AC3E}">
-        <p14:creationId xmlns:p14="http://schemas.microsoft.com/office/powerpoint/2010/main" val="3568567651"/>
+        <p14:creationId xmlns:p14="http://schemas.microsoft.com/office/powerpoint/2010/main" val="1596980007"/>
       </p:ext>
     </p:extLst>
   </p:cSld>
@@ -15556,7 +15765,7 @@
 </p:sld>
 </file>
 
-<file path=ppt/slides/slide19.xml><?xml version="1.0" encoding="utf-8"?>
+<file path=ppt/slides/slide2.xml><?xml version="1.0" encoding="utf-8"?>
 <p:sld xmlns:a="http://schemas.openxmlformats.org/drawingml/2006/main" xmlns:r="http://schemas.openxmlformats.org/officeDocument/2006/relationships" xmlns:p="http://schemas.openxmlformats.org/presentationml/2006/main">
   <p:cSld>
     <p:spTree>
@@ -15592,6 +15801,276 @@
               <a:rPr lang="en-US" altLang="zh-TW" dirty="0">
                 <a:latin typeface="Comic Sans MS" panose="030F0702030302020204" pitchFamily="66" charset="0"/>
               </a:rPr>
+              <a:t>Contents</a:t>
+            </a:r>
+            <a:endParaRPr lang="zh-TW" altLang="en-US" dirty="0">
+              <a:latin typeface="Comic Sans MS" panose="030F0702030302020204" pitchFamily="66" charset="0"/>
+            </a:endParaRPr>
+          </a:p>
+        </p:txBody>
+      </p:sp>
+      <p:sp>
+        <p:nvSpPr>
+          <p:cNvPr id="3" name="內容版面配置區 2"/>
+          <p:cNvSpPr>
+            <a:spLocks noGrp="1"/>
+          </p:cNvSpPr>
+          <p:nvPr>
+            <p:ph idx="1"/>
+          </p:nvPr>
+        </p:nvSpPr>
+        <p:spPr/>
+        <p:txBody>
+          <a:bodyPr numCol="2">
+            <a:normAutofit/>
+          </a:bodyPr>
+          <a:lstStyle/>
+          <a:p>
+            <a:pPr>
+              <a:buFont typeface="Wingdings" panose="05000000000000000000" pitchFamily="2" charset="2"/>
+              <a:buChar char="u"/>
+            </a:pPr>
+            <a:r>
+              <a:rPr lang="en-US" altLang="zh-TW" sz="2800" dirty="0">
+                <a:solidFill>
+                  <a:srgbClr val="6666FF"/>
+                </a:solidFill>
+                <a:latin typeface="Comic Sans MS" panose="030F0702030302020204" pitchFamily="66" charset="0"/>
+              </a:rPr>
+              <a:t>Requirements</a:t>
+            </a:r>
+          </a:p>
+          <a:p>
+            <a:pPr>
+              <a:buFont typeface="Wingdings" panose="05000000000000000000" pitchFamily="2" charset="2"/>
+              <a:buChar char="u"/>
+            </a:pPr>
+            <a:r>
+              <a:rPr lang="en-US" altLang="zh-TW" sz="2800" dirty="0">
+                <a:solidFill>
+                  <a:srgbClr val="00B050"/>
+                </a:solidFill>
+                <a:latin typeface="Comic Sans MS" panose="030F0702030302020204" pitchFamily="66" charset="0"/>
+              </a:rPr>
+              <a:t>Analysis</a:t>
+            </a:r>
+          </a:p>
+          <a:p>
+            <a:pPr>
+              <a:buFont typeface="Wingdings" panose="05000000000000000000" pitchFamily="2" charset="2"/>
+              <a:buChar char="u"/>
+            </a:pPr>
+            <a:r>
+              <a:rPr lang="en-US" altLang="zh-TW" sz="2800" dirty="0">
+                <a:solidFill>
+                  <a:srgbClr val="FF0000"/>
+                </a:solidFill>
+                <a:latin typeface="Comic Sans MS" panose="030F0702030302020204" pitchFamily="66" charset="0"/>
+              </a:rPr>
+              <a:t>Design</a:t>
+            </a:r>
+          </a:p>
+          <a:p>
+            <a:pPr>
+              <a:buFont typeface="Wingdings" panose="05000000000000000000" pitchFamily="2" charset="2"/>
+              <a:buChar char="u"/>
+            </a:pPr>
+            <a:r>
+              <a:rPr lang="en-US" altLang="zh-TW" sz="2800" dirty="0">
+                <a:solidFill>
+                  <a:schemeClr val="accent6">
+                    <a:lumMod val="75000"/>
+                  </a:schemeClr>
+                </a:solidFill>
+                <a:latin typeface="Comic Sans MS" panose="030F0702030302020204" pitchFamily="66" charset="0"/>
+              </a:rPr>
+              <a:t>Coding &amp; Refine</a:t>
+            </a:r>
+          </a:p>
+          <a:p>
+            <a:pPr>
+              <a:buFont typeface="Wingdings" panose="05000000000000000000" pitchFamily="2" charset="2"/>
+              <a:buChar char="u"/>
+            </a:pPr>
+            <a:r>
+              <a:rPr lang="en-US" altLang="zh-TW" sz="2800" dirty="0">
+                <a:solidFill>
+                  <a:srgbClr val="FF66FF"/>
+                </a:solidFill>
+                <a:latin typeface="Comic Sans MS" panose="030F0702030302020204" pitchFamily="66" charset="0"/>
+              </a:rPr>
+              <a:t>Verification</a:t>
+            </a:r>
+          </a:p>
+          <a:p>
+            <a:pPr>
+              <a:buFont typeface="Wingdings" panose="05000000000000000000" pitchFamily="2" charset="2"/>
+              <a:buChar char="u"/>
+            </a:pPr>
+            <a:r>
+              <a:rPr lang="en-US" altLang="zh-TW" sz="2800" dirty="0">
+                <a:latin typeface="Comic Sans MS" panose="030F0702030302020204" pitchFamily="66" charset="0"/>
+              </a:rPr>
+              <a:t>Work distribution chart</a:t>
+            </a:r>
+          </a:p>
+        </p:txBody>
+      </p:sp>
+      <p:sp>
+        <p:nvSpPr>
+          <p:cNvPr id="7" name="Rectangle 2">
+            <a:extLst>
+              <a:ext uri="{FF2B5EF4-FFF2-40B4-BE49-F238E27FC236}">
+                <a16:creationId xmlns:a16="http://schemas.microsoft.com/office/drawing/2014/main" id="{5140694A-3D9D-4C5D-8809-0E4D94F5BB7A}"/>
+              </a:ext>
+            </a:extLst>
+          </p:cNvPr>
+          <p:cNvSpPr>
+            <a:spLocks noChangeArrowheads="1"/>
+          </p:cNvSpPr>
+          <p:nvPr/>
+        </p:nvSpPr>
+        <p:spPr bwMode="auto">
+          <a:xfrm>
+            <a:off x="3624263" y="3659188"/>
+            <a:ext cx="12192000" cy="0"/>
+          </a:xfrm>
+          <a:prstGeom prst="rect">
+            <a:avLst/>
+          </a:prstGeom>
+          <a:noFill/>
+          <a:ln>
+            <a:noFill/>
+          </a:ln>
+          <a:effectLst/>
+          <a:extLst>
+            <a:ext uri="{909E8E84-426E-40DD-AFC4-6F175D3DCCD1}">
+              <a14:hiddenFill xmlns:a14="http://schemas.microsoft.com/office/drawing/2010/main">
+                <a:solidFill>
+                  <a:schemeClr val="accent1"/>
+                </a:solidFill>
+              </a14:hiddenFill>
+            </a:ext>
+            <a:ext uri="{91240B29-F687-4F45-9708-019B960494DF}">
+              <a14:hiddenLine xmlns:a14="http://schemas.microsoft.com/office/drawing/2010/main" w="9525">
+                <a:solidFill>
+                  <a:schemeClr val="tx1"/>
+                </a:solidFill>
+                <a:miter lim="800000"/>
+                <a:headEnd/>
+                <a:tailEnd/>
+              </a14:hiddenLine>
+            </a:ext>
+            <a:ext uri="{AF507438-7753-43E0-B8FC-AC1667EBCBE1}">
+              <a14:hiddenEffects xmlns:a14="http://schemas.microsoft.com/office/drawing/2010/main">
+                <a:effectLst>
+                  <a:outerShdw dist="35921" dir="2700000" algn="ctr" rotWithShape="0">
+                    <a:schemeClr val="bg2"/>
+                  </a:outerShdw>
+                </a:effectLst>
+              </a14:hiddenEffects>
+            </a:ext>
+          </a:extLst>
+        </p:spPr>
+        <p:txBody>
+          <a:bodyPr vert="horz" wrap="none" lIns="91440" tIns="45720" rIns="91440" bIns="45720" numCol="1" anchor="ctr" anchorCtr="0" compatLnSpc="1">
+            <a:prstTxWarp prst="textNoShape">
+              <a:avLst/>
+            </a:prstTxWarp>
+            <a:spAutoFit/>
+          </a:bodyPr>
+          <a:lstStyle/>
+          <a:p>
+            <a:pPr marL="0" marR="0" lvl="0" indent="0" algn="l" defTabSz="914400" rtl="0" eaLnBrk="0" fontAlgn="base" latinLnBrk="0" hangingPunct="0">
+              <a:lnSpc>
+                <a:spcPct val="100000"/>
+              </a:lnSpc>
+              <a:spcBef>
+                <a:spcPct val="0"/>
+              </a:spcBef>
+              <a:spcAft>
+                <a:spcPct val="0"/>
+              </a:spcAft>
+              <a:buClrTx/>
+              <a:buSzTx/>
+              <a:buFontTx/>
+              <a:buNone/>
+              <a:tabLst/>
+            </a:pPr>
+            <a:br>
+              <a:rPr kumimoji="0" lang="zh-TW" altLang="zh-TW" sz="1800" b="0" i="0" u="none" strike="noStrike" cap="none" normalizeH="0" baseline="0">
+                <a:ln>
+                  <a:noFill/>
+                </a:ln>
+                <a:solidFill>
+                  <a:schemeClr val="tx1"/>
+                </a:solidFill>
+                <a:effectLst/>
+                <a:latin typeface="Arial" panose="020B0604020202020204" pitchFamily="34" charset="0"/>
+              </a:rPr>
+            </a:br>
+            <a:endParaRPr kumimoji="0" lang="zh-TW" altLang="zh-TW" sz="1800" b="0" i="0" u="none" strike="noStrike" cap="none" normalizeH="0" baseline="0">
+              <a:ln>
+                <a:noFill/>
+              </a:ln>
+              <a:solidFill>
+                <a:schemeClr val="tx1"/>
+              </a:solidFill>
+              <a:effectLst/>
+              <a:latin typeface="Arial" panose="020B0604020202020204" pitchFamily="34" charset="0"/>
+            </a:endParaRPr>
+          </a:p>
+        </p:txBody>
+      </p:sp>
+    </p:spTree>
+    <p:extLst>
+      <p:ext uri="{BB962C8B-B14F-4D97-AF65-F5344CB8AC3E}">
+        <p14:creationId xmlns:p14="http://schemas.microsoft.com/office/powerpoint/2010/main" val="821990858"/>
+      </p:ext>
+    </p:extLst>
+  </p:cSld>
+  <p:clrMapOvr>
+    <a:masterClrMapping/>
+  </p:clrMapOvr>
+</p:sld>
+</file>
+
+<file path=ppt/slides/slide20.xml><?xml version="1.0" encoding="utf-8"?>
+<p:sld xmlns:a="http://schemas.openxmlformats.org/drawingml/2006/main" xmlns:r="http://schemas.openxmlformats.org/officeDocument/2006/relationships" xmlns:p="http://schemas.openxmlformats.org/presentationml/2006/main">
+  <p:cSld>
+    <p:spTree>
+      <p:nvGrpSpPr>
+        <p:cNvPr id="1" name=""/>
+        <p:cNvGrpSpPr/>
+        <p:nvPr/>
+      </p:nvGrpSpPr>
+      <p:grpSpPr>
+        <a:xfrm>
+          <a:off x="0" y="0"/>
+          <a:ext cx="0" cy="0"/>
+          <a:chOff x="0" y="0"/>
+          <a:chExt cx="0" cy="0"/>
+        </a:xfrm>
+      </p:grpSpPr>
+      <p:sp>
+        <p:nvSpPr>
+          <p:cNvPr id="2" name="標題 1"/>
+          <p:cNvSpPr>
+            <a:spLocks noGrp="1"/>
+          </p:cNvSpPr>
+          <p:nvPr>
+            <p:ph type="title"/>
+          </p:nvPr>
+        </p:nvSpPr>
+        <p:spPr/>
+        <p:txBody>
+          <a:bodyPr/>
+          <a:lstStyle/>
+          <a:p>
+            <a:r>
+              <a:rPr lang="en-US" altLang="zh-TW" dirty="0">
+                <a:latin typeface="Comic Sans MS" panose="030F0702030302020204" pitchFamily="66" charset="0"/>
+              </a:rPr>
               <a:t>Feature Extraction</a:t>
             </a:r>
           </a:p>
@@ -15632,11 +16111,68 @@
               <a:rPr lang="en-US" altLang="zh-TW" sz="2400" dirty="0" err="1">
                 <a:latin typeface="Comic Sans MS" panose="030F0702030302020204" pitchFamily="66" charset="0"/>
               </a:rPr>
-              <a:t>test_data</a:t>
-            </a:r>
-            <a:endParaRPr lang="en-US" altLang="zh-TW" sz="2400" dirty="0">
-              <a:latin typeface="Comic Sans MS" panose="030F0702030302020204" pitchFamily="66" charset="0"/>
-            </a:endParaRPr>
+              <a:t>test_X</a:t>
+            </a:r>
+            <a:r>
+              <a:rPr lang="zh-TW" altLang="en-US" sz="2400" dirty="0">
+                <a:latin typeface="Comic Sans MS" panose="030F0702030302020204" pitchFamily="66" charset="0"/>
+              </a:rPr>
+              <a:t>、</a:t>
+            </a:r>
+            <a:r>
+              <a:rPr lang="en-US" altLang="zh-TW" sz="2400" dirty="0" err="1">
+                <a:latin typeface="Comic Sans MS" panose="030F0702030302020204" pitchFamily="66" charset="0"/>
+              </a:rPr>
+              <a:t>test_Y</a:t>
+            </a:r>
+            <a:r>
+              <a:rPr lang="zh-TW" altLang="en-US" sz="2400" dirty="0">
+                <a:latin typeface="Comic Sans MS" panose="030F0702030302020204" pitchFamily="66" charset="0"/>
+              </a:rPr>
+              <a:t>、</a:t>
+            </a:r>
+            <a:r>
+              <a:rPr lang="en-US" altLang="zh-TW" sz="2400" dirty="0">
+                <a:latin typeface="Comic Sans MS" panose="030F0702030302020204" pitchFamily="66" charset="0"/>
+              </a:rPr>
+              <a:t>test_</a:t>
+            </a:r>
+            <a:r>
+              <a:rPr lang="el-GR" altLang="zh-TW" sz="2400" dirty="0">
+                <a:latin typeface="Comic Sans MS" panose="030F0702030302020204" pitchFamily="66" charset="0"/>
+              </a:rPr>
+              <a:t>Δ</a:t>
+            </a:r>
+            <a:r>
+              <a:rPr lang="en-US" altLang="zh-TW" sz="2400" dirty="0">
+                <a:latin typeface="Comic Sans MS" panose="030F0702030302020204" pitchFamily="66" charset="0"/>
+              </a:rPr>
+              <a:t>x</a:t>
+            </a:r>
+            <a:r>
+              <a:rPr lang="zh-TW" altLang="en-US" sz="2400" dirty="0">
+                <a:latin typeface="Comic Sans MS" panose="030F0702030302020204" pitchFamily="66" charset="0"/>
+              </a:rPr>
+              <a:t>、</a:t>
+            </a:r>
+            <a:r>
+              <a:rPr lang="en-US" altLang="zh-TW" sz="2400" dirty="0">
+                <a:latin typeface="Comic Sans MS" panose="030F0702030302020204" pitchFamily="66" charset="0"/>
+              </a:rPr>
+              <a:t>test_</a:t>
+            </a:r>
+            <a:r>
+              <a:rPr lang="el-GR" altLang="zh-TW" sz="2400" dirty="0">
+                <a:latin typeface="Comic Sans MS" panose="030F0702030302020204" pitchFamily="66" charset="0"/>
+              </a:rPr>
+              <a:t>Δ</a:t>
+            </a:r>
+            <a:r>
+              <a:rPr lang="en-US" altLang="zh-TW" sz="2400" dirty="0">
+                <a:latin typeface="Comic Sans MS" panose="030F0702030302020204" pitchFamily="66" charset="0"/>
+              </a:rPr>
+              <a:t>y </a:t>
+            </a:r>
           </a:p>
           <a:p>
             <a:pPr lvl="1"/>
@@ -15668,7 +16204,7 @@
           <a:p>
             <a:pPr lvl="1"/>
             <a:r>
-              <a:rPr lang="en-US" altLang="zh-TW" sz="2400" dirty="0" err="1" smtClean="0">
+              <a:rPr lang="en-US" altLang="zh-TW" sz="2400" dirty="0" err="1">
                 <a:latin typeface="Comic Sans MS" panose="030F0702030302020204" pitchFamily="66" charset="0"/>
               </a:rPr>
               <a:t>testSet</a:t>
@@ -15711,7 +16247,7 @@
           <a:p>
             <a:pPr lvl="1"/>
             <a:r>
-              <a:rPr lang="en-US" altLang="zh-TW" sz="2400" dirty="0" smtClean="0">
+              <a:rPr lang="en-US" altLang="zh-TW" sz="2400" dirty="0">
                 <a:latin typeface="Comic Sans MS" panose="030F0702030302020204" pitchFamily="66" charset="0"/>
               </a:rPr>
               <a:t>LBP</a:t>
@@ -16002,7 +16538,7 @@
 </p:sld>
 </file>
 
-<file path=ppt/slides/slide2.xml><?xml version="1.0" encoding="utf-8"?>
+<file path=ppt/slides/slide21.xml><?xml version="1.0" encoding="utf-8"?>
 <p:sld xmlns:a="http://schemas.openxmlformats.org/drawingml/2006/main" xmlns:r="http://schemas.openxmlformats.org/officeDocument/2006/relationships" xmlns:p="http://schemas.openxmlformats.org/presentationml/2006/main">
   <p:cSld>
     <p:spTree>
@@ -16035,289 +16571,6 @@
           <a:lstStyle/>
           <a:p>
             <a:r>
-              <a:rPr lang="en-US" altLang="zh-TW" dirty="0">
-                <a:latin typeface="Comic Sans MS" panose="030F0702030302020204" pitchFamily="66" charset="0"/>
-              </a:rPr>
-              <a:t>Contents</a:t>
-            </a:r>
-            <a:endParaRPr lang="zh-TW" altLang="en-US" dirty="0">
-              <a:latin typeface="Comic Sans MS" panose="030F0702030302020204" pitchFamily="66" charset="0"/>
-            </a:endParaRPr>
-          </a:p>
-        </p:txBody>
-      </p:sp>
-      <p:sp>
-        <p:nvSpPr>
-          <p:cNvPr id="3" name="內容版面配置區 2"/>
-          <p:cNvSpPr>
-            <a:spLocks noGrp="1"/>
-          </p:cNvSpPr>
-          <p:nvPr>
-            <p:ph idx="1"/>
-          </p:nvPr>
-        </p:nvSpPr>
-        <p:spPr/>
-        <p:txBody>
-          <a:bodyPr numCol="2">
-            <a:normAutofit/>
-          </a:bodyPr>
-          <a:lstStyle/>
-          <a:p>
-            <a:pPr>
-              <a:buFont typeface="Wingdings" panose="05000000000000000000" pitchFamily="2" charset="2"/>
-              <a:buChar char="u"/>
-            </a:pPr>
-            <a:r>
-              <a:rPr lang="en-US" altLang="zh-TW" sz="2800" dirty="0">
-                <a:solidFill>
-                  <a:srgbClr val="6666FF"/>
-                </a:solidFill>
-                <a:latin typeface="Comic Sans MS" panose="030F0702030302020204" pitchFamily="66" charset="0"/>
-              </a:rPr>
-              <a:t>Requirements</a:t>
-            </a:r>
-          </a:p>
-          <a:p>
-            <a:pPr>
-              <a:buFont typeface="Wingdings" panose="05000000000000000000" pitchFamily="2" charset="2"/>
-              <a:buChar char="u"/>
-            </a:pPr>
-            <a:r>
-              <a:rPr lang="en-US" altLang="zh-TW" sz="2800" dirty="0">
-                <a:solidFill>
-                  <a:srgbClr val="00B050"/>
-                </a:solidFill>
-                <a:latin typeface="Comic Sans MS" panose="030F0702030302020204" pitchFamily="66" charset="0"/>
-              </a:rPr>
-              <a:t>Analysis</a:t>
-            </a:r>
-          </a:p>
-          <a:p>
-            <a:pPr>
-              <a:buFont typeface="Wingdings" panose="05000000000000000000" pitchFamily="2" charset="2"/>
-              <a:buChar char="u"/>
-            </a:pPr>
-            <a:r>
-              <a:rPr lang="en-US" altLang="zh-TW" sz="2800" dirty="0">
-                <a:solidFill>
-                  <a:srgbClr val="FF0000"/>
-                </a:solidFill>
-                <a:latin typeface="Comic Sans MS" panose="030F0702030302020204" pitchFamily="66" charset="0"/>
-              </a:rPr>
-              <a:t>Design</a:t>
-            </a:r>
-          </a:p>
-          <a:p>
-            <a:pPr>
-              <a:buFont typeface="Wingdings" panose="05000000000000000000" pitchFamily="2" charset="2"/>
-              <a:buChar char="u"/>
-            </a:pPr>
-            <a:r>
-              <a:rPr lang="en-US" altLang="zh-TW" sz="2800" dirty="0">
-                <a:solidFill>
-                  <a:schemeClr val="accent6">
-                    <a:lumMod val="75000"/>
-                  </a:schemeClr>
-                </a:solidFill>
-                <a:latin typeface="Comic Sans MS" panose="030F0702030302020204" pitchFamily="66" charset="0"/>
-              </a:rPr>
-              <a:t>Coding &amp; Refine</a:t>
-            </a:r>
-          </a:p>
-          <a:p>
-            <a:pPr>
-              <a:buFont typeface="Wingdings" panose="05000000000000000000" pitchFamily="2" charset="2"/>
-              <a:buChar char="u"/>
-            </a:pPr>
-            <a:r>
-              <a:rPr lang="en-US" altLang="zh-TW" sz="2800" dirty="0">
-                <a:solidFill>
-                  <a:srgbClr val="FF66FF"/>
-                </a:solidFill>
-                <a:latin typeface="Comic Sans MS" panose="030F0702030302020204" pitchFamily="66" charset="0"/>
-              </a:rPr>
-              <a:t>Verification</a:t>
-            </a:r>
-          </a:p>
-          <a:p>
-            <a:pPr>
-              <a:buFont typeface="Wingdings" panose="05000000000000000000" pitchFamily="2" charset="2"/>
-              <a:buChar char="u"/>
-            </a:pPr>
-            <a:r>
-              <a:rPr lang="en-US" altLang="zh-TW" sz="2800" dirty="0">
-                <a:latin typeface="Comic Sans MS" panose="030F0702030302020204" pitchFamily="66" charset="0"/>
-              </a:rPr>
-              <a:t>Work distribution chart</a:t>
-            </a:r>
-          </a:p>
-        </p:txBody>
-      </p:sp>
-      <p:sp>
-        <p:nvSpPr>
-          <p:cNvPr id="7" name="Rectangle 2">
-            <a:extLst>
-              <a:ext uri="{FF2B5EF4-FFF2-40B4-BE49-F238E27FC236}">
-                <a16:creationId xmlns:a16="http://schemas.microsoft.com/office/drawing/2014/main" id="{5140694A-3D9D-4C5D-8809-0E4D94F5BB7A}"/>
-              </a:ext>
-            </a:extLst>
-          </p:cNvPr>
-          <p:cNvSpPr>
-            <a:spLocks noChangeArrowheads="1"/>
-          </p:cNvSpPr>
-          <p:nvPr/>
-        </p:nvSpPr>
-        <p:spPr bwMode="auto">
-          <a:xfrm>
-            <a:off x="3624263" y="3659188"/>
-            <a:ext cx="12192000" cy="0"/>
-          </a:xfrm>
-          <a:prstGeom prst="rect">
-            <a:avLst/>
-          </a:prstGeom>
-          <a:noFill/>
-          <a:ln>
-            <a:noFill/>
-          </a:ln>
-          <a:effectLst/>
-          <a:extLst>
-            <a:ext uri="{909E8E84-426E-40DD-AFC4-6F175D3DCCD1}">
-              <a14:hiddenFill xmlns:a14="http://schemas.microsoft.com/office/drawing/2010/main">
-                <a:solidFill>
-                  <a:schemeClr val="accent1"/>
-                </a:solidFill>
-              </a14:hiddenFill>
-            </a:ext>
-            <a:ext uri="{91240B29-F687-4F45-9708-019B960494DF}">
-              <a14:hiddenLine xmlns:a14="http://schemas.microsoft.com/office/drawing/2010/main" w="9525">
-                <a:solidFill>
-                  <a:schemeClr val="tx1"/>
-                </a:solidFill>
-                <a:miter lim="800000"/>
-                <a:headEnd/>
-                <a:tailEnd/>
-              </a14:hiddenLine>
-            </a:ext>
-            <a:ext uri="{AF507438-7753-43E0-B8FC-AC1667EBCBE1}">
-              <a14:hiddenEffects xmlns:a14="http://schemas.microsoft.com/office/drawing/2010/main">
-                <a:effectLst>
-                  <a:outerShdw dist="35921" dir="2700000" algn="ctr" rotWithShape="0">
-                    <a:schemeClr val="bg2"/>
-                  </a:outerShdw>
-                </a:effectLst>
-              </a14:hiddenEffects>
-            </a:ext>
-          </a:extLst>
-        </p:spPr>
-        <p:txBody>
-          <a:bodyPr vert="horz" wrap="none" lIns="91440" tIns="45720" rIns="91440" bIns="45720" numCol="1" anchor="ctr" anchorCtr="0" compatLnSpc="1">
-            <a:prstTxWarp prst="textNoShape">
-              <a:avLst/>
-            </a:prstTxWarp>
-            <a:spAutoFit/>
-          </a:bodyPr>
-          <a:lstStyle/>
-          <a:p>
-            <a:pPr marL="0" marR="0" lvl="0" indent="0" algn="l" defTabSz="914400" rtl="0" eaLnBrk="0" fontAlgn="base" latinLnBrk="0" hangingPunct="0">
-              <a:lnSpc>
-                <a:spcPct val="100000"/>
-              </a:lnSpc>
-              <a:spcBef>
-                <a:spcPct val="0"/>
-              </a:spcBef>
-              <a:spcAft>
-                <a:spcPct val="0"/>
-              </a:spcAft>
-              <a:buClrTx/>
-              <a:buSzTx/>
-              <a:buFontTx/>
-              <a:buNone/>
-              <a:tabLst/>
-            </a:pPr>
-            <a:r>
-              <a:rPr kumimoji="0" lang="zh-TW" altLang="zh-TW" sz="1800" b="0" i="0" u="none" strike="noStrike" cap="none" normalizeH="0" baseline="0">
-                <a:ln>
-                  <a:noFill/>
-                </a:ln>
-                <a:solidFill>
-                  <a:schemeClr val="tx1"/>
-                </a:solidFill>
-                <a:effectLst/>
-                <a:latin typeface="Arial" panose="020B0604020202020204" pitchFamily="34" charset="0"/>
-              </a:rPr>
-              <a:t/>
-            </a:r>
-            <a:br>
-              <a:rPr kumimoji="0" lang="zh-TW" altLang="zh-TW" sz="1800" b="0" i="0" u="none" strike="noStrike" cap="none" normalizeH="0" baseline="0">
-                <a:ln>
-                  <a:noFill/>
-                </a:ln>
-                <a:solidFill>
-                  <a:schemeClr val="tx1"/>
-                </a:solidFill>
-                <a:effectLst/>
-                <a:latin typeface="Arial" panose="020B0604020202020204" pitchFamily="34" charset="0"/>
-              </a:rPr>
-            </a:br>
-            <a:endParaRPr kumimoji="0" lang="zh-TW" altLang="zh-TW" sz="1800" b="0" i="0" u="none" strike="noStrike" cap="none" normalizeH="0" baseline="0">
-              <a:ln>
-                <a:noFill/>
-              </a:ln>
-              <a:solidFill>
-                <a:schemeClr val="tx1"/>
-              </a:solidFill>
-              <a:effectLst/>
-              <a:latin typeface="Arial" panose="020B0604020202020204" pitchFamily="34" charset="0"/>
-            </a:endParaRPr>
-          </a:p>
-        </p:txBody>
-      </p:sp>
-    </p:spTree>
-    <p:extLst>
-      <p:ext uri="{BB962C8B-B14F-4D97-AF65-F5344CB8AC3E}">
-        <p14:creationId xmlns:p14="http://schemas.microsoft.com/office/powerpoint/2010/main" val="821990858"/>
-      </p:ext>
-    </p:extLst>
-  </p:cSld>
-  <p:clrMapOvr>
-    <a:masterClrMapping/>
-  </p:clrMapOvr>
-</p:sld>
-</file>
-
-<file path=ppt/slides/slide20.xml><?xml version="1.0" encoding="utf-8"?>
-<p:sld xmlns:a="http://schemas.openxmlformats.org/drawingml/2006/main" xmlns:r="http://schemas.openxmlformats.org/officeDocument/2006/relationships" xmlns:p="http://schemas.openxmlformats.org/presentationml/2006/main">
-  <p:cSld>
-    <p:spTree>
-      <p:nvGrpSpPr>
-        <p:cNvPr id="1" name=""/>
-        <p:cNvGrpSpPr/>
-        <p:nvPr/>
-      </p:nvGrpSpPr>
-      <p:grpSpPr>
-        <a:xfrm>
-          <a:off x="0" y="0"/>
-          <a:ext cx="0" cy="0"/>
-          <a:chOff x="0" y="0"/>
-          <a:chExt cx="0" cy="0"/>
-        </a:xfrm>
-      </p:grpSpPr>
-      <p:sp>
-        <p:nvSpPr>
-          <p:cNvPr id="2" name="標題 1"/>
-          <p:cNvSpPr>
-            <a:spLocks noGrp="1"/>
-          </p:cNvSpPr>
-          <p:nvPr>
-            <p:ph type="title"/>
-          </p:nvPr>
-        </p:nvSpPr>
-        <p:spPr/>
-        <p:txBody>
-          <a:bodyPr/>
-          <a:lstStyle/>
-          <a:p>
-            <a:r>
               <a:rPr lang="en-US" altLang="zh-TW" dirty="0" err="1">
                 <a:latin typeface="Comic Sans MS" panose="030F0702030302020204" pitchFamily="66" charset="0"/>
               </a:rPr>
@@ -16459,7 +16712,7 @@
               <a:rPr lang="en-US" altLang="zh-TW" sz="2400" dirty="0" err="1">
                 <a:latin typeface="Comic Sans MS" panose="030F0702030302020204" pitchFamily="66" charset="0"/>
               </a:rPr>
-              <a:t>object_class</a:t>
+              <a:t>pred_x</a:t>
             </a:r>
             <a:endParaRPr lang="en-US" altLang="zh-TW" sz="2400" dirty="0">
               <a:latin typeface="Comic Sans MS" panose="030F0702030302020204" pitchFamily="66" charset="0"/>
@@ -16467,6 +16720,36 @@
           </a:p>
           <a:p>
             <a:pPr lvl="1"/>
+            <a:r>
+              <a:rPr lang="en-US" altLang="zh-TW" sz="2400" dirty="0" err="1">
+                <a:latin typeface="Comic Sans MS" panose="030F0702030302020204" pitchFamily="66" charset="0"/>
+              </a:rPr>
+              <a:t>pred_y</a:t>
+            </a:r>
+            <a:endParaRPr lang="en-US" altLang="zh-TW" sz="2400" dirty="0">
+              <a:latin typeface="Comic Sans MS" panose="030F0702030302020204" pitchFamily="66" charset="0"/>
+            </a:endParaRPr>
+          </a:p>
+          <a:p>
+            <a:pPr lvl="1"/>
+            <a:r>
+              <a:rPr lang="en-US" altLang="zh-TW" sz="2400" dirty="0" err="1">
+                <a:latin typeface="Comic Sans MS" panose="030F0702030302020204" pitchFamily="66" charset="0"/>
+              </a:rPr>
+              <a:t>pred</a:t>
+            </a:r>
+            <a:r>
+              <a:rPr lang="en-US" altLang="zh-TW" sz="2400" dirty="0">
+                <a:latin typeface="Comic Sans MS" panose="030F0702030302020204" pitchFamily="66" charset="0"/>
+              </a:rPr>
+              <a:t>_</a:t>
+            </a:r>
+            <a:r>
+              <a:rPr lang="el-GR" altLang="zh-TW" sz="2400" dirty="0">
+                <a:latin typeface="Comic Sans MS" panose="030F0702030302020204" pitchFamily="66" charset="0"/>
+              </a:rPr>
+              <a:t>Δ</a:t>
+            </a:r>
             <a:r>
               <a:rPr lang="en-US" altLang="zh-TW" sz="2400" dirty="0">
                 <a:latin typeface="Comic Sans MS" panose="030F0702030302020204" pitchFamily="66" charset="0"/>
@@ -16477,6 +16760,24 @@
           <a:p>
             <a:pPr lvl="1"/>
             <a:r>
+              <a:rPr lang="en-US" altLang="zh-TW" sz="2400" dirty="0" err="1">
+                <a:latin typeface="Comic Sans MS" panose="030F0702030302020204" pitchFamily="66" charset="0"/>
+              </a:rPr>
+              <a:t>pred</a:t>
+            </a:r>
+            <a:r>
+              <a:rPr lang="en-US" altLang="zh-TW" sz="2400" dirty="0">
+                <a:latin typeface="Comic Sans MS" panose="030F0702030302020204" pitchFamily="66" charset="0"/>
+              </a:rPr>
+              <a:t>_</a:t>
+            </a:r>
+            <a:r>
+              <a:rPr lang="el-GR" altLang="zh-TW" sz="2400" dirty="0">
+                <a:latin typeface="Comic Sans MS" panose="030F0702030302020204" pitchFamily="66" charset="0"/>
+              </a:rPr>
+              <a:t>Δ</a:t>
+            </a:r>
+            <a:r>
               <a:rPr lang="en-US" altLang="zh-TW" sz="2400" dirty="0">
                 <a:latin typeface="Comic Sans MS" panose="030F0702030302020204" pitchFamily="66" charset="0"/>
               </a:rPr>
@@ -16486,32 +16787,26 @@
           <a:p>
             <a:pPr lvl="1"/>
             <a:r>
-              <a:rPr lang="el-GR" altLang="zh-TW" sz="2400" dirty="0">
+              <a:rPr lang="en-US" altLang="zh-TW" sz="2400" dirty="0" err="1">
                 <a:latin typeface="Comic Sans MS" panose="030F0702030302020204" pitchFamily="66" charset="0"/>
               </a:rPr>
-              <a:t>Δ</a:t>
+              <a:t>pred</a:t>
             </a:r>
             <a:r>
               <a:rPr lang="en-US" altLang="zh-TW" sz="2400" dirty="0">
                 <a:latin typeface="Comic Sans MS" panose="030F0702030302020204" pitchFamily="66" charset="0"/>
               </a:rPr>
-              <a:t>x</a:t>
-            </a:r>
-          </a:p>
-          <a:p>
-            <a:pPr lvl="1"/>
-            <a:r>
-              <a:rPr lang="el-GR" altLang="zh-TW" sz="2400" dirty="0">
+              <a:t>_ </a:t>
+            </a:r>
+            <a:r>
+              <a:rPr lang="en-US" altLang="zh-TW" sz="2400" dirty="0" err="1">
                 <a:latin typeface="Comic Sans MS" panose="030F0702030302020204" pitchFamily="66" charset="0"/>
               </a:rPr>
-              <a:t>Δ</a:t>
-            </a:r>
-            <a:r>
-              <a:rPr lang="en-US" altLang="zh-TW" sz="2400" dirty="0">
-                <a:latin typeface="Comic Sans MS" panose="030F0702030302020204" pitchFamily="66" charset="0"/>
-              </a:rPr>
-              <a:t>y</a:t>
-            </a:r>
+              <a:t>object_class</a:t>
+            </a:r>
+            <a:endParaRPr lang="en-US" altLang="zh-TW" sz="2400" dirty="0">
+              <a:latin typeface="Comic Sans MS" panose="030F0702030302020204" pitchFamily="66" charset="0"/>
+            </a:endParaRPr>
           </a:p>
         </p:txBody>
       </p:sp>
@@ -16935,7 +17230,7 @@
 </p:sld>
 </file>
 
-<file path=ppt/slides/slide21.xml><?xml version="1.0" encoding="utf-8"?>
+<file path=ppt/slides/slide22.xml><?xml version="1.0" encoding="utf-8"?>
 <p:sld xmlns:a="http://schemas.openxmlformats.org/drawingml/2006/main" xmlns:r="http://schemas.openxmlformats.org/officeDocument/2006/relationships" xmlns:p="http://schemas.openxmlformats.org/presentationml/2006/main">
   <p:cSld>
     <p:spTree>
@@ -17214,23 +17509,41 @@
               <a:p>
                 <a:pPr lvl="1"/>
                 <a:r>
-                  <a:rPr lang="en-US" altLang="zh-TW" sz="2400" dirty="0">
+                  <a:rPr lang="en-US" altLang="zh-TW" sz="2400" dirty="0" err="1">
                     <a:latin typeface="Comic Sans MS" panose="030F0702030302020204" pitchFamily="66" charset="0"/>
                   </a:rPr>
-                  <a:t>x</a:t>
+                  <a:t>pred_x</a:t>
                 </a:r>
+                <a:endParaRPr lang="en-US" altLang="zh-TW" sz="2400" dirty="0">
+                  <a:latin typeface="Comic Sans MS" panose="030F0702030302020204" pitchFamily="66" charset="0"/>
+                </a:endParaRPr>
               </a:p>
               <a:p>
                 <a:pPr lvl="1"/>
                 <a:r>
+                  <a:rPr lang="en-US" altLang="zh-TW" sz="2400" dirty="0" err="1">
+                    <a:latin typeface="Comic Sans MS" panose="030F0702030302020204" pitchFamily="66" charset="0"/>
+                  </a:rPr>
+                  <a:t>pred_y</a:t>
+                </a:r>
+                <a:endParaRPr lang="en-US" altLang="zh-TW" sz="2400" dirty="0">
+                  <a:latin typeface="Comic Sans MS" panose="030F0702030302020204" pitchFamily="66" charset="0"/>
+                </a:endParaRPr>
+              </a:p>
+              <a:p>
+                <a:pPr lvl="1"/>
+                <a:r>
+                  <a:rPr lang="en-US" altLang="zh-TW" sz="2400" dirty="0" err="1">
+                    <a:latin typeface="Comic Sans MS" panose="030F0702030302020204" pitchFamily="66" charset="0"/>
+                  </a:rPr>
+                  <a:t>pred</a:t>
+                </a:r>
+                <a:r>
                   <a:rPr lang="en-US" altLang="zh-TW" sz="2400" dirty="0">
                     <a:latin typeface="Comic Sans MS" panose="030F0702030302020204" pitchFamily="66" charset="0"/>
                   </a:rPr>
-                  <a:t>y</a:t>
+                  <a:t>_</a:t>
                 </a:r>
-              </a:p>
-              <a:p>
-                <a:pPr lvl="1"/>
                 <a:r>
                   <a:rPr lang="el-GR" altLang="zh-TW" sz="2400" dirty="0">
                     <a:latin typeface="Comic Sans MS" panose="030F0702030302020204" pitchFamily="66" charset="0"/>
@@ -17247,6 +17560,18 @@
               <a:p>
                 <a:pPr lvl="1"/>
                 <a:r>
+                  <a:rPr lang="en-US" altLang="zh-TW" sz="2400" dirty="0" err="1">
+                    <a:latin typeface="Comic Sans MS" panose="030F0702030302020204" pitchFamily="66" charset="0"/>
+                  </a:rPr>
+                  <a:t>pred</a:t>
+                </a:r>
+                <a:r>
+                  <a:rPr lang="en-US" altLang="zh-TW" sz="2400" dirty="0">
+                    <a:latin typeface="Comic Sans MS" panose="030F0702030302020204" pitchFamily="66" charset="0"/>
+                  </a:rPr>
+                  <a:t>_</a:t>
+                </a:r>
+                <a:r>
                   <a:rPr lang="el-GR" altLang="zh-TW" sz="2400" dirty="0">
                     <a:latin typeface="Comic Sans MS" panose="030F0702030302020204" pitchFamily="66" charset="0"/>
                   </a:rPr>
@@ -17262,23 +17587,35 @@
               <a:p>
                 <a:pPr lvl="1"/>
                 <a:r>
+                  <a:rPr lang="en-US" altLang="zh-TW" sz="2400" dirty="0" err="1">
+                    <a:latin typeface="Comic Sans MS" panose="030F0702030302020204" pitchFamily="66" charset="0"/>
+                  </a:rPr>
+                  <a:t>pred</a:t>
+                </a:r>
+                <a:r>
                   <a:rPr lang="en-US" altLang="zh-TW" sz="2400" dirty="0">
                     <a:latin typeface="Comic Sans MS" panose="030F0702030302020204" pitchFamily="66" charset="0"/>
                   </a:rPr>
-                  <a:t>confidence</a:t>
+                  <a:t>_ </a:t>
                 </a:r>
-              </a:p>
-              <a:p>
-                <a:pPr lvl="1"/>
                 <a:r>
                   <a:rPr lang="en-US" altLang="zh-TW" sz="2400" dirty="0" err="1">
                     <a:latin typeface="Comic Sans MS" panose="030F0702030302020204" pitchFamily="66" charset="0"/>
                   </a:rPr>
                   <a:t>object_class</a:t>
                 </a:r>
-                <a:endParaRPr lang="zh-TW" altLang="zh-TW" sz="2400" dirty="0">
+                <a:endParaRPr lang="en-US" altLang="zh-TW" sz="2400" dirty="0">
                   <a:latin typeface="Comic Sans MS" panose="030F0702030302020204" pitchFamily="66" charset="0"/>
                 </a:endParaRPr>
+              </a:p>
+              <a:p>
+                <a:pPr lvl="1"/>
+                <a:r>
+                  <a:rPr lang="en-US" altLang="zh-TW" sz="2400" dirty="0">
+                    <a:latin typeface="Comic Sans MS" panose="030F0702030302020204" pitchFamily="66" charset="0"/>
+                  </a:rPr>
+                  <a:t>confidence</a:t>
+                </a:r>
               </a:p>
             </p:txBody>
           </p:sp>
@@ -17675,7 +18012,7 @@
 </p:sld>
 </file>
 
-<file path=ppt/slides/slide22.xml><?xml version="1.0" encoding="utf-8"?>
+<file path=ppt/slides/slide23.xml><?xml version="1.0" encoding="utf-8"?>
 <p:sld xmlns:a="http://schemas.openxmlformats.org/drawingml/2006/main" xmlns:r="http://schemas.openxmlformats.org/officeDocument/2006/relationships" xmlns:p="http://schemas.openxmlformats.org/presentationml/2006/main">
   <p:cSld>
     <p:spTree>
@@ -17714,7 +18051,7 @@
                 </a:solidFill>
                 <a:latin typeface="Comic Sans MS" panose="030F0702030302020204" pitchFamily="66" charset="0"/>
               </a:rPr>
-              <a:t>Coding &amp; Refine</a:t>
+              <a:t>Experiment result</a:t>
             </a:r>
           </a:p>
         </p:txBody>
@@ -17913,7 +18250,7 @@
 </p:sld>
 </file>
 
-<file path=ppt/slides/slide23.xml><?xml version="1.0" encoding="utf-8"?>
+<file path=ppt/slides/slide24.xml><?xml version="1.0" encoding="utf-8"?>
 <p:sld xmlns:a="http://schemas.openxmlformats.org/drawingml/2006/main" xmlns:r="http://schemas.openxmlformats.org/officeDocument/2006/relationships" xmlns:p="http://schemas.openxmlformats.org/presentationml/2006/main">
   <p:cSld>
     <p:spTree>
@@ -18111,10 +18448,299 @@
           </p:txBody>
         </p:sp>
       </p:grpSp>
+      <p:sp>
+        <p:nvSpPr>
+          <p:cNvPr id="16" name="標題 1">
+            <a:extLst>
+              <a:ext uri="{FF2B5EF4-FFF2-40B4-BE49-F238E27FC236}">
+                <a16:creationId xmlns:a16="http://schemas.microsoft.com/office/drawing/2014/main" id="{6338A798-D9DF-45BD-9B26-F4D658FE048F}"/>
+              </a:ext>
+            </a:extLst>
+          </p:cNvPr>
+          <p:cNvSpPr>
+            <a:spLocks noGrp="1"/>
+          </p:cNvSpPr>
+          <p:nvPr>
+            <p:ph type="title"/>
+          </p:nvPr>
+        </p:nvSpPr>
+        <p:spPr>
+          <a:xfrm>
+            <a:off x="1097280" y="286603"/>
+            <a:ext cx="10058400" cy="1450757"/>
+          </a:xfrm>
+        </p:spPr>
+        <p:txBody>
+          <a:bodyPr>
+            <a:normAutofit/>
+          </a:bodyPr>
+          <a:lstStyle/>
+          <a:p>
+            <a:r>
+              <a:rPr lang="en-US" altLang="zh-TW" dirty="0">
+                <a:latin typeface="Comic Sans MS" panose="030F0702030302020204" pitchFamily="66" charset="0"/>
+              </a:rPr>
+              <a:t>Outside test </a:t>
+            </a:r>
+          </a:p>
+        </p:txBody>
+      </p:sp>
+      <p:pic>
+        <p:nvPicPr>
+          <p:cNvPr id="8" name="圖片 7">
+            <a:extLst>
+              <a:ext uri="{FF2B5EF4-FFF2-40B4-BE49-F238E27FC236}">
+                <a16:creationId xmlns:a16="http://schemas.microsoft.com/office/drawing/2014/main" id="{4AF4761B-4A61-42E2-B1A3-EE2946F601D2}"/>
+              </a:ext>
+            </a:extLst>
+          </p:cNvPr>
+          <p:cNvPicPr>
+            <a:picLocks noChangeAspect="1"/>
+          </p:cNvPicPr>
+          <p:nvPr/>
+        </p:nvPicPr>
+        <p:blipFill>
+          <a:blip r:embed="rId2">
+            <a:extLst>
+              <a:ext uri="{28A0092B-C50C-407E-A947-70E740481C1C}">
+                <a14:useLocalDpi xmlns:a14="http://schemas.microsoft.com/office/drawing/2010/main" val="0"/>
+              </a:ext>
+            </a:extLst>
+          </a:blip>
+          <a:stretch>
+            <a:fillRect/>
+          </a:stretch>
+        </p:blipFill>
+        <p:spPr>
+          <a:xfrm>
+            <a:off x="430198" y="2119471"/>
+            <a:ext cx="1941004" cy="2585694"/>
+          </a:xfrm>
+          <a:prstGeom prst="rect">
+            <a:avLst/>
+          </a:prstGeom>
+        </p:spPr>
+      </p:pic>
+      <p:pic>
+        <p:nvPicPr>
+          <p:cNvPr id="10" name="圖片 9">
+            <a:extLst>
+              <a:ext uri="{FF2B5EF4-FFF2-40B4-BE49-F238E27FC236}">
+                <a16:creationId xmlns:a16="http://schemas.microsoft.com/office/drawing/2014/main" id="{5A6CDA3B-B38E-407B-89BB-E0C02A539025}"/>
+              </a:ext>
+            </a:extLst>
+          </p:cNvPr>
+          <p:cNvPicPr>
+            <a:picLocks noChangeAspect="1"/>
+          </p:cNvPicPr>
+          <p:nvPr/>
+        </p:nvPicPr>
+        <p:blipFill>
+          <a:blip r:embed="rId3">
+            <a:extLst>
+              <a:ext uri="{28A0092B-C50C-407E-A947-70E740481C1C}">
+                <a14:useLocalDpi xmlns:a14="http://schemas.microsoft.com/office/drawing/2010/main" val="0"/>
+              </a:ext>
+            </a:extLst>
+          </a:blip>
+          <a:stretch>
+            <a:fillRect/>
+          </a:stretch>
+        </p:blipFill>
+        <p:spPr>
+          <a:xfrm>
+            <a:off x="9605306" y="2144493"/>
+            <a:ext cx="1941004" cy="2585694"/>
+          </a:xfrm>
+          <a:prstGeom prst="rect">
+            <a:avLst/>
+          </a:prstGeom>
+        </p:spPr>
+      </p:pic>
+      <p:sp>
+        <p:nvSpPr>
+          <p:cNvPr id="17" name="文字方塊 16">
+            <a:extLst>
+              <a:ext uri="{FF2B5EF4-FFF2-40B4-BE49-F238E27FC236}">
+                <a16:creationId xmlns:a16="http://schemas.microsoft.com/office/drawing/2014/main" id="{06AD0DBA-1926-4D62-ACCB-8245C5C5BABC}"/>
+              </a:ext>
+            </a:extLst>
+          </p:cNvPr>
+          <p:cNvSpPr txBox="1"/>
+          <p:nvPr/>
+        </p:nvSpPr>
+        <p:spPr>
+          <a:xfrm>
+            <a:off x="8588850" y="4797191"/>
+            <a:ext cx="2343150" cy="369332"/>
+          </a:xfrm>
+          <a:prstGeom prst="rect">
+            <a:avLst/>
+          </a:prstGeom>
+          <a:noFill/>
+        </p:spPr>
+        <p:txBody>
+          <a:bodyPr wrap="square" rtlCol="0">
+            <a:spAutoFit/>
+          </a:bodyPr>
+          <a:lstStyle/>
+          <a:p>
+            <a:r>
+              <a:rPr lang="en-US" altLang="zh-TW" dirty="0"/>
+              <a:t>Probably will be ok…</a:t>
+            </a:r>
+            <a:endParaRPr lang="zh-TW" altLang="en-US" dirty="0"/>
+          </a:p>
+        </p:txBody>
+      </p:sp>
+      <p:pic>
+        <p:nvPicPr>
+          <p:cNvPr id="14" name="圖片 13">
+            <a:extLst>
+              <a:ext uri="{FF2B5EF4-FFF2-40B4-BE49-F238E27FC236}">
+                <a16:creationId xmlns:a16="http://schemas.microsoft.com/office/drawing/2014/main" id="{E7933859-DE23-430B-96B0-2DE9A3B87993}"/>
+              </a:ext>
+            </a:extLst>
+          </p:cNvPr>
+          <p:cNvPicPr>
+            <a:picLocks noChangeAspect="1"/>
+          </p:cNvPicPr>
+          <p:nvPr/>
+        </p:nvPicPr>
+        <p:blipFill>
+          <a:blip r:embed="rId4">
+            <a:extLst>
+              <a:ext uri="{28A0092B-C50C-407E-A947-70E740481C1C}">
+                <a14:useLocalDpi xmlns:a14="http://schemas.microsoft.com/office/drawing/2010/main" val="0"/>
+              </a:ext>
+            </a:extLst>
+          </a:blip>
+          <a:stretch>
+            <a:fillRect/>
+          </a:stretch>
+        </p:blipFill>
+        <p:spPr>
+          <a:xfrm>
+            <a:off x="2951455" y="2119470"/>
+            <a:ext cx="1941004" cy="2585695"/>
+          </a:xfrm>
+          <a:prstGeom prst="rect">
+            <a:avLst/>
+          </a:prstGeom>
+        </p:spPr>
+      </p:pic>
+      <p:sp>
+        <p:nvSpPr>
+          <p:cNvPr id="19" name="文字方塊 18">
+            <a:extLst>
+              <a:ext uri="{FF2B5EF4-FFF2-40B4-BE49-F238E27FC236}">
+                <a16:creationId xmlns:a16="http://schemas.microsoft.com/office/drawing/2014/main" id="{D73B205C-3184-47B7-9C25-AD8F159F54CB}"/>
+              </a:ext>
+            </a:extLst>
+          </p:cNvPr>
+          <p:cNvSpPr txBox="1"/>
+          <p:nvPr/>
+        </p:nvSpPr>
+        <p:spPr>
+          <a:xfrm>
+            <a:off x="1097280" y="4765698"/>
+            <a:ext cx="422058" cy="369332"/>
+          </a:xfrm>
+          <a:prstGeom prst="rect">
+            <a:avLst/>
+          </a:prstGeom>
+          <a:noFill/>
+        </p:spPr>
+        <p:txBody>
+          <a:bodyPr wrap="square" rtlCol="0">
+            <a:spAutoFit/>
+          </a:bodyPr>
+          <a:lstStyle/>
+          <a:p>
+            <a:r>
+              <a:rPr lang="en-US" altLang="zh-TW" dirty="0"/>
+              <a:t>ok</a:t>
+            </a:r>
+            <a:endParaRPr lang="zh-TW" altLang="en-US" dirty="0"/>
+          </a:p>
+        </p:txBody>
+      </p:sp>
+      <p:sp>
+        <p:nvSpPr>
+          <p:cNvPr id="20" name="文字方塊 19">
+            <a:extLst>
+              <a:ext uri="{FF2B5EF4-FFF2-40B4-BE49-F238E27FC236}">
+                <a16:creationId xmlns:a16="http://schemas.microsoft.com/office/drawing/2014/main" id="{4510AC48-C60D-4252-89BD-02D7AEA647E2}"/>
+              </a:ext>
+            </a:extLst>
+          </p:cNvPr>
+          <p:cNvSpPr txBox="1"/>
+          <p:nvPr/>
+        </p:nvSpPr>
+        <p:spPr>
+          <a:xfrm>
+            <a:off x="3710928" y="4759391"/>
+            <a:ext cx="422058" cy="369332"/>
+          </a:xfrm>
+          <a:prstGeom prst="rect">
+            <a:avLst/>
+          </a:prstGeom>
+          <a:noFill/>
+        </p:spPr>
+        <p:txBody>
+          <a:bodyPr wrap="square" rtlCol="0">
+            <a:spAutoFit/>
+          </a:bodyPr>
+          <a:lstStyle/>
+          <a:p>
+            <a:r>
+              <a:rPr lang="en-US" altLang="zh-TW" dirty="0"/>
+              <a:t>ok</a:t>
+            </a:r>
+            <a:endParaRPr lang="zh-TW" altLang="en-US" dirty="0"/>
+          </a:p>
+        </p:txBody>
+      </p:sp>
+      <p:pic>
+        <p:nvPicPr>
+          <p:cNvPr id="22" name="圖片 21">
+            <a:extLst>
+              <a:ext uri="{FF2B5EF4-FFF2-40B4-BE49-F238E27FC236}">
+                <a16:creationId xmlns:a16="http://schemas.microsoft.com/office/drawing/2014/main" id="{9C815D76-E887-406D-A3FD-6450BCAE7CC1}"/>
+              </a:ext>
+            </a:extLst>
+          </p:cNvPr>
+          <p:cNvPicPr>
+            <a:picLocks noChangeAspect="1"/>
+          </p:cNvPicPr>
+          <p:nvPr/>
+        </p:nvPicPr>
+        <p:blipFill>
+          <a:blip r:embed="rId5">
+            <a:extLst>
+              <a:ext uri="{28A0092B-C50C-407E-A947-70E740481C1C}">
+                <a14:useLocalDpi xmlns:a14="http://schemas.microsoft.com/office/drawing/2010/main" val="0"/>
+              </a:ext>
+            </a:extLst>
+          </a:blip>
+          <a:stretch>
+            <a:fillRect/>
+          </a:stretch>
+        </p:blipFill>
+        <p:spPr>
+          <a:xfrm>
+            <a:off x="7545688" y="2173696"/>
+            <a:ext cx="1941004" cy="2585695"/>
+          </a:xfrm>
+          <a:prstGeom prst="rect">
+            <a:avLst/>
+          </a:prstGeom>
+        </p:spPr>
+      </p:pic>
     </p:spTree>
     <p:extLst>
       <p:ext uri="{BB962C8B-B14F-4D97-AF65-F5344CB8AC3E}">
-        <p14:creationId xmlns:p14="http://schemas.microsoft.com/office/powerpoint/2010/main" val="1307648723"/>
+        <p14:creationId xmlns:p14="http://schemas.microsoft.com/office/powerpoint/2010/main" val="3675636305"/>
       </p:ext>
     </p:extLst>
   </p:cSld>
@@ -18124,7 +18750,7 @@
 </p:sld>
 </file>
 
-<file path=ppt/slides/slide24.xml><?xml version="1.0" encoding="utf-8"?>
+<file path=ppt/slides/slide25.xml><?xml version="1.0" encoding="utf-8"?>
 <p:sld xmlns:a="http://schemas.openxmlformats.org/drawingml/2006/main" xmlns:r="http://schemas.openxmlformats.org/officeDocument/2006/relationships" xmlns:p="http://schemas.openxmlformats.org/presentationml/2006/main">
   <p:cSld>
     <p:spTree>
@@ -18141,39 +18767,12 @@
           <a:chExt cx="0" cy="0"/>
         </a:xfrm>
       </p:grpSpPr>
-      <p:sp>
-        <p:nvSpPr>
-          <p:cNvPr id="2" name="標題 1"/>
-          <p:cNvSpPr>
-            <a:spLocks noGrp="1"/>
-          </p:cNvSpPr>
-          <p:nvPr>
-            <p:ph type="title"/>
-          </p:nvPr>
-        </p:nvSpPr>
-        <p:spPr/>
-        <p:txBody>
-          <a:bodyPr/>
-          <a:lstStyle/>
-          <a:p>
-            <a:r>
-              <a:rPr lang="en-US" altLang="zh-TW" dirty="0">
-                <a:solidFill>
-                  <a:schemeClr val="tx1"/>
-                </a:solidFill>
-                <a:latin typeface="Comic Sans MS" panose="030F0702030302020204" pitchFamily="66" charset="0"/>
-              </a:rPr>
-              <a:t>Verification</a:t>
-            </a:r>
-          </a:p>
-        </p:txBody>
-      </p:sp>
       <p:grpSp>
         <p:nvGrpSpPr>
           <p:cNvPr id="4" name="群組 3">
             <a:extLst>
               <a:ext uri="{FF2B5EF4-FFF2-40B4-BE49-F238E27FC236}">
-                <a16:creationId xmlns:a16="http://schemas.microsoft.com/office/drawing/2014/main" id="{BB067E8C-F4D2-4F9B-A658-FBE303B9BE2C}"/>
+                <a16:creationId xmlns:a16="http://schemas.microsoft.com/office/drawing/2014/main" id="{95949503-5149-4BFB-B3BC-2241A673B7F2}"/>
               </a:ext>
             </a:extLst>
           </p:cNvPr>
@@ -18193,7 +18792,7 @@
             <p:cNvPr id="5" name="矩形 4">
               <a:extLst>
                 <a:ext uri="{FF2B5EF4-FFF2-40B4-BE49-F238E27FC236}">
-                  <a16:creationId xmlns:a16="http://schemas.microsoft.com/office/drawing/2014/main" id="{B2F08A9D-E6B7-473B-93FF-C1AA99796F3C}"/>
+                  <a16:creationId xmlns:a16="http://schemas.microsoft.com/office/drawing/2014/main" id="{ACED6BD8-342F-4FDC-B354-267E9A2DD556}"/>
                 </a:ext>
               </a:extLst>
             </p:cNvPr>
@@ -18209,7 +18808,9 @@
               <a:avLst/>
             </a:prstGeom>
             <a:solidFill>
-              <a:srgbClr val="FF66FF"/>
+              <a:schemeClr val="accent6">
+                <a:lumMod val="75000"/>
+              </a:schemeClr>
             </a:solidFill>
             <a:ln>
               <a:noFill/>
@@ -18245,7 +18846,7 @@
             <p:cNvPr id="6" name="矩形 5">
               <a:extLst>
                 <a:ext uri="{FF2B5EF4-FFF2-40B4-BE49-F238E27FC236}">
-                  <a16:creationId xmlns:a16="http://schemas.microsoft.com/office/drawing/2014/main" id="{187BCFB7-700C-475A-BDC7-DD5CAAC7BFA2}"/>
+                  <a16:creationId xmlns:a16="http://schemas.microsoft.com/office/drawing/2014/main" id="{37E17386-82E4-43CF-8B40-F434AED3F0D3}"/>
                 </a:ext>
               </a:extLst>
             </p:cNvPr>
@@ -18297,7 +18898,7 @@
             <p:cNvPr id="7" name="矩形 6">
               <a:extLst>
                 <a:ext uri="{FF2B5EF4-FFF2-40B4-BE49-F238E27FC236}">
-                  <a16:creationId xmlns:a16="http://schemas.microsoft.com/office/drawing/2014/main" id="{3840DECF-1265-46B4-A52F-582976F47946}"/>
+                  <a16:creationId xmlns:a16="http://schemas.microsoft.com/office/drawing/2014/main" id="{158774CD-301C-4D99-B212-3B9660624644}"/>
                 </a:ext>
               </a:extLst>
             </p:cNvPr>
@@ -18313,7 +18914,9 @@
               <a:avLst/>
             </a:prstGeom>
             <a:solidFill>
-              <a:srgbClr val="FF66FF"/>
+              <a:schemeClr val="accent6">
+                <a:lumMod val="75000"/>
+              </a:schemeClr>
             </a:solidFill>
             <a:ln>
               <a:noFill/>
@@ -18345,10 +18948,191 @@
           </p:txBody>
         </p:sp>
       </p:grpSp>
+      <p:pic>
+        <p:nvPicPr>
+          <p:cNvPr id="3" name="圖片 2">
+            <a:extLst>
+              <a:ext uri="{FF2B5EF4-FFF2-40B4-BE49-F238E27FC236}">
+                <a16:creationId xmlns:a16="http://schemas.microsoft.com/office/drawing/2014/main" id="{65CD3582-7A79-4D48-B64E-D3453177F8D2}"/>
+              </a:ext>
+            </a:extLst>
+          </p:cNvPr>
+          <p:cNvPicPr>
+            <a:picLocks noChangeAspect="1"/>
+          </p:cNvPicPr>
+          <p:nvPr/>
+        </p:nvPicPr>
+        <p:blipFill>
+          <a:blip r:embed="rId2" cstate="print">
+            <a:extLst>
+              <a:ext uri="{28A0092B-C50C-407E-A947-70E740481C1C}">
+                <a14:useLocalDpi xmlns:a14="http://schemas.microsoft.com/office/drawing/2010/main" val="0"/>
+              </a:ext>
+            </a:extLst>
+          </a:blip>
+          <a:stretch>
+            <a:fillRect/>
+          </a:stretch>
+        </p:blipFill>
+        <p:spPr>
+          <a:xfrm>
+            <a:off x="221377" y="1966127"/>
+            <a:ext cx="1829365" cy="2439153"/>
+          </a:xfrm>
+          <a:prstGeom prst="rect">
+            <a:avLst/>
+          </a:prstGeom>
+        </p:spPr>
+      </p:pic>
+      <p:pic>
+        <p:nvPicPr>
+          <p:cNvPr id="11" name="圖片 10">
+            <a:extLst>
+              <a:ext uri="{FF2B5EF4-FFF2-40B4-BE49-F238E27FC236}">
+                <a16:creationId xmlns:a16="http://schemas.microsoft.com/office/drawing/2014/main" id="{007C8705-D3B9-429D-9CDD-FB377568CC5F}"/>
+              </a:ext>
+            </a:extLst>
+          </p:cNvPr>
+          <p:cNvPicPr>
+            <a:picLocks noChangeAspect="1"/>
+          </p:cNvPicPr>
+          <p:nvPr/>
+        </p:nvPicPr>
+        <p:blipFill>
+          <a:blip r:embed="rId3" cstate="print">
+            <a:extLst>
+              <a:ext uri="{28A0092B-C50C-407E-A947-70E740481C1C}">
+                <a14:useLocalDpi xmlns:a14="http://schemas.microsoft.com/office/drawing/2010/main" val="0"/>
+              </a:ext>
+            </a:extLst>
+          </a:blip>
+          <a:stretch>
+            <a:fillRect/>
+          </a:stretch>
+        </p:blipFill>
+        <p:spPr>
+          <a:xfrm>
+            <a:off x="4368296" y="1966125"/>
+            <a:ext cx="1829365" cy="2439153"/>
+          </a:xfrm>
+          <a:prstGeom prst="rect">
+            <a:avLst/>
+          </a:prstGeom>
+        </p:spPr>
+      </p:pic>
+      <p:pic>
+        <p:nvPicPr>
+          <p:cNvPr id="13" name="圖片 12">
+            <a:extLst>
+              <a:ext uri="{FF2B5EF4-FFF2-40B4-BE49-F238E27FC236}">
+                <a16:creationId xmlns:a16="http://schemas.microsoft.com/office/drawing/2014/main" id="{09D4C93B-D4AF-4CBC-AE45-B68BE9E3CACA}"/>
+              </a:ext>
+            </a:extLst>
+          </p:cNvPr>
+          <p:cNvPicPr>
+            <a:picLocks noChangeAspect="1"/>
+          </p:cNvPicPr>
+          <p:nvPr/>
+        </p:nvPicPr>
+        <p:blipFill>
+          <a:blip r:embed="rId4" cstate="print">
+            <a:extLst>
+              <a:ext uri="{28A0092B-C50C-407E-A947-70E740481C1C}">
+                <a14:useLocalDpi xmlns:a14="http://schemas.microsoft.com/office/drawing/2010/main" val="0"/>
+              </a:ext>
+            </a:extLst>
+          </a:blip>
+          <a:stretch>
+            <a:fillRect/>
+          </a:stretch>
+        </p:blipFill>
+        <p:spPr>
+          <a:xfrm>
+            <a:off x="2294836" y="1966123"/>
+            <a:ext cx="1829365" cy="2439153"/>
+          </a:xfrm>
+          <a:prstGeom prst="rect">
+            <a:avLst/>
+          </a:prstGeom>
+        </p:spPr>
+      </p:pic>
+      <p:pic>
+        <p:nvPicPr>
+          <p:cNvPr id="15" name="圖片 14">
+            <a:extLst>
+              <a:ext uri="{FF2B5EF4-FFF2-40B4-BE49-F238E27FC236}">
+                <a16:creationId xmlns:a16="http://schemas.microsoft.com/office/drawing/2014/main" id="{C4B36F9D-0884-4530-90AB-65B6D3687303}"/>
+              </a:ext>
+            </a:extLst>
+          </p:cNvPr>
+          <p:cNvPicPr>
+            <a:picLocks noChangeAspect="1"/>
+          </p:cNvPicPr>
+          <p:nvPr/>
+        </p:nvPicPr>
+        <p:blipFill>
+          <a:blip r:embed="rId5" cstate="print">
+            <a:extLst>
+              <a:ext uri="{28A0092B-C50C-407E-A947-70E740481C1C}">
+                <a14:useLocalDpi xmlns:a14="http://schemas.microsoft.com/office/drawing/2010/main" val="0"/>
+              </a:ext>
+            </a:extLst>
+          </a:blip>
+          <a:stretch>
+            <a:fillRect/>
+          </a:stretch>
+        </p:blipFill>
+        <p:spPr>
+          <a:xfrm>
+            <a:off x="6441755" y="1966123"/>
+            <a:ext cx="1829365" cy="2439153"/>
+          </a:xfrm>
+          <a:prstGeom prst="rect">
+            <a:avLst/>
+          </a:prstGeom>
+        </p:spPr>
+      </p:pic>
+      <p:sp>
+        <p:nvSpPr>
+          <p:cNvPr id="16" name="標題 1">
+            <a:extLst>
+              <a:ext uri="{FF2B5EF4-FFF2-40B4-BE49-F238E27FC236}">
+                <a16:creationId xmlns:a16="http://schemas.microsoft.com/office/drawing/2014/main" id="{6338A798-D9DF-45BD-9B26-F4D658FE048F}"/>
+              </a:ext>
+            </a:extLst>
+          </p:cNvPr>
+          <p:cNvSpPr>
+            <a:spLocks noGrp="1"/>
+          </p:cNvSpPr>
+          <p:nvPr>
+            <p:ph type="title"/>
+          </p:nvPr>
+        </p:nvSpPr>
+        <p:spPr>
+          <a:xfrm>
+            <a:off x="1097280" y="286603"/>
+            <a:ext cx="10058400" cy="1450757"/>
+          </a:xfrm>
+        </p:spPr>
+        <p:txBody>
+          <a:bodyPr>
+            <a:normAutofit/>
+          </a:bodyPr>
+          <a:lstStyle/>
+          <a:p>
+            <a:r>
+              <a:rPr lang="en-US" altLang="zh-TW" dirty="0">
+                <a:latin typeface="Comic Sans MS" panose="030F0702030302020204" pitchFamily="66" charset="0"/>
+              </a:rPr>
+              <a:t>Bad result</a:t>
+            </a:r>
+          </a:p>
+        </p:txBody>
+      </p:sp>
     </p:spTree>
     <p:extLst>
       <p:ext uri="{BB962C8B-B14F-4D97-AF65-F5344CB8AC3E}">
-        <p14:creationId xmlns:p14="http://schemas.microsoft.com/office/powerpoint/2010/main" val="1069657613"/>
+        <p14:creationId xmlns:p14="http://schemas.microsoft.com/office/powerpoint/2010/main" val="1307648723"/>
       </p:ext>
     </p:extLst>
   </p:cSld>
@@ -18358,7 +19142,7 @@
 </p:sld>
 </file>
 
-<file path=ppt/slides/slide25.xml><?xml version="1.0" encoding="utf-8"?>
+<file path=ppt/slides/slide26.xml><?xml version="1.0" encoding="utf-8"?>
 <p:sld xmlns:a="http://schemas.openxmlformats.org/drawingml/2006/main" xmlns:r="http://schemas.openxmlformats.org/officeDocument/2006/relationships" xmlns:p="http://schemas.openxmlformats.org/presentationml/2006/main">
   <p:cSld>
     <p:spTree>
@@ -18375,12 +19159,84 @@
           <a:chExt cx="0" cy="0"/>
         </a:xfrm>
       </p:grpSpPr>
+      <p:pic>
+        <p:nvPicPr>
+          <p:cNvPr id="12" name="圖片 11">
+            <a:extLst>
+              <a:ext uri="{FF2B5EF4-FFF2-40B4-BE49-F238E27FC236}">
+                <a16:creationId xmlns:a16="http://schemas.microsoft.com/office/drawing/2014/main" id="{408C7349-92A2-43DF-A369-EDB75487E54E}"/>
+              </a:ext>
+            </a:extLst>
+          </p:cNvPr>
+          <p:cNvPicPr>
+            <a:picLocks noChangeAspect="1"/>
+          </p:cNvPicPr>
+          <p:nvPr/>
+        </p:nvPicPr>
+        <p:blipFill>
+          <a:blip r:embed="rId2" cstate="print">
+            <a:extLst>
+              <a:ext uri="{28A0092B-C50C-407E-A947-70E740481C1C}">
+                <a14:useLocalDpi xmlns:a14="http://schemas.microsoft.com/office/drawing/2010/main" val="0"/>
+              </a:ext>
+            </a:extLst>
+          </a:blip>
+          <a:stretch>
+            <a:fillRect/>
+          </a:stretch>
+        </p:blipFill>
+        <p:spPr>
+          <a:xfrm>
+            <a:off x="3693074" y="2061694"/>
+            <a:ext cx="2780028" cy="3706704"/>
+          </a:xfrm>
+          <a:prstGeom prst="rect">
+            <a:avLst/>
+          </a:prstGeom>
+        </p:spPr>
+      </p:pic>
+      <p:pic>
+        <p:nvPicPr>
+          <p:cNvPr id="15" name="圖片 14">
+            <a:extLst>
+              <a:ext uri="{FF2B5EF4-FFF2-40B4-BE49-F238E27FC236}">
+                <a16:creationId xmlns:a16="http://schemas.microsoft.com/office/drawing/2014/main" id="{C4B36F9D-0884-4530-90AB-65B6D3687303}"/>
+              </a:ext>
+            </a:extLst>
+          </p:cNvPr>
+          <p:cNvPicPr>
+            <a:picLocks noChangeAspect="1"/>
+          </p:cNvPicPr>
+          <p:nvPr/>
+        </p:nvPicPr>
+        <p:blipFill>
+          <a:blip r:embed="rId3">
+            <a:extLst>
+              <a:ext uri="{28A0092B-C50C-407E-A947-70E740481C1C}">
+                <a14:useLocalDpi xmlns:a14="http://schemas.microsoft.com/office/drawing/2010/main" val="0"/>
+              </a:ext>
+            </a:extLst>
+          </a:blip>
+          <a:stretch>
+            <a:fillRect/>
+          </a:stretch>
+        </p:blipFill>
+        <p:spPr>
+          <a:xfrm>
+            <a:off x="8940390" y="2061694"/>
+            <a:ext cx="2780028" cy="3706704"/>
+          </a:xfrm>
+          <a:prstGeom prst="rect">
+            <a:avLst/>
+          </a:prstGeom>
+        </p:spPr>
+      </p:pic>
       <p:grpSp>
         <p:nvGrpSpPr>
           <p:cNvPr id="4" name="群組 3">
             <a:extLst>
               <a:ext uri="{FF2B5EF4-FFF2-40B4-BE49-F238E27FC236}">
-                <a16:creationId xmlns:a16="http://schemas.microsoft.com/office/drawing/2014/main" id="{6C73D081-5E7A-4417-B64D-9ABFF7A9F354}"/>
+                <a16:creationId xmlns:a16="http://schemas.microsoft.com/office/drawing/2014/main" id="{95949503-5149-4BFB-B3BC-2241A673B7F2}"/>
               </a:ext>
             </a:extLst>
           </p:cNvPr>
@@ -18400,7 +19256,7 @@
             <p:cNvPr id="5" name="矩形 4">
               <a:extLst>
                 <a:ext uri="{FF2B5EF4-FFF2-40B4-BE49-F238E27FC236}">
-                  <a16:creationId xmlns:a16="http://schemas.microsoft.com/office/drawing/2014/main" id="{4E7B469F-2C26-4869-8B42-1894B8091B02}"/>
+                  <a16:creationId xmlns:a16="http://schemas.microsoft.com/office/drawing/2014/main" id="{ACED6BD8-342F-4FDC-B354-267E9A2DD556}"/>
                 </a:ext>
               </a:extLst>
             </p:cNvPr>
@@ -18416,7 +19272,9 @@
               <a:avLst/>
             </a:prstGeom>
             <a:solidFill>
-              <a:srgbClr val="FF66FF"/>
+              <a:schemeClr val="accent6">
+                <a:lumMod val="75000"/>
+              </a:schemeClr>
             </a:solidFill>
             <a:ln>
               <a:noFill/>
@@ -18452,7 +19310,7 @@
             <p:cNvPr id="6" name="矩形 5">
               <a:extLst>
                 <a:ext uri="{FF2B5EF4-FFF2-40B4-BE49-F238E27FC236}">
-                  <a16:creationId xmlns:a16="http://schemas.microsoft.com/office/drawing/2014/main" id="{809D880D-80C6-4B49-A56C-1A2393645875}"/>
+                  <a16:creationId xmlns:a16="http://schemas.microsoft.com/office/drawing/2014/main" id="{37E17386-82E4-43CF-8B40-F434AED3F0D3}"/>
                 </a:ext>
               </a:extLst>
             </p:cNvPr>
@@ -18504,7 +19362,7 @@
             <p:cNvPr id="7" name="矩形 6">
               <a:extLst>
                 <a:ext uri="{FF2B5EF4-FFF2-40B4-BE49-F238E27FC236}">
-                  <a16:creationId xmlns:a16="http://schemas.microsoft.com/office/drawing/2014/main" id="{FB482AD5-0959-446B-8C64-CE21FC7F466D}"/>
+                  <a16:creationId xmlns:a16="http://schemas.microsoft.com/office/drawing/2014/main" id="{158774CD-301C-4D99-B212-3B9660624644}"/>
                 </a:ext>
               </a:extLst>
             </p:cNvPr>
@@ -18520,7 +19378,9 @@
               <a:avLst/>
             </a:prstGeom>
             <a:solidFill>
-              <a:srgbClr val="FF66FF"/>
+              <a:schemeClr val="accent6">
+                <a:lumMod val="75000"/>
+              </a:schemeClr>
             </a:solidFill>
             <a:ln>
               <a:noFill/>
@@ -18552,39 +19412,15 @@
           </p:txBody>
         </p:sp>
       </p:grpSp>
-    </p:spTree>
-    <p:extLst>
-      <p:ext uri="{BB962C8B-B14F-4D97-AF65-F5344CB8AC3E}">
-        <p14:creationId xmlns:p14="http://schemas.microsoft.com/office/powerpoint/2010/main" val="209061419"/>
-      </p:ext>
-    </p:extLst>
-  </p:cSld>
-  <p:clrMapOvr>
-    <a:masterClrMapping/>
-  </p:clrMapOvr>
-</p:sld>
-</file>
-
-<file path=ppt/slides/slide26.xml><?xml version="1.0" encoding="utf-8"?>
-<p:sld xmlns:a="http://schemas.openxmlformats.org/drawingml/2006/main" xmlns:r="http://schemas.openxmlformats.org/officeDocument/2006/relationships" xmlns:p="http://schemas.openxmlformats.org/presentationml/2006/main">
-  <p:cSld>
-    <p:spTree>
-      <p:nvGrpSpPr>
-        <p:cNvPr id="1" name=""/>
-        <p:cNvGrpSpPr/>
-        <p:nvPr/>
-      </p:nvGrpSpPr>
-      <p:grpSpPr>
-        <a:xfrm>
-          <a:off x="0" y="0"/>
-          <a:ext cx="0" cy="0"/>
-          <a:chOff x="0" y="0"/>
-          <a:chExt cx="0" cy="0"/>
-        </a:xfrm>
-      </p:grpSpPr>
       <p:sp>
         <p:nvSpPr>
-          <p:cNvPr id="2" name="標題 1"/>
+          <p:cNvPr id="16" name="標題 1">
+            <a:extLst>
+              <a:ext uri="{FF2B5EF4-FFF2-40B4-BE49-F238E27FC236}">
+                <a16:creationId xmlns:a16="http://schemas.microsoft.com/office/drawing/2014/main" id="{6338A798-D9DF-45BD-9B26-F4D658FE048F}"/>
+              </a:ext>
+            </a:extLst>
+          </p:cNvPr>
           <p:cNvSpPr>
             <a:spLocks noGrp="1"/>
           </p:cNvSpPr>
@@ -18592,7 +19428,12 @@
             <p:ph type="title"/>
           </p:nvPr>
         </p:nvSpPr>
-        <p:spPr/>
+        <p:spPr>
+          <a:xfrm>
+            <a:off x="1097280" y="286603"/>
+            <a:ext cx="10058400" cy="1450757"/>
+          </a:xfrm>
+        </p:spPr>
         <p:txBody>
           <a:bodyPr>
             <a:normAutofit/>
@@ -18600,73 +19441,178 @@
           <a:lstStyle/>
           <a:p>
             <a:r>
-              <a:rPr lang="en-US" altLang="zh-TW" sz="6600" dirty="0">
+              <a:rPr lang="en-US" altLang="zh-TW" dirty="0">
                 <a:latin typeface="Comic Sans MS" panose="030F0702030302020204" pitchFamily="66" charset="0"/>
               </a:rPr>
-              <a:t>Work distribution chart</a:t>
+              <a:t>Problem </a:t>
             </a:r>
           </a:p>
         </p:txBody>
       </p:sp>
-    </p:spTree>
-    <p:extLst>
-      <p:ext uri="{BB962C8B-B14F-4D97-AF65-F5344CB8AC3E}">
-        <p14:creationId xmlns:p14="http://schemas.microsoft.com/office/powerpoint/2010/main" val="1794268678"/>
-      </p:ext>
-    </p:extLst>
-  </p:cSld>
-  <p:clrMapOvr>
-    <a:masterClrMapping/>
-  </p:clrMapOvr>
-</p:sld>
-</file>
-
-<file path=ppt/slides/slide27.xml><?xml version="1.0" encoding="utf-8"?>
-<p:sld xmlns:a="http://schemas.openxmlformats.org/drawingml/2006/main" xmlns:r="http://schemas.openxmlformats.org/officeDocument/2006/relationships" xmlns:p="http://schemas.openxmlformats.org/presentationml/2006/main">
-  <p:cSld>
-    <p:spTree>
-      <p:nvGrpSpPr>
-        <p:cNvPr id="1" name=""/>
-        <p:cNvGrpSpPr/>
-        <p:nvPr/>
-      </p:nvGrpSpPr>
-      <p:grpSpPr>
-        <a:xfrm>
-          <a:off x="0" y="0"/>
-          <a:ext cx="0" cy="0"/>
-          <a:chOff x="0" y="0"/>
-          <a:chExt cx="0" cy="0"/>
-        </a:xfrm>
-      </p:grpSpPr>
-      <p:cxnSp>
-        <p:nvCxnSpPr>
-          <p:cNvPr id="13" name="直線接點 12">
+      <p:pic>
+        <p:nvPicPr>
+          <p:cNvPr id="8" name="圖片 7">
             <a:extLst>
               <a:ext uri="{FF2B5EF4-FFF2-40B4-BE49-F238E27FC236}">
-                <a16:creationId xmlns:a16="http://schemas.microsoft.com/office/drawing/2014/main" id="{ADEA4BC1-5A60-434C-A97A-569244611491}"/>
+                <a16:creationId xmlns:a16="http://schemas.microsoft.com/office/drawing/2014/main" id="{6993A486-FAFE-44E0-9424-65015680F21E}"/>
               </a:ext>
             </a:extLst>
           </p:cNvPr>
-          <p:cNvCxnSpPr>
-            <a:cxnSpLocks/>
-          </p:cNvCxnSpPr>
+          <p:cNvPicPr>
+            <a:picLocks noChangeAspect="1"/>
+          </p:cNvPicPr>
+          <p:nvPr/>
+        </p:nvPicPr>
+        <p:blipFill>
+          <a:blip r:embed="rId4" cstate="print">
+            <a:extLst>
+              <a:ext uri="{28A0092B-C50C-407E-A947-70E740481C1C}">
+                <a14:useLocalDpi xmlns:a14="http://schemas.microsoft.com/office/drawing/2010/main" val="0"/>
+              </a:ext>
+            </a:extLst>
+          </a:blip>
+          <a:stretch>
+            <a:fillRect/>
+          </a:stretch>
+        </p:blipFill>
+        <p:spPr>
+          <a:xfrm>
+            <a:off x="554083" y="2061693"/>
+            <a:ext cx="2780029" cy="3706705"/>
+          </a:xfrm>
+          <a:prstGeom prst="rect">
+            <a:avLst/>
+          </a:prstGeom>
+        </p:spPr>
+      </p:pic>
+      <p:sp>
+        <p:nvSpPr>
+          <p:cNvPr id="9" name="文字方塊 8">
+            <a:extLst>
+              <a:ext uri="{FF2B5EF4-FFF2-40B4-BE49-F238E27FC236}">
+                <a16:creationId xmlns:a16="http://schemas.microsoft.com/office/drawing/2014/main" id="{933CCACF-D6DF-4F7E-A784-BFE3F5096095}"/>
+              </a:ext>
+            </a:extLst>
+          </p:cNvPr>
+          <p:cNvSpPr txBox="1"/>
+          <p:nvPr/>
+        </p:nvSpPr>
+        <p:spPr>
+          <a:xfrm>
+            <a:off x="4197479" y="2148840"/>
+            <a:ext cx="1981200" cy="369332"/>
+          </a:xfrm>
+          <a:prstGeom prst="rect">
+            <a:avLst/>
+          </a:prstGeom>
+          <a:noFill/>
+        </p:spPr>
+        <p:txBody>
+          <a:bodyPr wrap="square" rtlCol="0">
+            <a:spAutoFit/>
+          </a:bodyPr>
+          <a:lstStyle/>
+          <a:p>
+            <a:r>
+              <a:rPr lang="en-US" altLang="zh-TW" dirty="0" err="1"/>
+              <a:t>Training_image</a:t>
+            </a:r>
+            <a:endParaRPr lang="zh-TW" altLang="en-US" dirty="0"/>
+          </a:p>
+        </p:txBody>
+      </p:sp>
+      <p:sp>
+        <p:nvSpPr>
+          <p:cNvPr id="14" name="文字方塊 13">
+            <a:extLst>
+              <a:ext uri="{FF2B5EF4-FFF2-40B4-BE49-F238E27FC236}">
+                <a16:creationId xmlns:a16="http://schemas.microsoft.com/office/drawing/2014/main" id="{192A6FFD-533C-4ECE-BFA2-5892A9FA23DB}"/>
+              </a:ext>
+            </a:extLst>
+          </p:cNvPr>
+          <p:cNvSpPr txBox="1"/>
+          <p:nvPr/>
+        </p:nvSpPr>
+        <p:spPr>
+          <a:xfrm>
+            <a:off x="9484859" y="2148840"/>
+            <a:ext cx="1981200" cy="369332"/>
+          </a:xfrm>
+          <a:prstGeom prst="rect">
+            <a:avLst/>
+          </a:prstGeom>
+          <a:noFill/>
+        </p:spPr>
+        <p:txBody>
+          <a:bodyPr wrap="square" rtlCol="0">
+            <a:spAutoFit/>
+          </a:bodyPr>
+          <a:lstStyle/>
+          <a:p>
+            <a:r>
+              <a:rPr lang="en-US" altLang="zh-TW" dirty="0" err="1"/>
+              <a:t>Testing_image</a:t>
+            </a:r>
+            <a:endParaRPr lang="zh-TW" altLang="en-US" dirty="0"/>
+          </a:p>
+        </p:txBody>
+      </p:sp>
+      <p:sp>
+        <p:nvSpPr>
+          <p:cNvPr id="17" name="文字方塊 16">
+            <a:extLst>
+              <a:ext uri="{FF2B5EF4-FFF2-40B4-BE49-F238E27FC236}">
+                <a16:creationId xmlns:a16="http://schemas.microsoft.com/office/drawing/2014/main" id="{5DD827C4-3441-4CC2-A330-7CBA2918BF99}"/>
+              </a:ext>
+            </a:extLst>
+          </p:cNvPr>
+          <p:cNvSpPr txBox="1"/>
+          <p:nvPr/>
+        </p:nvSpPr>
+        <p:spPr>
+          <a:xfrm>
+            <a:off x="1042269" y="2148840"/>
+            <a:ext cx="1981200" cy="369332"/>
+          </a:xfrm>
+          <a:prstGeom prst="rect">
+            <a:avLst/>
+          </a:prstGeom>
+          <a:noFill/>
+        </p:spPr>
+        <p:txBody>
+          <a:bodyPr wrap="square" rtlCol="0">
+            <a:spAutoFit/>
+          </a:bodyPr>
+          <a:lstStyle/>
+          <a:p>
+            <a:r>
+              <a:rPr lang="en-US" altLang="zh-TW" dirty="0" err="1"/>
+              <a:t>Training_image</a:t>
+            </a:r>
+            <a:endParaRPr lang="zh-TW" altLang="en-US" dirty="0"/>
+          </a:p>
+        </p:txBody>
+      </p:sp>
+      <p:cxnSp>
+        <p:nvCxnSpPr>
+          <p:cNvPr id="19" name="直線接點 18">
+            <a:extLst>
+              <a:ext uri="{FF2B5EF4-FFF2-40B4-BE49-F238E27FC236}">
+                <a16:creationId xmlns:a16="http://schemas.microsoft.com/office/drawing/2014/main" id="{9F227D76-3032-4B01-A968-5BCEA7DE69DD}"/>
+              </a:ext>
+            </a:extLst>
+          </p:cNvPr>
+          <p:cNvCxnSpPr/>
           <p:nvPr/>
         </p:nvCxnSpPr>
         <p:spPr>
           <a:xfrm>
-            <a:off x="1210899" y="1737360"/>
-            <a:ext cx="9982545" cy="0"/>
+            <a:off x="8327069" y="1737360"/>
+            <a:ext cx="0" cy="4644390"/>
           </a:xfrm>
           <a:prstGeom prst="line">
             <a:avLst/>
           </a:prstGeom>
-          <a:ln>
-            <a:solidFill>
-              <a:schemeClr val="bg1">
-                <a:lumMod val="50000"/>
-              </a:schemeClr>
-            </a:solidFill>
-          </a:ln>
         </p:spPr>
         <p:style>
           <a:lnRef idx="1">
@@ -18686,7 +19632,7 @@
     </p:spTree>
     <p:extLst>
       <p:ext uri="{BB962C8B-B14F-4D97-AF65-F5344CB8AC3E}">
-        <p14:creationId xmlns:p14="http://schemas.microsoft.com/office/powerpoint/2010/main" val="2268202256"/>
+        <p14:creationId xmlns:p14="http://schemas.microsoft.com/office/powerpoint/2010/main" val="1227453632"/>
       </p:ext>
     </p:extLst>
   </p:cSld>
@@ -18696,7 +19642,7 @@
 </p:sld>
 </file>
 
-<file path=ppt/slides/slide28.xml><?xml version="1.0" encoding="utf-8"?>
+<file path=ppt/slides/slide27.xml><?xml version="1.0" encoding="utf-8"?>
 <p:sld xmlns:a="http://schemas.openxmlformats.org/drawingml/2006/main" xmlns:r="http://schemas.openxmlformats.org/officeDocument/2006/relationships" xmlns:p="http://schemas.openxmlformats.org/presentationml/2006/main">
   <p:cSld>
     <p:spTree>
@@ -20139,24 +21085,12 @@
           </a:bodyPr>
           <a:lstStyle/>
           <a:p>
-            <a:r>
-              <a:rPr lang="en-US" altLang="zh-TW" dirty="0"/>
-              <a:t/>
-            </a:r>
             <a:br>
               <a:rPr lang="en-US" altLang="zh-TW" dirty="0"/>
             </a:br>
-            <a:r>
-              <a:rPr lang="en-US" altLang="zh-TW" dirty="0"/>
-              <a:t/>
-            </a:r>
             <a:br>
               <a:rPr lang="en-US" altLang="zh-TW" dirty="0"/>
             </a:br>
-            <a:r>
-              <a:rPr lang="en-US" altLang="zh-TW" dirty="0"/>
-              <a:t/>
-            </a:r>
             <a:br>
               <a:rPr lang="en-US" altLang="zh-TW" dirty="0"/>
             </a:br>
@@ -20612,10 +21546,6 @@
           <a:bodyPr/>
           <a:lstStyle/>
           <a:p>
-            <a:r>
-              <a:rPr lang="en-US" altLang="zh-TW" dirty="0"/>
-              <a:t/>
-            </a:r>
             <a:br>
               <a:rPr lang="en-US" altLang="zh-TW" dirty="0"/>
             </a:br>
@@ -21326,10 +22256,6 @@
           </a:bodyPr>
           <a:lstStyle/>
           <a:p>
-            <a:r>
-              <a:rPr lang="en-US" altLang="zh-TW" dirty="0"/>
-              <a:t/>
-            </a:r>
             <a:br>
               <a:rPr lang="en-US" altLang="zh-TW" dirty="0"/>
             </a:br>
